--- a/documents/AI Chat Bots.pptx
+++ b/documents/AI Chat Bots.pptx
@@ -6,12 +6,13 @@
   </p:sldMasterIdLst>
   <p:sldIdLst>
     <p:sldId id="256" r:id="rId2"/>
-    <p:sldId id="257" r:id="rId3"/>
-    <p:sldId id="258" r:id="rId4"/>
-    <p:sldId id="259" r:id="rId5"/>
-    <p:sldId id="260" r:id="rId6"/>
-    <p:sldId id="261" r:id="rId7"/>
-    <p:sldId id="262" r:id="rId8"/>
+    <p:sldId id="263" r:id="rId3"/>
+    <p:sldId id="257" r:id="rId4"/>
+    <p:sldId id="258" r:id="rId5"/>
+    <p:sldId id="259" r:id="rId6"/>
+    <p:sldId id="260" r:id="rId7"/>
+    <p:sldId id="261" r:id="rId8"/>
+    <p:sldId id="262" r:id="rId9"/>
   </p:sldIdLst>
   <p:sldSz cx="12192000" cy="6858000"/>
   <p:notesSz cx="6858000" cy="9144000"/>
@@ -110,6 +111,11 @@
       </a:defRPr>
     </a:lvl9pPr>
   </p:defaultTextStyle>
+  <p:extLst>
+    <p:ext uri="{EFAFB233-063F-42B5-8137-9DF3F51BA10A}">
+      <p15:sldGuideLst xmlns:p15="http://schemas.microsoft.com/office/powerpoint/2012/main"/>
+    </p:ext>
+  </p:extLst>
 </p:presentation>
 </file>
 
@@ -3423,6 +3429,184 @@
       </p:grpSpPr>
       <p:sp>
         <p:nvSpPr>
+          <p:cNvPr id="2" name="Title 1">
+            <a:extLst>
+              <a:ext uri="{FF2B5EF4-FFF2-40B4-BE49-F238E27FC236}">
+                <a16:creationId xmlns:a16="http://schemas.microsoft.com/office/drawing/2014/main" id="{D0F03BD1-07D5-B61A-CA75-EDA1A26D8B49}"/>
+              </a:ext>
+            </a:extLst>
+          </p:cNvPr>
+          <p:cNvSpPr>
+            <a:spLocks noGrp="1"/>
+          </p:cNvSpPr>
+          <p:nvPr>
+            <p:ph type="title"/>
+          </p:nvPr>
+        </p:nvSpPr>
+        <p:spPr/>
+        <p:txBody>
+          <a:bodyPr/>
+          <a:lstStyle/>
+          <a:p>
+            <a:r>
+              <a:rPr lang="en-US" dirty="0"/>
+              <a:t>Prologue</a:t>
+            </a:r>
+          </a:p>
+        </p:txBody>
+      </p:sp>
+      <p:sp>
+        <p:nvSpPr>
+          <p:cNvPr id="3" name="Content Placeholder 2">
+            <a:extLst>
+              <a:ext uri="{FF2B5EF4-FFF2-40B4-BE49-F238E27FC236}">
+                <a16:creationId xmlns:a16="http://schemas.microsoft.com/office/drawing/2014/main" id="{A0747E0A-0AB5-B654-7A58-44F6518757F9}"/>
+              </a:ext>
+            </a:extLst>
+          </p:cNvPr>
+          <p:cNvSpPr>
+            <a:spLocks noGrp="1"/>
+          </p:cNvSpPr>
+          <p:nvPr>
+            <p:ph idx="1"/>
+          </p:nvPr>
+        </p:nvSpPr>
+        <p:spPr/>
+        <p:txBody>
+          <a:bodyPr>
+            <a:normAutofit lnSpcReduction="10000"/>
+          </a:bodyPr>
+          <a:lstStyle/>
+          <a:p>
+            <a:r>
+              <a:rPr lang="en-US" dirty="0"/>
+              <a:t>Many AI platforms, e.g., OpenAI, Anthropic, Gemini, … have at least three ways of interacting with an LLM:</a:t>
+            </a:r>
+            <a:br>
+              <a:rPr lang="en-US" dirty="0"/>
+            </a:br>
+            <a:endParaRPr lang="en-US" sz="1200" dirty="0"/>
+          </a:p>
+          <a:p>
+            <a:pPr lvl="1"/>
+            <a:r>
+              <a:rPr lang="en-US" dirty="0"/>
+              <a:t>Web application (topic of this presentation)</a:t>
+            </a:r>
+          </a:p>
+          <a:p>
+            <a:pPr lvl="2"/>
+            <a:r>
+              <a:rPr lang="en-US" dirty="0"/>
+              <a:t>Can’t read from or write to local repositories</a:t>
+            </a:r>
+          </a:p>
+          <a:p>
+            <a:pPr lvl="2"/>
+            <a:r>
+              <a:rPr lang="en-US" dirty="0"/>
+              <a:t>Can’t read code from </a:t>
+            </a:r>
+            <a:r>
+              <a:rPr lang="en-US" dirty="0" err="1"/>
+              <a:t>github</a:t>
+            </a:r>
+            <a:r>
+              <a:rPr lang="en-US" dirty="0"/>
+              <a:t> repository</a:t>
+            </a:r>
+          </a:p>
+          <a:p>
+            <a:pPr lvl="2"/>
+            <a:r>
+              <a:rPr lang="en-US" dirty="0"/>
+              <a:t>Can paste a zip with code at the end of a prompt</a:t>
+            </a:r>
+          </a:p>
+          <a:p>
+            <a:pPr lvl="1"/>
+            <a:r>
+              <a:rPr lang="en-US" dirty="0"/>
+              <a:t>Agent (topic of 2nd presentation)</a:t>
+            </a:r>
+          </a:p>
+          <a:p>
+            <a:pPr lvl="2"/>
+            <a:r>
+              <a:rPr lang="en-US" dirty="0"/>
+              <a:t>Uses local code application to communicate with LLM</a:t>
+            </a:r>
+          </a:p>
+          <a:p>
+            <a:pPr lvl="2"/>
+            <a:r>
+              <a:rPr lang="en-US" dirty="0"/>
+              <a:t>Can read from and write to local repositories</a:t>
+            </a:r>
+          </a:p>
+          <a:p>
+            <a:pPr lvl="1"/>
+            <a:r>
+              <a:rPr lang="en-US" dirty="0"/>
+              <a:t>Console (topic of 3</a:t>
+            </a:r>
+            <a:r>
+              <a:rPr lang="en-US" baseline="30000" dirty="0"/>
+              <a:t>rd</a:t>
+            </a:r>
+            <a:r>
+              <a:rPr lang="en-US" dirty="0"/>
+              <a:t> presentation)</a:t>
+            </a:r>
+          </a:p>
+          <a:p>
+            <a:pPr lvl="2"/>
+            <a:r>
+              <a:rPr lang="en-US" dirty="0"/>
+              <a:t>Like agent but you don’t have to write agent code</a:t>
+            </a:r>
+          </a:p>
+          <a:p>
+            <a:pPr lvl="2"/>
+            <a:r>
+              <a:rPr lang="en-US" dirty="0"/>
+              <a:t>You simply use the console</a:t>
+            </a:r>
+          </a:p>
+        </p:txBody>
+      </p:sp>
+    </p:spTree>
+    <p:extLst>
+      <p:ext uri="{BB962C8B-B14F-4D97-AF65-F5344CB8AC3E}">
+        <p14:creationId xmlns:p14="http://schemas.microsoft.com/office/powerpoint/2010/main" val="225619154"/>
+      </p:ext>
+    </p:extLst>
+  </p:cSld>
+  <p:clrMapOvr>
+    <a:masterClrMapping/>
+  </p:clrMapOvr>
+</p:sld>
+</file>
+
+<file path=ppt/slides/slide3.xml><?xml version="1.0" encoding="utf-8"?>
+<p:sld xmlns:a="http://schemas.openxmlformats.org/drawingml/2006/main" xmlns:r="http://schemas.openxmlformats.org/officeDocument/2006/relationships" xmlns:p="http://schemas.openxmlformats.org/presentationml/2006/main">
+  <p:cSld>
+    <p:spTree>
+      <p:nvGrpSpPr>
+        <p:cNvPr id="1" name=""/>
+        <p:cNvGrpSpPr/>
+        <p:nvPr/>
+      </p:nvGrpSpPr>
+      <p:grpSpPr>
+        <a:xfrm>
+          <a:off x="0" y="0"/>
+          <a:ext cx="0" cy="0"/>
+          <a:chOff x="0" y="0"/>
+          <a:chExt cx="0" cy="0"/>
+        </a:xfrm>
+      </p:grpSpPr>
+      <p:sp>
+        <p:nvSpPr>
           <p:cNvPr id="12" name="Title 11">
             <a:extLst>
               <a:ext uri="{FF2B5EF4-FFF2-40B4-BE49-F238E27FC236}">
@@ -3539,7 +3723,7 @@
 </p:sld>
 </file>
 
-<file path=ppt/slides/slide3.xml><?xml version="1.0" encoding="utf-8"?>
+<file path=ppt/slides/slide4.xml><?xml version="1.0" encoding="utf-8"?>
 <p:sld xmlns:a="http://schemas.openxmlformats.org/drawingml/2006/main" xmlns:r="http://schemas.openxmlformats.org/officeDocument/2006/relationships" xmlns:p="http://schemas.openxmlformats.org/presentationml/2006/main">
   <p:cSld>
     <p:spTree>
@@ -3627,122 +3811,6 @@
 </p:sld>
 </file>
 
-<file path=ppt/slides/slide4.xml><?xml version="1.0" encoding="utf-8"?>
-<p:sld xmlns:a="http://schemas.openxmlformats.org/drawingml/2006/main" xmlns:r="http://schemas.openxmlformats.org/officeDocument/2006/relationships" xmlns:p="http://schemas.openxmlformats.org/presentationml/2006/main">
-  <p:cSld>
-    <p:spTree>
-      <p:nvGrpSpPr>
-        <p:cNvPr id="1" name=""/>
-        <p:cNvGrpSpPr/>
-        <p:nvPr/>
-      </p:nvGrpSpPr>
-      <p:grpSpPr>
-        <a:xfrm>
-          <a:off x="0" y="0"/>
-          <a:ext cx="0" cy="0"/>
-          <a:chOff x="0" y="0"/>
-          <a:chExt cx="0" cy="0"/>
-        </a:xfrm>
-      </p:grpSpPr>
-      <p:sp>
-        <p:nvSpPr>
-          <p:cNvPr id="3" name="Title 2">
-            <a:extLst>
-              <a:ext uri="{FF2B5EF4-FFF2-40B4-BE49-F238E27FC236}">
-                <a16:creationId xmlns:a16="http://schemas.microsoft.com/office/drawing/2014/main" id="{FB5EADD6-B4EF-33E4-A00C-56BEBCAAB559}"/>
-              </a:ext>
-            </a:extLst>
-          </p:cNvPr>
-          <p:cNvSpPr>
-            <a:spLocks noGrp="1"/>
-          </p:cNvSpPr>
-          <p:nvPr>
-            <p:ph type="title"/>
-          </p:nvPr>
-        </p:nvSpPr>
-        <p:spPr/>
-        <p:txBody>
-          <a:bodyPr/>
-          <a:lstStyle/>
-          <a:p>
-            <a:r>
-              <a:rPr lang="en-US" dirty="0"/>
-              <a:t>Limitations</a:t>
-            </a:r>
-          </a:p>
-        </p:txBody>
-      </p:sp>
-      <p:sp>
-        <p:nvSpPr>
-          <p:cNvPr id="4" name="Content Placeholder 3">
-            <a:extLst>
-              <a:ext uri="{FF2B5EF4-FFF2-40B4-BE49-F238E27FC236}">
-                <a16:creationId xmlns:a16="http://schemas.microsoft.com/office/drawing/2014/main" id="{F5E1CE9A-8852-52F1-4CBE-3F6B703C1B6B}"/>
-              </a:ext>
-            </a:extLst>
-          </p:cNvPr>
-          <p:cNvSpPr>
-            <a:spLocks noGrp="1"/>
-          </p:cNvSpPr>
-          <p:nvPr>
-            <p:ph idx="1"/>
-          </p:nvPr>
-        </p:nvSpPr>
-        <p:spPr/>
-        <p:txBody>
-          <a:bodyPr/>
-          <a:lstStyle/>
-          <a:p>
-            <a:r>
-              <a:rPr lang="en-US" dirty="0"/>
-              <a:t>AI Chat Bots have limitations:</a:t>
-            </a:r>
-          </a:p>
-          <a:p>
-            <a:pPr lvl="1">
-              <a:lnSpc>
-                <a:spcPct val="150000"/>
-              </a:lnSpc>
-            </a:pPr>
-            <a:r>
-              <a:rPr lang="en-US" dirty="0"/>
-              <a:t>Cannot read from or write to local repositories because they are browser based</a:t>
-            </a:r>
-          </a:p>
-          <a:p>
-            <a:pPr lvl="1">
-              <a:lnSpc>
-                <a:spcPct val="150000"/>
-              </a:lnSpc>
-            </a:pPr>
-            <a:r>
-              <a:rPr lang="en-US" dirty="0"/>
-              <a:t>Cannot read files from </a:t>
-            </a:r>
-            <a:r>
-              <a:rPr lang="en-US" dirty="0" err="1"/>
-              <a:t>github</a:t>
-            </a:r>
-            <a:r>
-              <a:rPr lang="en-US" dirty="0"/>
-              <a:t> repository</a:t>
-            </a:r>
-          </a:p>
-        </p:txBody>
-      </p:sp>
-    </p:spTree>
-    <p:extLst>
-      <p:ext uri="{BB962C8B-B14F-4D97-AF65-F5344CB8AC3E}">
-        <p14:creationId xmlns:p14="http://schemas.microsoft.com/office/powerpoint/2010/main" val="3523713901"/>
-      </p:ext>
-    </p:extLst>
-  </p:cSld>
-  <p:clrMapOvr>
-    <a:masterClrMapping/>
-  </p:clrMapOvr>
-</p:sld>
-</file>
-
 <file path=ppt/slides/slide5.xml><?xml version="1.0" encoding="utf-8"?>
 <p:sld xmlns:a="http://schemas.openxmlformats.org/drawingml/2006/main" xmlns:r="http://schemas.openxmlformats.org/officeDocument/2006/relationships" xmlns:p="http://schemas.openxmlformats.org/presentationml/2006/main">
   <p:cSld>
@@ -3762,10 +3830,10 @@
       </p:grpSpPr>
       <p:sp>
         <p:nvSpPr>
-          <p:cNvPr id="2" name="Title 1">
-            <a:extLst>
-              <a:ext uri="{FF2B5EF4-FFF2-40B4-BE49-F238E27FC236}">
-                <a16:creationId xmlns:a16="http://schemas.microsoft.com/office/drawing/2014/main" id="{FB19108E-08A8-B4E7-E90B-4855B68AF073}"/>
+          <p:cNvPr id="3" name="Title 2">
+            <a:extLst>
+              <a:ext uri="{FF2B5EF4-FFF2-40B4-BE49-F238E27FC236}">
+                <a16:creationId xmlns:a16="http://schemas.microsoft.com/office/drawing/2014/main" id="{FB5EADD6-B4EF-33E4-A00C-56BEBCAAB559}"/>
               </a:ext>
             </a:extLst>
           </p:cNvPr>
@@ -3783,17 +3851,17 @@
           <a:p>
             <a:r>
               <a:rPr lang="en-US" dirty="0"/>
-              <a:t>Work Arounds</a:t>
-            </a:r>
-          </a:p>
-        </p:txBody>
-      </p:sp>
-      <p:sp>
-        <p:nvSpPr>
-          <p:cNvPr id="3" name="Content Placeholder 2">
-            <a:extLst>
-              <a:ext uri="{FF2B5EF4-FFF2-40B4-BE49-F238E27FC236}">
-                <a16:creationId xmlns:a16="http://schemas.microsoft.com/office/drawing/2014/main" id="{FFA63999-3143-5F98-731C-D30B74940E26}"/>
+              <a:t>Limitations</a:t>
+            </a:r>
+          </a:p>
+        </p:txBody>
+      </p:sp>
+      <p:sp>
+        <p:nvSpPr>
+          <p:cNvPr id="4" name="Content Placeholder 3">
+            <a:extLst>
+              <a:ext uri="{FF2B5EF4-FFF2-40B4-BE49-F238E27FC236}">
+                <a16:creationId xmlns:a16="http://schemas.microsoft.com/office/drawing/2014/main" id="{F5E1CE9A-8852-52F1-4CBE-3F6B703C1B6B}"/>
               </a:ext>
             </a:extLst>
           </p:cNvPr>
@@ -3809,14 +3877,9 @@
           <a:bodyPr/>
           <a:lstStyle/>
           <a:p>
-            <a:pPr>
-              <a:lnSpc>
-                <a:spcPct val="150000"/>
-              </a:lnSpc>
-            </a:pPr>
-            <a:r>
-              <a:rPr lang="en-US" dirty="0"/>
-              <a:t>You can paste code text at the end of a prompt</a:t>
+            <a:r>
+              <a:rPr lang="en-US" dirty="0"/>
+              <a:t>AI Chat Bots have limitations:</a:t>
             </a:r>
           </a:p>
           <a:p>
@@ -3827,26 +3890,7 @@
             </a:pPr>
             <a:r>
               <a:rPr lang="en-US" dirty="0"/>
-              <a:t>Prompt specifies what to do with the following code</a:t>
-            </a:r>
-          </a:p>
-          <a:p>
-            <a:pPr>
-              <a:lnSpc>
-                <a:spcPct val="150000"/>
-              </a:lnSpc>
-            </a:pPr>
-            <a:r>
-              <a:rPr lang="en-US" dirty="0"/>
-              <a:t>You can create a zip for a local repository or download a </a:t>
-            </a:r>
-            <a:r>
-              <a:rPr lang="en-US" dirty="0" err="1"/>
-              <a:t>github</a:t>
-            </a:r>
-            <a:r>
-              <a:rPr lang="en-US" dirty="0"/>
-              <a:t> zip</a:t>
+              <a:t>Cannot read from or write to local repositories because they are browser based</a:t>
             </a:r>
           </a:p>
           <a:p>
@@ -3857,18 +3901,15 @@
             </a:pPr>
             <a:r>
               <a:rPr lang="en-US" dirty="0"/>
-              <a:t>Paste zip file at the end of a prompt</a:t>
-            </a:r>
-          </a:p>
-          <a:p>
-            <a:pPr>
-              <a:lnSpc>
-                <a:spcPct val="150000"/>
-              </a:lnSpc>
-            </a:pPr>
-            <a:r>
-              <a:rPr lang="en-US" dirty="0"/>
-              <a:t>You can request Chat Bot to download its results to your local download directory</a:t>
+              <a:t>Cannot read files from </a:t>
+            </a:r>
+            <a:r>
+              <a:rPr lang="en-US" dirty="0" err="1"/>
+              <a:t>github</a:t>
+            </a:r>
+            <a:r>
+              <a:rPr lang="en-US" dirty="0"/>
+              <a:t> repository</a:t>
             </a:r>
           </a:p>
         </p:txBody>
@@ -3876,7 +3917,7 @@
     </p:spTree>
     <p:extLst>
       <p:ext uri="{BB962C8B-B14F-4D97-AF65-F5344CB8AC3E}">
-        <p14:creationId xmlns:p14="http://schemas.microsoft.com/office/powerpoint/2010/main" val="2395845213"/>
+        <p14:creationId xmlns:p14="http://schemas.microsoft.com/office/powerpoint/2010/main" val="3523713901"/>
       </p:ext>
     </p:extLst>
   </p:cSld>
@@ -3908,6 +3949,149 @@
           <p:cNvPr id="2" name="Title 1">
             <a:extLst>
               <a:ext uri="{FF2B5EF4-FFF2-40B4-BE49-F238E27FC236}">
+                <a16:creationId xmlns:a16="http://schemas.microsoft.com/office/drawing/2014/main" id="{FB19108E-08A8-B4E7-E90B-4855B68AF073}"/>
+              </a:ext>
+            </a:extLst>
+          </p:cNvPr>
+          <p:cNvSpPr>
+            <a:spLocks noGrp="1"/>
+          </p:cNvSpPr>
+          <p:nvPr>
+            <p:ph type="title"/>
+          </p:nvPr>
+        </p:nvSpPr>
+        <p:spPr/>
+        <p:txBody>
+          <a:bodyPr/>
+          <a:lstStyle/>
+          <a:p>
+            <a:r>
+              <a:rPr lang="en-US" dirty="0"/>
+              <a:t>Work Arounds</a:t>
+            </a:r>
+          </a:p>
+        </p:txBody>
+      </p:sp>
+      <p:sp>
+        <p:nvSpPr>
+          <p:cNvPr id="3" name="Content Placeholder 2">
+            <a:extLst>
+              <a:ext uri="{FF2B5EF4-FFF2-40B4-BE49-F238E27FC236}">
+                <a16:creationId xmlns:a16="http://schemas.microsoft.com/office/drawing/2014/main" id="{FFA63999-3143-5F98-731C-D30B74940E26}"/>
+              </a:ext>
+            </a:extLst>
+          </p:cNvPr>
+          <p:cNvSpPr>
+            <a:spLocks noGrp="1"/>
+          </p:cNvSpPr>
+          <p:nvPr>
+            <p:ph idx="1"/>
+          </p:nvPr>
+        </p:nvSpPr>
+        <p:spPr/>
+        <p:txBody>
+          <a:bodyPr/>
+          <a:lstStyle/>
+          <a:p>
+            <a:pPr>
+              <a:lnSpc>
+                <a:spcPct val="150000"/>
+              </a:lnSpc>
+            </a:pPr>
+            <a:r>
+              <a:rPr lang="en-US" dirty="0"/>
+              <a:t>You can paste code text at the end of a prompt</a:t>
+            </a:r>
+          </a:p>
+          <a:p>
+            <a:pPr lvl="1">
+              <a:lnSpc>
+                <a:spcPct val="150000"/>
+              </a:lnSpc>
+            </a:pPr>
+            <a:r>
+              <a:rPr lang="en-US" dirty="0"/>
+              <a:t>Prompt specifies what to do with the following code</a:t>
+            </a:r>
+          </a:p>
+          <a:p>
+            <a:pPr>
+              <a:lnSpc>
+                <a:spcPct val="150000"/>
+              </a:lnSpc>
+            </a:pPr>
+            <a:r>
+              <a:rPr lang="en-US" dirty="0"/>
+              <a:t>You can create a zip for a local repository or download a </a:t>
+            </a:r>
+            <a:r>
+              <a:rPr lang="en-US" dirty="0" err="1"/>
+              <a:t>github</a:t>
+            </a:r>
+            <a:r>
+              <a:rPr lang="en-US" dirty="0"/>
+              <a:t> zip</a:t>
+            </a:r>
+          </a:p>
+          <a:p>
+            <a:pPr lvl="1">
+              <a:lnSpc>
+                <a:spcPct val="150000"/>
+              </a:lnSpc>
+            </a:pPr>
+            <a:r>
+              <a:rPr lang="en-US" dirty="0"/>
+              <a:t>Paste zip file at the end of a prompt</a:t>
+            </a:r>
+          </a:p>
+          <a:p>
+            <a:pPr>
+              <a:lnSpc>
+                <a:spcPct val="150000"/>
+              </a:lnSpc>
+            </a:pPr>
+            <a:r>
+              <a:rPr lang="en-US" dirty="0"/>
+              <a:t>You can request Chat Bot to download its results to your local download directory</a:t>
+            </a:r>
+          </a:p>
+        </p:txBody>
+      </p:sp>
+    </p:spTree>
+    <p:extLst>
+      <p:ext uri="{BB962C8B-B14F-4D97-AF65-F5344CB8AC3E}">
+        <p14:creationId xmlns:p14="http://schemas.microsoft.com/office/powerpoint/2010/main" val="2395845213"/>
+      </p:ext>
+    </p:extLst>
+  </p:cSld>
+  <p:clrMapOvr>
+    <a:masterClrMapping/>
+  </p:clrMapOvr>
+</p:sld>
+</file>
+
+<file path=ppt/slides/slide7.xml><?xml version="1.0" encoding="utf-8"?>
+<p:sld xmlns:a="http://schemas.openxmlformats.org/drawingml/2006/main" xmlns:r="http://schemas.openxmlformats.org/officeDocument/2006/relationships" xmlns:p="http://schemas.openxmlformats.org/presentationml/2006/main">
+  <p:cSld>
+    <p:spTree>
+      <p:nvGrpSpPr>
+        <p:cNvPr id="1" name=""/>
+        <p:cNvGrpSpPr/>
+        <p:nvPr/>
+      </p:nvGrpSpPr>
+      <p:grpSpPr>
+        <a:xfrm>
+          <a:off x="0" y="0"/>
+          <a:ext cx="0" cy="0"/>
+          <a:chOff x="0" y="0"/>
+          <a:chExt cx="0" cy="0"/>
+        </a:xfrm>
+      </p:grpSpPr>
+      <p:sp>
+        <p:nvSpPr>
+          <p:cNvPr id="2" name="Title 1">
+            <a:extLst>
+              <a:ext uri="{FF2B5EF4-FFF2-40B4-BE49-F238E27FC236}">
                 <a16:creationId xmlns:a16="http://schemas.microsoft.com/office/drawing/2014/main" id="{C67E35A2-72F9-D95E-8D48-701968959766}"/>
               </a:ext>
             </a:extLst>
@@ -4058,7 +4242,7 @@
 </p:sld>
 </file>
 
-<file path=ppt/slides/slide7.xml><?xml version="1.0" encoding="utf-8"?>
+<file path=ppt/slides/slide8.xml><?xml version="1.0" encoding="utf-8"?>
 <p:sld xmlns:a="http://schemas.openxmlformats.org/drawingml/2006/main" xmlns:r="http://schemas.openxmlformats.org/officeDocument/2006/relationships" xmlns:p="http://schemas.openxmlformats.org/presentationml/2006/main">
   <p:cSld>
     <p:spTree>

--- a/documents/AI Chat Bots.pptx
+++ b/documents/AI Chat Bots.pptx
@@ -12,7 +12,8 @@
     <p:sldId id="259" r:id="rId6"/>
     <p:sldId id="260" r:id="rId7"/>
     <p:sldId id="261" r:id="rId8"/>
-    <p:sldId id="262" r:id="rId9"/>
+    <p:sldId id="264" r:id="rId9"/>
+    <p:sldId id="262" r:id="rId10"/>
   </p:sldIdLst>
   <p:sldSz cx="12192000" cy="6858000"/>
   <p:notesSz cx="6858000" cy="9144000"/>
@@ -266,7 +267,7 @@
           <a:p>
             <a:fld id="{0B145D97-B311-40A5-ABD8-7A6BD9406EAF}" type="datetimeFigureOut">
               <a:rPr lang="en-US" smtClean="0"/>
-              <a:t>12/29/2025</a:t>
+              <a:t>1/1/2026</a:t>
             </a:fld>
             <a:endParaRPr lang="en-US"/>
           </a:p>
@@ -464,7 +465,7 @@
           <a:p>
             <a:fld id="{0B145D97-B311-40A5-ABD8-7A6BD9406EAF}" type="datetimeFigureOut">
               <a:rPr lang="en-US" smtClean="0"/>
-              <a:t>12/29/2025</a:t>
+              <a:t>1/1/2026</a:t>
             </a:fld>
             <a:endParaRPr lang="en-US"/>
           </a:p>
@@ -672,7 +673,7 @@
           <a:p>
             <a:fld id="{0B145D97-B311-40A5-ABD8-7A6BD9406EAF}" type="datetimeFigureOut">
               <a:rPr lang="en-US" smtClean="0"/>
-              <a:t>12/29/2025</a:t>
+              <a:t>1/1/2026</a:t>
             </a:fld>
             <a:endParaRPr lang="en-US"/>
           </a:p>
@@ -870,7 +871,7 @@
           <a:p>
             <a:fld id="{0B145D97-B311-40A5-ABD8-7A6BD9406EAF}" type="datetimeFigureOut">
               <a:rPr lang="en-US" smtClean="0"/>
-              <a:t>12/29/2025</a:t>
+              <a:t>1/1/2026</a:t>
             </a:fld>
             <a:endParaRPr lang="en-US"/>
           </a:p>
@@ -1145,7 +1146,7 @@
           <a:p>
             <a:fld id="{0B145D97-B311-40A5-ABD8-7A6BD9406EAF}" type="datetimeFigureOut">
               <a:rPr lang="en-US" smtClean="0"/>
-              <a:t>12/29/2025</a:t>
+              <a:t>1/1/2026</a:t>
             </a:fld>
             <a:endParaRPr lang="en-US"/>
           </a:p>
@@ -1410,7 +1411,7 @@
           <a:p>
             <a:fld id="{0B145D97-B311-40A5-ABD8-7A6BD9406EAF}" type="datetimeFigureOut">
               <a:rPr lang="en-US" smtClean="0"/>
-              <a:t>12/29/2025</a:t>
+              <a:t>1/1/2026</a:t>
             </a:fld>
             <a:endParaRPr lang="en-US"/>
           </a:p>
@@ -1822,7 +1823,7 @@
           <a:p>
             <a:fld id="{0B145D97-B311-40A5-ABD8-7A6BD9406EAF}" type="datetimeFigureOut">
               <a:rPr lang="en-US" smtClean="0"/>
-              <a:t>12/29/2025</a:t>
+              <a:t>1/1/2026</a:t>
             </a:fld>
             <a:endParaRPr lang="en-US"/>
           </a:p>
@@ -1963,7 +1964,7 @@
           <a:p>
             <a:fld id="{0B145D97-B311-40A5-ABD8-7A6BD9406EAF}" type="datetimeFigureOut">
               <a:rPr lang="en-US" smtClean="0"/>
-              <a:t>12/29/2025</a:t>
+              <a:t>1/1/2026</a:t>
             </a:fld>
             <a:endParaRPr lang="en-US"/>
           </a:p>
@@ -2076,7 +2077,7 @@
           <a:p>
             <a:fld id="{0B145D97-B311-40A5-ABD8-7A6BD9406EAF}" type="datetimeFigureOut">
               <a:rPr lang="en-US" smtClean="0"/>
-              <a:t>12/29/2025</a:t>
+              <a:t>1/1/2026</a:t>
             </a:fld>
             <a:endParaRPr lang="en-US"/>
           </a:p>
@@ -2387,7 +2388,7 @@
           <a:p>
             <a:fld id="{0B145D97-B311-40A5-ABD8-7A6BD9406EAF}" type="datetimeFigureOut">
               <a:rPr lang="en-US" smtClean="0"/>
-              <a:t>12/29/2025</a:t>
+              <a:t>1/1/2026</a:t>
             </a:fld>
             <a:endParaRPr lang="en-US"/>
           </a:p>
@@ -2675,7 +2676,7 @@
           <a:p>
             <a:fld id="{0B145D97-B311-40A5-ABD8-7A6BD9406EAF}" type="datetimeFigureOut">
               <a:rPr lang="en-US" smtClean="0"/>
-              <a:t>12/29/2025</a:t>
+              <a:t>1/1/2026</a:t>
             </a:fld>
             <a:endParaRPr lang="en-US"/>
           </a:p>
@@ -2916,7 +2917,7 @@
           <a:p>
             <a:fld id="{0B145D97-B311-40A5-ABD8-7A6BD9406EAF}" type="datetimeFigureOut">
               <a:rPr lang="en-US" smtClean="0"/>
-              <a:t>12/29/2025</a:t>
+              <a:t>1/1/2026</a:t>
             </a:fld>
             <a:endParaRPr lang="en-US"/>
           </a:p>
@@ -4243,6 +4244,133 @@
 </file>
 
 <file path=ppt/slides/slide8.xml><?xml version="1.0" encoding="utf-8"?>
+<p:sld xmlns:a="http://schemas.openxmlformats.org/drawingml/2006/main" xmlns:r="http://schemas.openxmlformats.org/officeDocument/2006/relationships" xmlns:p="http://schemas.openxmlformats.org/presentationml/2006/main">
+  <p:cSld>
+    <p:spTree>
+      <p:nvGrpSpPr>
+        <p:cNvPr id="1" name=""/>
+        <p:cNvGrpSpPr/>
+        <p:nvPr/>
+      </p:nvGrpSpPr>
+      <p:grpSpPr>
+        <a:xfrm>
+          <a:off x="0" y="0"/>
+          <a:ext cx="0" cy="0"/>
+          <a:chOff x="0" y="0"/>
+          <a:chExt cx="0" cy="0"/>
+        </a:xfrm>
+      </p:grpSpPr>
+      <p:sp>
+        <p:nvSpPr>
+          <p:cNvPr id="4" name="Title 3">
+            <a:extLst>
+              <a:ext uri="{FF2B5EF4-FFF2-40B4-BE49-F238E27FC236}">
+                <a16:creationId xmlns:a16="http://schemas.microsoft.com/office/drawing/2014/main" id="{4F3432B8-6D2C-6893-1F21-45B498491CD8}"/>
+              </a:ext>
+            </a:extLst>
+          </p:cNvPr>
+          <p:cNvSpPr>
+            <a:spLocks noGrp="1"/>
+          </p:cNvSpPr>
+          <p:nvPr>
+            <p:ph type="title"/>
+          </p:nvPr>
+        </p:nvSpPr>
+        <p:spPr>
+          <a:xfrm>
+            <a:off x="838200" y="365125"/>
+            <a:ext cx="10515600" cy="1169761"/>
+          </a:xfrm>
+        </p:spPr>
+        <p:txBody>
+          <a:bodyPr/>
+          <a:lstStyle/>
+          <a:p>
+            <a:r>
+              <a:rPr lang="en-US" dirty="0"/>
+              <a:t>Partial Code and Analysis Results</a:t>
+            </a:r>
+          </a:p>
+        </p:txBody>
+      </p:sp>
+      <p:pic>
+        <p:nvPicPr>
+          <p:cNvPr id="10" name="Content Placeholder 9">
+            <a:extLst>
+              <a:ext uri="{FF2B5EF4-FFF2-40B4-BE49-F238E27FC236}">
+                <a16:creationId xmlns:a16="http://schemas.microsoft.com/office/drawing/2014/main" id="{4F1305DF-901A-F8D0-76F2-7E107BBA9563}"/>
+              </a:ext>
+            </a:extLst>
+          </p:cNvPr>
+          <p:cNvPicPr>
+            <a:picLocks noGrp="1" noChangeAspect="1"/>
+          </p:cNvPicPr>
+          <p:nvPr>
+            <p:ph sz="half" idx="1"/>
+          </p:nvPr>
+        </p:nvPicPr>
+        <p:blipFill>
+          <a:blip r:embed="rId2"/>
+          <a:stretch>
+            <a:fillRect/>
+          </a:stretch>
+        </p:blipFill>
+        <p:spPr>
+          <a:xfrm>
+            <a:off x="1011831" y="1825625"/>
+            <a:ext cx="4834337" cy="4351338"/>
+          </a:xfrm>
+          <a:prstGeom prst="rect">
+            <a:avLst/>
+          </a:prstGeom>
+        </p:spPr>
+      </p:pic>
+      <p:pic>
+        <p:nvPicPr>
+          <p:cNvPr id="12" name="Content Placeholder 11">
+            <a:extLst>
+              <a:ext uri="{FF2B5EF4-FFF2-40B4-BE49-F238E27FC236}">
+                <a16:creationId xmlns:a16="http://schemas.microsoft.com/office/drawing/2014/main" id="{5A249160-A9BE-981D-E5D3-D91B667EC609}"/>
+              </a:ext>
+            </a:extLst>
+          </p:cNvPr>
+          <p:cNvPicPr>
+            <a:picLocks noGrp="1" noChangeAspect="1"/>
+          </p:cNvPicPr>
+          <p:nvPr>
+            <p:ph sz="half" idx="2"/>
+          </p:nvPr>
+        </p:nvPicPr>
+        <p:blipFill>
+          <a:blip r:embed="rId3"/>
+          <a:stretch>
+            <a:fillRect/>
+          </a:stretch>
+        </p:blipFill>
+        <p:spPr>
+          <a:xfrm>
+            <a:off x="6096000" y="1825625"/>
+            <a:ext cx="5181600" cy="1544260"/>
+          </a:xfrm>
+          <a:prstGeom prst="rect">
+            <a:avLst/>
+          </a:prstGeom>
+        </p:spPr>
+      </p:pic>
+    </p:spTree>
+    <p:extLst>
+      <p:ext uri="{BB962C8B-B14F-4D97-AF65-F5344CB8AC3E}">
+        <p14:creationId xmlns:p14="http://schemas.microsoft.com/office/powerpoint/2010/main" val="3519992507"/>
+      </p:ext>
+    </p:extLst>
+  </p:cSld>
+  <p:clrMapOvr>
+    <a:masterClrMapping/>
+  </p:clrMapOvr>
+</p:sld>
+</file>
+
+<file path=ppt/slides/slide9.xml><?xml version="1.0" encoding="utf-8"?>
 <p:sld xmlns:a="http://schemas.openxmlformats.org/drawingml/2006/main" xmlns:r="http://schemas.openxmlformats.org/officeDocument/2006/relationships" xmlns:p="http://schemas.openxmlformats.org/presentationml/2006/main">
   <p:cSld>
     <p:spTree>

--- a/documents/AI Chat Bots.pptx
+++ b/documents/AI Chat Bots.pptx
@@ -4,16 +4,21 @@
   <p:sldMasterIdLst>
     <p:sldMasterId id="2147483648" r:id="rId1"/>
   </p:sldMasterIdLst>
+  <p:notesMasterIdLst>
+    <p:notesMasterId r:id="rId13"/>
+  </p:notesMasterIdLst>
   <p:sldIdLst>
     <p:sldId id="256" r:id="rId2"/>
-    <p:sldId id="263" r:id="rId3"/>
-    <p:sldId id="257" r:id="rId4"/>
-    <p:sldId id="258" r:id="rId5"/>
-    <p:sldId id="259" r:id="rId6"/>
-    <p:sldId id="260" r:id="rId7"/>
-    <p:sldId id="261" r:id="rId8"/>
-    <p:sldId id="264" r:id="rId9"/>
-    <p:sldId id="262" r:id="rId10"/>
+    <p:sldId id="265" r:id="rId3"/>
+    <p:sldId id="263" r:id="rId4"/>
+    <p:sldId id="257" r:id="rId5"/>
+    <p:sldId id="258" r:id="rId6"/>
+    <p:sldId id="259" r:id="rId7"/>
+    <p:sldId id="260" r:id="rId8"/>
+    <p:sldId id="261" r:id="rId9"/>
+    <p:sldId id="264" r:id="rId10"/>
+    <p:sldId id="262" r:id="rId11"/>
+    <p:sldId id="266" r:id="rId12"/>
   </p:sldIdLst>
   <p:sldSz cx="12192000" cy="6858000"/>
   <p:notesSz cx="6858000" cy="9144000"/>
@@ -120,6 +125,1764 @@
 </p:presentation>
 </file>
 
+<file path=ppt/notesMasters/notesMaster1.xml><?xml version="1.0" encoding="utf-8"?>
+<p:notesMaster xmlns:a="http://schemas.openxmlformats.org/drawingml/2006/main" xmlns:r="http://schemas.openxmlformats.org/officeDocument/2006/relationships" xmlns:p="http://schemas.openxmlformats.org/presentationml/2006/main">
+  <p:cSld>
+    <p:bg>
+      <p:bgRef idx="1001">
+        <a:schemeClr val="bg1"/>
+      </p:bgRef>
+    </p:bg>
+    <p:spTree>
+      <p:nvGrpSpPr>
+        <p:cNvPr id="1" name=""/>
+        <p:cNvGrpSpPr/>
+        <p:nvPr/>
+      </p:nvGrpSpPr>
+      <p:grpSpPr>
+        <a:xfrm>
+          <a:off x="0" y="0"/>
+          <a:ext cx="0" cy="0"/>
+          <a:chOff x="0" y="0"/>
+          <a:chExt cx="0" cy="0"/>
+        </a:xfrm>
+      </p:grpSpPr>
+      <p:sp>
+        <p:nvSpPr>
+          <p:cNvPr id="2" name="Header Placeholder 1"/>
+          <p:cNvSpPr>
+            <a:spLocks noGrp="1"/>
+          </p:cNvSpPr>
+          <p:nvPr>
+            <p:ph type="hdr" sz="quarter"/>
+          </p:nvPr>
+        </p:nvSpPr>
+        <p:spPr>
+          <a:xfrm>
+            <a:off x="0" y="0"/>
+            <a:ext cx="2971800" cy="458788"/>
+          </a:xfrm>
+          <a:prstGeom prst="rect">
+            <a:avLst/>
+          </a:prstGeom>
+        </p:spPr>
+        <p:txBody>
+          <a:bodyPr vert="horz" lIns="91440" tIns="45720" rIns="91440" bIns="45720" rtlCol="0"/>
+          <a:lstStyle>
+            <a:lvl1pPr algn="l">
+              <a:defRPr sz="1200"/>
+            </a:lvl1pPr>
+          </a:lstStyle>
+          <a:p>
+            <a:endParaRPr lang="en-US"/>
+          </a:p>
+        </p:txBody>
+      </p:sp>
+      <p:sp>
+        <p:nvSpPr>
+          <p:cNvPr id="3" name="Date Placeholder 2"/>
+          <p:cNvSpPr>
+            <a:spLocks noGrp="1"/>
+          </p:cNvSpPr>
+          <p:nvPr>
+            <p:ph type="dt" idx="1"/>
+          </p:nvPr>
+        </p:nvSpPr>
+        <p:spPr>
+          <a:xfrm>
+            <a:off x="3884613" y="0"/>
+            <a:ext cx="2971800" cy="458788"/>
+          </a:xfrm>
+          <a:prstGeom prst="rect">
+            <a:avLst/>
+          </a:prstGeom>
+        </p:spPr>
+        <p:txBody>
+          <a:bodyPr vert="horz" lIns="91440" tIns="45720" rIns="91440" bIns="45720" rtlCol="0"/>
+          <a:lstStyle>
+            <a:lvl1pPr algn="r">
+              <a:defRPr sz="1200"/>
+            </a:lvl1pPr>
+          </a:lstStyle>
+          <a:p>
+            <a:fld id="{6023D157-EEDE-449D-AE80-1B38B030D616}" type="datetimeFigureOut">
+              <a:rPr lang="en-US" smtClean="0"/>
+              <a:t>1/8/2026</a:t>
+            </a:fld>
+            <a:endParaRPr lang="en-US"/>
+          </a:p>
+        </p:txBody>
+      </p:sp>
+      <p:sp>
+        <p:nvSpPr>
+          <p:cNvPr id="4" name="Slide Image Placeholder 3"/>
+          <p:cNvSpPr>
+            <a:spLocks noGrp="1" noRot="1" noChangeAspect="1"/>
+          </p:cNvSpPr>
+          <p:nvPr>
+            <p:ph type="sldImg" idx="2"/>
+          </p:nvPr>
+        </p:nvSpPr>
+        <p:spPr>
+          <a:xfrm>
+            <a:off x="685800" y="1143000"/>
+            <a:ext cx="5486400" cy="3086100"/>
+          </a:xfrm>
+          <a:prstGeom prst="rect">
+            <a:avLst/>
+          </a:prstGeom>
+          <a:noFill/>
+          <a:ln w="12700">
+            <a:solidFill>
+              <a:prstClr val="black"/>
+            </a:solidFill>
+          </a:ln>
+        </p:spPr>
+        <p:txBody>
+          <a:bodyPr vert="horz" lIns="91440" tIns="45720" rIns="91440" bIns="45720" rtlCol="0" anchor="ctr"/>
+          <a:lstStyle/>
+          <a:p>
+            <a:endParaRPr lang="en-US"/>
+          </a:p>
+        </p:txBody>
+      </p:sp>
+      <p:sp>
+        <p:nvSpPr>
+          <p:cNvPr id="5" name="Notes Placeholder 4"/>
+          <p:cNvSpPr>
+            <a:spLocks noGrp="1"/>
+          </p:cNvSpPr>
+          <p:nvPr>
+            <p:ph type="body" sz="quarter" idx="3"/>
+          </p:nvPr>
+        </p:nvSpPr>
+        <p:spPr>
+          <a:xfrm>
+            <a:off x="685800" y="4400550"/>
+            <a:ext cx="5486400" cy="3600450"/>
+          </a:xfrm>
+          <a:prstGeom prst="rect">
+            <a:avLst/>
+          </a:prstGeom>
+        </p:spPr>
+        <p:txBody>
+          <a:bodyPr vert="horz" lIns="91440" tIns="45720" rIns="91440" bIns="45720" rtlCol="0"/>
+          <a:lstStyle/>
+          <a:p>
+            <a:pPr lvl="0"/>
+            <a:r>
+              <a:rPr lang="en-US"/>
+              <a:t>Click to edit Master text styles</a:t>
+            </a:r>
+          </a:p>
+          <a:p>
+            <a:pPr lvl="1"/>
+            <a:r>
+              <a:rPr lang="en-US"/>
+              <a:t>Second level</a:t>
+            </a:r>
+          </a:p>
+          <a:p>
+            <a:pPr lvl="2"/>
+            <a:r>
+              <a:rPr lang="en-US"/>
+              <a:t>Third level</a:t>
+            </a:r>
+          </a:p>
+          <a:p>
+            <a:pPr lvl="3"/>
+            <a:r>
+              <a:rPr lang="en-US"/>
+              <a:t>Fourth level</a:t>
+            </a:r>
+          </a:p>
+          <a:p>
+            <a:pPr lvl="4"/>
+            <a:r>
+              <a:rPr lang="en-US"/>
+              <a:t>Fifth level</a:t>
+            </a:r>
+          </a:p>
+        </p:txBody>
+      </p:sp>
+      <p:sp>
+        <p:nvSpPr>
+          <p:cNvPr id="6" name="Footer Placeholder 5"/>
+          <p:cNvSpPr>
+            <a:spLocks noGrp="1"/>
+          </p:cNvSpPr>
+          <p:nvPr>
+            <p:ph type="ftr" sz="quarter" idx="4"/>
+          </p:nvPr>
+        </p:nvSpPr>
+        <p:spPr>
+          <a:xfrm>
+            <a:off x="0" y="8685213"/>
+            <a:ext cx="2971800" cy="458787"/>
+          </a:xfrm>
+          <a:prstGeom prst="rect">
+            <a:avLst/>
+          </a:prstGeom>
+        </p:spPr>
+        <p:txBody>
+          <a:bodyPr vert="horz" lIns="91440" tIns="45720" rIns="91440" bIns="45720" rtlCol="0" anchor="b"/>
+          <a:lstStyle>
+            <a:lvl1pPr algn="l">
+              <a:defRPr sz="1200"/>
+            </a:lvl1pPr>
+          </a:lstStyle>
+          <a:p>
+            <a:endParaRPr lang="en-US"/>
+          </a:p>
+        </p:txBody>
+      </p:sp>
+      <p:sp>
+        <p:nvSpPr>
+          <p:cNvPr id="7" name="Slide Number Placeholder 6"/>
+          <p:cNvSpPr>
+            <a:spLocks noGrp="1"/>
+          </p:cNvSpPr>
+          <p:nvPr>
+            <p:ph type="sldNum" sz="quarter" idx="5"/>
+          </p:nvPr>
+        </p:nvSpPr>
+        <p:spPr>
+          <a:xfrm>
+            <a:off x="3884613" y="8685213"/>
+            <a:ext cx="2971800" cy="458787"/>
+          </a:xfrm>
+          <a:prstGeom prst="rect">
+            <a:avLst/>
+          </a:prstGeom>
+        </p:spPr>
+        <p:txBody>
+          <a:bodyPr vert="horz" lIns="91440" tIns="45720" rIns="91440" bIns="45720" rtlCol="0" anchor="b"/>
+          <a:lstStyle>
+            <a:lvl1pPr algn="r">
+              <a:defRPr sz="1200"/>
+            </a:lvl1pPr>
+          </a:lstStyle>
+          <a:p>
+            <a:fld id="{58213F28-0EC6-4CCF-A1EF-787A01983284}" type="slidenum">
+              <a:rPr lang="en-US" smtClean="0"/>
+              <a:t>‹#›</a:t>
+            </a:fld>
+            <a:endParaRPr lang="en-US"/>
+          </a:p>
+        </p:txBody>
+      </p:sp>
+    </p:spTree>
+    <p:extLst>
+      <p:ext uri="{BB962C8B-B14F-4D97-AF65-F5344CB8AC3E}">
+        <p14:creationId xmlns:p14="http://schemas.microsoft.com/office/powerpoint/2010/main" val="3757342262"/>
+      </p:ext>
+    </p:extLst>
+  </p:cSld>
+  <p:clrMap bg1="lt1" tx1="dk1" bg2="lt2" tx2="dk2" accent1="accent1" accent2="accent2" accent3="accent3" accent4="accent4" accent5="accent5" accent6="accent6" hlink="hlink" folHlink="folHlink"/>
+  <p:notesStyle>
+    <a:lvl1pPr marL="0" algn="l" defTabSz="914400" rtl="0" eaLnBrk="1" latinLnBrk="0" hangingPunct="1">
+      <a:defRPr sz="1200" kern="1200">
+        <a:solidFill>
+          <a:schemeClr val="tx1"/>
+        </a:solidFill>
+        <a:latin typeface="+mn-lt"/>
+        <a:ea typeface="+mn-ea"/>
+        <a:cs typeface="+mn-cs"/>
+      </a:defRPr>
+    </a:lvl1pPr>
+    <a:lvl2pPr marL="457200" algn="l" defTabSz="914400" rtl="0" eaLnBrk="1" latinLnBrk="0" hangingPunct="1">
+      <a:defRPr sz="1200" kern="1200">
+        <a:solidFill>
+          <a:schemeClr val="tx1"/>
+        </a:solidFill>
+        <a:latin typeface="+mn-lt"/>
+        <a:ea typeface="+mn-ea"/>
+        <a:cs typeface="+mn-cs"/>
+      </a:defRPr>
+    </a:lvl2pPr>
+    <a:lvl3pPr marL="914400" algn="l" defTabSz="914400" rtl="0" eaLnBrk="1" latinLnBrk="0" hangingPunct="1">
+      <a:defRPr sz="1200" kern="1200">
+        <a:solidFill>
+          <a:schemeClr val="tx1"/>
+        </a:solidFill>
+        <a:latin typeface="+mn-lt"/>
+        <a:ea typeface="+mn-ea"/>
+        <a:cs typeface="+mn-cs"/>
+      </a:defRPr>
+    </a:lvl3pPr>
+    <a:lvl4pPr marL="1371600" algn="l" defTabSz="914400" rtl="0" eaLnBrk="1" latinLnBrk="0" hangingPunct="1">
+      <a:defRPr sz="1200" kern="1200">
+        <a:solidFill>
+          <a:schemeClr val="tx1"/>
+        </a:solidFill>
+        <a:latin typeface="+mn-lt"/>
+        <a:ea typeface="+mn-ea"/>
+        <a:cs typeface="+mn-cs"/>
+      </a:defRPr>
+    </a:lvl4pPr>
+    <a:lvl5pPr marL="1828800" algn="l" defTabSz="914400" rtl="0" eaLnBrk="1" latinLnBrk="0" hangingPunct="1">
+      <a:defRPr sz="1200" kern="1200">
+        <a:solidFill>
+          <a:schemeClr val="tx1"/>
+        </a:solidFill>
+        <a:latin typeface="+mn-lt"/>
+        <a:ea typeface="+mn-ea"/>
+        <a:cs typeface="+mn-cs"/>
+      </a:defRPr>
+    </a:lvl5pPr>
+    <a:lvl6pPr marL="2286000" algn="l" defTabSz="914400" rtl="0" eaLnBrk="1" latinLnBrk="0" hangingPunct="1">
+      <a:defRPr sz="1200" kern="1200">
+        <a:solidFill>
+          <a:schemeClr val="tx1"/>
+        </a:solidFill>
+        <a:latin typeface="+mn-lt"/>
+        <a:ea typeface="+mn-ea"/>
+        <a:cs typeface="+mn-cs"/>
+      </a:defRPr>
+    </a:lvl6pPr>
+    <a:lvl7pPr marL="2743200" algn="l" defTabSz="914400" rtl="0" eaLnBrk="1" latinLnBrk="0" hangingPunct="1">
+      <a:defRPr sz="1200" kern="1200">
+        <a:solidFill>
+          <a:schemeClr val="tx1"/>
+        </a:solidFill>
+        <a:latin typeface="+mn-lt"/>
+        <a:ea typeface="+mn-ea"/>
+        <a:cs typeface="+mn-cs"/>
+      </a:defRPr>
+    </a:lvl7pPr>
+    <a:lvl8pPr marL="3200400" algn="l" defTabSz="914400" rtl="0" eaLnBrk="1" latinLnBrk="0" hangingPunct="1">
+      <a:defRPr sz="1200" kern="1200">
+        <a:solidFill>
+          <a:schemeClr val="tx1"/>
+        </a:solidFill>
+        <a:latin typeface="+mn-lt"/>
+        <a:ea typeface="+mn-ea"/>
+        <a:cs typeface="+mn-cs"/>
+      </a:defRPr>
+    </a:lvl8pPr>
+    <a:lvl9pPr marL="3657600" algn="l" defTabSz="914400" rtl="0" eaLnBrk="1" latinLnBrk="0" hangingPunct="1">
+      <a:defRPr sz="1200" kern="1200">
+        <a:solidFill>
+          <a:schemeClr val="tx1"/>
+        </a:solidFill>
+        <a:latin typeface="+mn-lt"/>
+        <a:ea typeface="+mn-ea"/>
+        <a:cs typeface="+mn-cs"/>
+      </a:defRPr>
+    </a:lvl9pPr>
+  </p:notesStyle>
+</p:notesMaster>
+</file>
+
+<file path=ppt/notesSlides/notesSlide1.xml><?xml version="1.0" encoding="utf-8"?>
+<p:notes xmlns:a="http://schemas.openxmlformats.org/drawingml/2006/main" xmlns:r="http://schemas.openxmlformats.org/officeDocument/2006/relationships" xmlns:p="http://schemas.openxmlformats.org/presentationml/2006/main">
+  <p:cSld>
+    <p:spTree>
+      <p:nvGrpSpPr>
+        <p:cNvPr id="1" name=""/>
+        <p:cNvGrpSpPr/>
+        <p:nvPr/>
+      </p:nvGrpSpPr>
+      <p:grpSpPr>
+        <a:xfrm>
+          <a:off x="0" y="0"/>
+          <a:ext cx="0" cy="0"/>
+          <a:chOff x="0" y="0"/>
+          <a:chExt cx="0" cy="0"/>
+        </a:xfrm>
+      </p:grpSpPr>
+      <p:sp>
+        <p:nvSpPr>
+          <p:cNvPr id="2" name="Slide Image Placeholder 1"/>
+          <p:cNvSpPr>
+            <a:spLocks noGrp="1" noRot="1" noChangeAspect="1"/>
+          </p:cNvSpPr>
+          <p:nvPr>
+            <p:ph type="sldImg"/>
+          </p:nvPr>
+        </p:nvSpPr>
+        <p:spPr/>
+      </p:sp>
+      <p:sp>
+        <p:nvSpPr>
+          <p:cNvPr id="3" name="Notes Placeholder 2"/>
+          <p:cNvSpPr>
+            <a:spLocks noGrp="1"/>
+          </p:cNvSpPr>
+          <p:nvPr>
+            <p:ph type="body" idx="1"/>
+          </p:nvPr>
+        </p:nvSpPr>
+        <p:spPr/>
+        <p:txBody>
+          <a:bodyPr/>
+          <a:lstStyle/>
+          <a:p>
+            <a:pPr>
+              <a:buNone/>
+            </a:pPr>
+            <a:r>
+              <a:rPr lang="en-US" dirty="0"/>
+              <a:t>Generated by Copilot</a:t>
+            </a:r>
+            <a:br>
+              <a:rPr lang="en-US" dirty="0"/>
+            </a:br>
+            <a:br>
+              <a:rPr lang="en-US" dirty="0"/>
+            </a:br>
+            <a:r>
+              <a:rPr lang="en-US" dirty="0"/>
+              <a:t>Hello and welcome.  Mike and I will talk about using AI chat bots for software</a:t>
+            </a:r>
+            <a:r>
+              <a:rPr lang="en-US" baseline="0" dirty="0"/>
+              <a:t> development</a:t>
+            </a:r>
+            <a:r>
+              <a:rPr lang="en-US" dirty="0"/>
+              <a:t>. </a:t>
+            </a:r>
+          </a:p>
+          <a:p>
+            <a:pPr>
+              <a:buNone/>
+            </a:pPr>
+            <a:r>
+              <a:rPr lang="en-US" dirty="0"/>
+              <a:t>The URL offers additional resources and code examples related to AI chat bots. </a:t>
+            </a:r>
+            <a:br>
+              <a:rPr lang="en-US" dirty="0"/>
+            </a:br>
+            <a:endParaRPr lang="en-US" dirty="0"/>
+          </a:p>
+          <a:p>
+            <a:pPr>
+              <a:buNone/>
+            </a:pPr>
+            <a:r>
+              <a:rPr lang="en-US" dirty="0"/>
+              <a:t>______</a:t>
+            </a:r>
+          </a:p>
+          <a:p>
+            <a:pPr>
+              <a:buNone/>
+            </a:pPr>
+            <a:br>
+              <a:rPr lang="en-US" dirty="0"/>
+            </a:br>
+            <a:endParaRPr lang="en-US" dirty="0"/>
+          </a:p>
+        </p:txBody>
+      </p:sp>
+      <p:sp>
+        <p:nvSpPr>
+          <p:cNvPr id="4" name="Slide Number Placeholder 3"/>
+          <p:cNvSpPr>
+            <a:spLocks noGrp="1"/>
+          </p:cNvSpPr>
+          <p:nvPr>
+            <p:ph type="sldNum" sz="quarter" idx="5"/>
+          </p:nvPr>
+        </p:nvSpPr>
+        <p:spPr/>
+        <p:txBody>
+          <a:bodyPr/>
+          <a:lstStyle/>
+          <a:p>
+            <a:fld id="{58213F28-0EC6-4CCF-A1EF-787A01983284}" type="slidenum">
+              <a:rPr lang="en-US" smtClean="0"/>
+              <a:t>1</a:t>
+            </a:fld>
+            <a:endParaRPr lang="en-US"/>
+          </a:p>
+        </p:txBody>
+      </p:sp>
+    </p:spTree>
+    <p:extLst>
+      <p:ext uri="{BB962C8B-B14F-4D97-AF65-F5344CB8AC3E}">
+        <p14:creationId xmlns:p14="http://schemas.microsoft.com/office/powerpoint/2010/main" val="2180026183"/>
+      </p:ext>
+    </p:extLst>
+  </p:cSld>
+  <p:clrMapOvr>
+    <a:masterClrMapping/>
+  </p:clrMapOvr>
+</p:notes>
+</file>
+
+<file path=ppt/notesSlides/notesSlide10.xml><?xml version="1.0" encoding="utf-8"?>
+<p:notes xmlns:a="http://schemas.openxmlformats.org/drawingml/2006/main" xmlns:r="http://schemas.openxmlformats.org/officeDocument/2006/relationships" xmlns:p="http://schemas.openxmlformats.org/presentationml/2006/main">
+  <p:cSld>
+    <p:spTree>
+      <p:nvGrpSpPr>
+        <p:cNvPr id="1" name=""/>
+        <p:cNvGrpSpPr/>
+        <p:nvPr/>
+      </p:nvGrpSpPr>
+      <p:grpSpPr>
+        <a:xfrm>
+          <a:off x="0" y="0"/>
+          <a:ext cx="0" cy="0"/>
+          <a:chOff x="0" y="0"/>
+          <a:chExt cx="0" cy="0"/>
+        </a:xfrm>
+      </p:grpSpPr>
+      <p:sp>
+        <p:nvSpPr>
+          <p:cNvPr id="2" name="Slide Image Placeholder 1"/>
+          <p:cNvSpPr>
+            <a:spLocks noGrp="1" noRot="1" noChangeAspect="1"/>
+          </p:cNvSpPr>
+          <p:nvPr>
+            <p:ph type="sldImg"/>
+          </p:nvPr>
+        </p:nvSpPr>
+        <p:spPr/>
+      </p:sp>
+      <p:sp>
+        <p:nvSpPr>
+          <p:cNvPr id="3" name="Notes Placeholder 2"/>
+          <p:cNvSpPr>
+            <a:spLocks noGrp="1"/>
+          </p:cNvSpPr>
+          <p:nvPr>
+            <p:ph type="body" idx="1"/>
+          </p:nvPr>
+        </p:nvSpPr>
+        <p:spPr/>
+        <p:txBody>
+          <a:bodyPr/>
+          <a:lstStyle/>
+          <a:p>
+            <a:pPr>
+              <a:buNone/>
+            </a:pPr>
+            <a:r>
+              <a:rPr lang="en-US" dirty="0"/>
+              <a:t>Generated by Copilot</a:t>
+            </a:r>
+            <a:br>
+              <a:rPr lang="en-US" dirty="0"/>
+            </a:br>
+            <a:br>
+              <a:rPr lang="en-US" dirty="0"/>
+            </a:br>
+            <a:r>
+              <a:rPr lang="en-US" dirty="0"/>
+              <a:t>For more detailed information, click the URL. </a:t>
+            </a:r>
+          </a:p>
+          <a:p>
+            <a:pPr>
+              <a:buNone/>
+            </a:pPr>
+            <a:r>
+              <a:rPr lang="en-US" dirty="0"/>
+              <a:t>Upcoming presentations will explore AI agents, which interact with local applications and file systems via HTTPS APIs, and AI consoles, which offer repository access without requiring agent code. </a:t>
+            </a:r>
+            <a:br>
+              <a:rPr lang="en-US" dirty="0"/>
+            </a:br>
+            <a:endParaRPr lang="en-US" dirty="0"/>
+          </a:p>
+          <a:p>
+            <a:pPr>
+              <a:buNone/>
+            </a:pPr>
+            <a:r>
+              <a:rPr lang="en-US" dirty="0"/>
+              <a:t>______</a:t>
+            </a:r>
+          </a:p>
+          <a:p>
+            <a:pPr>
+              <a:buNone/>
+            </a:pPr>
+            <a:br>
+              <a:rPr lang="en-US" dirty="0"/>
+            </a:br>
+            <a:endParaRPr lang="en-US" dirty="0"/>
+          </a:p>
+        </p:txBody>
+      </p:sp>
+      <p:sp>
+        <p:nvSpPr>
+          <p:cNvPr id="4" name="Slide Number Placeholder 3"/>
+          <p:cNvSpPr>
+            <a:spLocks noGrp="1"/>
+          </p:cNvSpPr>
+          <p:nvPr>
+            <p:ph type="sldNum" sz="quarter" idx="5"/>
+          </p:nvPr>
+        </p:nvSpPr>
+        <p:spPr/>
+        <p:txBody>
+          <a:bodyPr/>
+          <a:lstStyle/>
+          <a:p>
+            <a:fld id="{58213F28-0EC6-4CCF-A1EF-787A01983284}" type="slidenum">
+              <a:rPr lang="en-US" smtClean="0"/>
+              <a:t>10</a:t>
+            </a:fld>
+            <a:endParaRPr lang="en-US"/>
+          </a:p>
+        </p:txBody>
+      </p:sp>
+    </p:spTree>
+    <p:extLst>
+      <p:ext uri="{BB962C8B-B14F-4D97-AF65-F5344CB8AC3E}">
+        <p14:creationId xmlns:p14="http://schemas.microsoft.com/office/powerpoint/2010/main" val="278842351"/>
+      </p:ext>
+    </p:extLst>
+  </p:cSld>
+  <p:clrMapOvr>
+    <a:masterClrMapping/>
+  </p:clrMapOvr>
+</p:notes>
+</file>
+
+<file path=ppt/notesSlides/notesSlide11.xml><?xml version="1.0" encoding="utf-8"?>
+<p:notes xmlns:a="http://schemas.openxmlformats.org/drawingml/2006/main" xmlns:r="http://schemas.openxmlformats.org/officeDocument/2006/relationships" xmlns:p="http://schemas.openxmlformats.org/presentationml/2006/main">
+  <p:cSld>
+    <p:spTree>
+      <p:nvGrpSpPr>
+        <p:cNvPr id="1" name=""/>
+        <p:cNvGrpSpPr/>
+        <p:nvPr/>
+      </p:nvGrpSpPr>
+      <p:grpSpPr>
+        <a:xfrm>
+          <a:off x="0" y="0"/>
+          <a:ext cx="0" cy="0"/>
+          <a:chOff x="0" y="0"/>
+          <a:chExt cx="0" cy="0"/>
+        </a:xfrm>
+      </p:grpSpPr>
+      <p:sp>
+        <p:nvSpPr>
+          <p:cNvPr id="2" name="Slide Image Placeholder 1"/>
+          <p:cNvSpPr>
+            <a:spLocks noGrp="1" noRot="1" noChangeAspect="1"/>
+          </p:cNvSpPr>
+          <p:nvPr>
+            <p:ph type="sldImg"/>
+          </p:nvPr>
+        </p:nvSpPr>
+        <p:spPr/>
+      </p:sp>
+      <p:sp>
+        <p:nvSpPr>
+          <p:cNvPr id="3" name="Notes Placeholder 2"/>
+          <p:cNvSpPr>
+            <a:spLocks noGrp="1"/>
+          </p:cNvSpPr>
+          <p:nvPr>
+            <p:ph type="body" idx="1"/>
+          </p:nvPr>
+        </p:nvSpPr>
+        <p:spPr/>
+        <p:txBody>
+          <a:bodyPr/>
+          <a:lstStyle/>
+          <a:p>
+            <a:pPr>
+              <a:buNone/>
+            </a:pPr>
+            <a:r>
+              <a:rPr lang="en-US"/>
+              <a:t>Generated by Copilot</a:t>
+            </a:r>
+            <a:br>
+              <a:rPr lang="en-US"/>
+            </a:br>
+            <a:br>
+              <a:rPr lang="en-US"/>
+            </a:br>
+            <a:r>
+              <a:rPr lang="en-US"/>
+              <a:t>This marks the end of the presentation. It provides a moment to recap key points and invite any final questions or discussions before concluding the session. </a:t>
+            </a:r>
+            <a:br>
+              <a:rPr lang="en-US"/>
+            </a:br>
+            <a:endParaRPr lang="en-US"/>
+          </a:p>
+          <a:p>
+            <a:pPr>
+              <a:buNone/>
+            </a:pPr>
+            <a:r>
+              <a:rPr lang="en-US"/>
+              <a:t>______</a:t>
+            </a:r>
+          </a:p>
+          <a:p>
+            <a:pPr>
+              <a:buNone/>
+            </a:pPr>
+            <a:br>
+              <a:rPr lang="en-US"/>
+            </a:br>
+            <a:endParaRPr lang="en-US"/>
+          </a:p>
+        </p:txBody>
+      </p:sp>
+      <p:sp>
+        <p:nvSpPr>
+          <p:cNvPr id="4" name="Slide Number Placeholder 3"/>
+          <p:cNvSpPr>
+            <a:spLocks noGrp="1"/>
+          </p:cNvSpPr>
+          <p:nvPr>
+            <p:ph type="sldNum" sz="quarter" idx="5"/>
+          </p:nvPr>
+        </p:nvSpPr>
+        <p:spPr/>
+        <p:txBody>
+          <a:bodyPr/>
+          <a:lstStyle/>
+          <a:p>
+            <a:fld id="{58213F28-0EC6-4CCF-A1EF-787A01983284}" type="slidenum">
+              <a:rPr lang="en-US" smtClean="0"/>
+              <a:t>11</a:t>
+            </a:fld>
+            <a:endParaRPr lang="en-US"/>
+          </a:p>
+        </p:txBody>
+      </p:sp>
+    </p:spTree>
+    <p:extLst>
+      <p:ext uri="{BB962C8B-B14F-4D97-AF65-F5344CB8AC3E}">
+        <p14:creationId xmlns:p14="http://schemas.microsoft.com/office/powerpoint/2010/main" val="1966655205"/>
+      </p:ext>
+    </p:extLst>
+  </p:cSld>
+  <p:clrMapOvr>
+    <a:masterClrMapping/>
+  </p:clrMapOvr>
+</p:notes>
+</file>
+
+<file path=ppt/notesSlides/notesSlide2.xml><?xml version="1.0" encoding="utf-8"?>
+<p:notes xmlns:a="http://schemas.openxmlformats.org/drawingml/2006/main" xmlns:r="http://schemas.openxmlformats.org/officeDocument/2006/relationships" xmlns:p="http://schemas.openxmlformats.org/presentationml/2006/main">
+  <p:cSld>
+    <p:spTree>
+      <p:nvGrpSpPr>
+        <p:cNvPr id="1" name=""/>
+        <p:cNvGrpSpPr/>
+        <p:nvPr/>
+      </p:nvGrpSpPr>
+      <p:grpSpPr>
+        <a:xfrm>
+          <a:off x="0" y="0"/>
+          <a:ext cx="0" cy="0"/>
+          <a:chOff x="0" y="0"/>
+          <a:chExt cx="0" cy="0"/>
+        </a:xfrm>
+      </p:grpSpPr>
+      <p:sp>
+        <p:nvSpPr>
+          <p:cNvPr id="2" name="Slide Image Placeholder 1"/>
+          <p:cNvSpPr>
+            <a:spLocks noGrp="1" noRot="1" noChangeAspect="1"/>
+          </p:cNvSpPr>
+          <p:nvPr>
+            <p:ph type="sldImg"/>
+          </p:nvPr>
+        </p:nvSpPr>
+        <p:spPr/>
+      </p:sp>
+      <p:sp>
+        <p:nvSpPr>
+          <p:cNvPr id="3" name="Notes Placeholder 2"/>
+          <p:cNvSpPr>
+            <a:spLocks noGrp="1"/>
+          </p:cNvSpPr>
+          <p:nvPr>
+            <p:ph type="body" idx="1"/>
+          </p:nvPr>
+        </p:nvSpPr>
+        <p:spPr/>
+        <p:txBody>
+          <a:bodyPr/>
+          <a:lstStyle/>
+          <a:p>
+            <a:pPr>
+              <a:buNone/>
+            </a:pPr>
+            <a:r>
+              <a:rPr lang="en-US" dirty="0"/>
+              <a:t>Generated by Copilot</a:t>
+            </a:r>
+            <a:br>
+              <a:rPr lang="en-US" dirty="0"/>
+            </a:br>
+            <a:br>
+              <a:rPr lang="en-US" dirty="0"/>
+            </a:br>
+            <a:r>
+              <a:rPr lang="en-US" dirty="0"/>
+              <a:t>AI can improve software development productivity by automating tasks,</a:t>
+            </a:r>
+            <a:r>
+              <a:rPr lang="en-US" baseline="0" dirty="0"/>
+              <a:t> e.g.,</a:t>
+            </a:r>
+            <a:r>
+              <a:rPr lang="en-US" dirty="0"/>
+              <a:t> writing unit tests, analyzing code, and explaining syntax. Each video in this series highlights a specific AI tool, demonstrating useful ways AI supports development workflows. </a:t>
+            </a:r>
+            <a:br>
+              <a:rPr lang="en-US" dirty="0"/>
+            </a:br>
+            <a:endParaRPr lang="en-US" dirty="0"/>
+          </a:p>
+          <a:p>
+            <a:pPr>
+              <a:buNone/>
+            </a:pPr>
+            <a:r>
+              <a:rPr lang="en-US" dirty="0"/>
+              <a:t>______</a:t>
+            </a:r>
+          </a:p>
+          <a:p>
+            <a:pPr>
+              <a:buNone/>
+            </a:pPr>
+            <a:br>
+              <a:rPr lang="en-US" dirty="0"/>
+            </a:br>
+            <a:endParaRPr lang="en-US" dirty="0"/>
+          </a:p>
+        </p:txBody>
+      </p:sp>
+      <p:sp>
+        <p:nvSpPr>
+          <p:cNvPr id="4" name="Slide Number Placeholder 3"/>
+          <p:cNvSpPr>
+            <a:spLocks noGrp="1"/>
+          </p:cNvSpPr>
+          <p:nvPr>
+            <p:ph type="sldNum" sz="quarter" idx="5"/>
+          </p:nvPr>
+        </p:nvSpPr>
+        <p:spPr/>
+        <p:txBody>
+          <a:bodyPr/>
+          <a:lstStyle/>
+          <a:p>
+            <a:fld id="{58213F28-0EC6-4CCF-A1EF-787A01983284}" type="slidenum">
+              <a:rPr lang="en-US" smtClean="0"/>
+              <a:t>2</a:t>
+            </a:fld>
+            <a:endParaRPr lang="en-US"/>
+          </a:p>
+        </p:txBody>
+      </p:sp>
+    </p:spTree>
+    <p:extLst>
+      <p:ext uri="{BB962C8B-B14F-4D97-AF65-F5344CB8AC3E}">
+        <p14:creationId xmlns:p14="http://schemas.microsoft.com/office/powerpoint/2010/main" val="2631834988"/>
+      </p:ext>
+    </p:extLst>
+  </p:cSld>
+  <p:clrMapOvr>
+    <a:masterClrMapping/>
+  </p:clrMapOvr>
+</p:notes>
+</file>
+
+<file path=ppt/notesSlides/notesSlide3.xml><?xml version="1.0" encoding="utf-8"?>
+<p:notes xmlns:a="http://schemas.openxmlformats.org/drawingml/2006/main" xmlns:r="http://schemas.openxmlformats.org/officeDocument/2006/relationships" xmlns:p="http://schemas.openxmlformats.org/presentationml/2006/main">
+  <p:cSld>
+    <p:spTree>
+      <p:nvGrpSpPr>
+        <p:cNvPr id="1" name=""/>
+        <p:cNvGrpSpPr/>
+        <p:nvPr/>
+      </p:nvGrpSpPr>
+      <p:grpSpPr>
+        <a:xfrm>
+          <a:off x="0" y="0"/>
+          <a:ext cx="0" cy="0"/>
+          <a:chOff x="0" y="0"/>
+          <a:chExt cx="0" cy="0"/>
+        </a:xfrm>
+      </p:grpSpPr>
+      <p:sp>
+        <p:nvSpPr>
+          <p:cNvPr id="2" name="Slide Image Placeholder 1"/>
+          <p:cNvSpPr>
+            <a:spLocks noGrp="1" noRot="1" noChangeAspect="1"/>
+          </p:cNvSpPr>
+          <p:nvPr>
+            <p:ph type="sldImg"/>
+          </p:nvPr>
+        </p:nvSpPr>
+        <p:spPr/>
+      </p:sp>
+      <p:sp>
+        <p:nvSpPr>
+          <p:cNvPr id="3" name="Notes Placeholder 2"/>
+          <p:cNvSpPr>
+            <a:spLocks noGrp="1"/>
+          </p:cNvSpPr>
+          <p:nvPr>
+            <p:ph type="body" idx="1"/>
+          </p:nvPr>
+        </p:nvSpPr>
+        <p:spPr/>
+        <p:txBody>
+          <a:bodyPr/>
+          <a:lstStyle/>
+          <a:p>
+            <a:pPr>
+              <a:buNone/>
+            </a:pPr>
+            <a:r>
+              <a:rPr lang="en-US"/>
+              <a:t>Generated by Copilot</a:t>
+            </a:r>
+            <a:br>
+              <a:rPr lang="en-US"/>
+            </a:br>
+            <a:br>
+              <a:rPr lang="en-US"/>
+            </a:br>
+            <a:r>
+              <a:rPr lang="en-US"/>
+              <a:t>There are three main ways to interact with Large Language Models (LLMs) across various AI platforms: chat bot web apps, agents, and consoles. Chat bots provide a web interface but have limited access to local or GitHub repositories. Agents integrate with local applications and can read and write to local repositories. Consoles offer similar capabilities to agents but without requiring custom agent code, making them more accessible for developers. </a:t>
+            </a:r>
+            <a:br>
+              <a:rPr lang="en-US"/>
+            </a:br>
+            <a:endParaRPr lang="en-US"/>
+          </a:p>
+          <a:p>
+            <a:pPr>
+              <a:buNone/>
+            </a:pPr>
+            <a:r>
+              <a:rPr lang="en-US"/>
+              <a:t>______</a:t>
+            </a:r>
+          </a:p>
+          <a:p>
+            <a:pPr>
+              <a:buNone/>
+            </a:pPr>
+            <a:br>
+              <a:rPr lang="en-US"/>
+            </a:br>
+            <a:endParaRPr lang="en-US"/>
+          </a:p>
+        </p:txBody>
+      </p:sp>
+      <p:sp>
+        <p:nvSpPr>
+          <p:cNvPr id="4" name="Slide Number Placeholder 3"/>
+          <p:cNvSpPr>
+            <a:spLocks noGrp="1"/>
+          </p:cNvSpPr>
+          <p:nvPr>
+            <p:ph type="sldNum" sz="quarter" idx="5"/>
+          </p:nvPr>
+        </p:nvSpPr>
+        <p:spPr/>
+        <p:txBody>
+          <a:bodyPr/>
+          <a:lstStyle/>
+          <a:p>
+            <a:fld id="{58213F28-0EC6-4CCF-A1EF-787A01983284}" type="slidenum">
+              <a:rPr lang="en-US" smtClean="0"/>
+              <a:t>3</a:t>
+            </a:fld>
+            <a:endParaRPr lang="en-US"/>
+          </a:p>
+        </p:txBody>
+      </p:sp>
+    </p:spTree>
+    <p:extLst>
+      <p:ext uri="{BB962C8B-B14F-4D97-AF65-F5344CB8AC3E}">
+        <p14:creationId xmlns:p14="http://schemas.microsoft.com/office/powerpoint/2010/main" val="611249553"/>
+      </p:ext>
+    </p:extLst>
+  </p:cSld>
+  <p:clrMapOvr>
+    <a:masterClrMapping/>
+  </p:clrMapOvr>
+</p:notes>
+</file>
+
+<file path=ppt/notesSlides/notesSlide4.xml><?xml version="1.0" encoding="utf-8"?>
+<p:notes xmlns:a="http://schemas.openxmlformats.org/drawingml/2006/main" xmlns:r="http://schemas.openxmlformats.org/officeDocument/2006/relationships" xmlns:p="http://schemas.openxmlformats.org/presentationml/2006/main">
+  <p:cSld>
+    <p:spTree>
+      <p:nvGrpSpPr>
+        <p:cNvPr id="1" name=""/>
+        <p:cNvGrpSpPr/>
+        <p:nvPr/>
+      </p:nvGrpSpPr>
+      <p:grpSpPr>
+        <a:xfrm>
+          <a:off x="0" y="0"/>
+          <a:ext cx="0" cy="0"/>
+          <a:chOff x="0" y="0"/>
+          <a:chExt cx="0" cy="0"/>
+        </a:xfrm>
+      </p:grpSpPr>
+      <p:sp>
+        <p:nvSpPr>
+          <p:cNvPr id="2" name="Slide Image Placeholder 1"/>
+          <p:cNvSpPr>
+            <a:spLocks noGrp="1" noRot="1" noChangeAspect="1"/>
+          </p:cNvSpPr>
+          <p:nvPr>
+            <p:ph type="sldImg"/>
+          </p:nvPr>
+        </p:nvSpPr>
+        <p:spPr/>
+      </p:sp>
+      <p:sp>
+        <p:nvSpPr>
+          <p:cNvPr id="3" name="Notes Placeholder 2"/>
+          <p:cNvSpPr>
+            <a:spLocks noGrp="1"/>
+          </p:cNvSpPr>
+          <p:nvPr>
+            <p:ph type="body" idx="1"/>
+          </p:nvPr>
+        </p:nvSpPr>
+        <p:spPr/>
+        <p:txBody>
+          <a:bodyPr/>
+          <a:lstStyle/>
+          <a:p>
+            <a:pPr>
+              <a:buNone/>
+            </a:pPr>
+            <a:r>
+              <a:rPr lang="en-US" dirty="0"/>
+              <a:t>Generated by Copilot</a:t>
+            </a:r>
+            <a:br>
+              <a:rPr lang="en-US" dirty="0"/>
+            </a:br>
+            <a:br>
+              <a:rPr lang="en-US" dirty="0"/>
+            </a:br>
+            <a:r>
+              <a:rPr lang="en-US" dirty="0"/>
+              <a:t>Chat bots operate as web applications with a browser-based interface for user prompts and responses. They rely on containerized, pre-trained LLMs hosted on Linux servers in data centers. Communication between the user and the LLM happens over secure HTTPS connections, enabling prompt</a:t>
+            </a:r>
+            <a:r>
+              <a:rPr lang="en-US" baseline="0" dirty="0"/>
+              <a:t> </a:t>
+            </a:r>
+            <a:r>
+              <a:rPr lang="en-US" dirty="0"/>
+              <a:t>delivery and response retrieval. </a:t>
+            </a:r>
+            <a:br>
+              <a:rPr lang="en-US" dirty="0"/>
+            </a:br>
+            <a:endParaRPr lang="en-US" dirty="0"/>
+          </a:p>
+          <a:p>
+            <a:pPr>
+              <a:buNone/>
+            </a:pPr>
+            <a:r>
+              <a:rPr lang="en-US" dirty="0"/>
+              <a:t>______</a:t>
+            </a:r>
+          </a:p>
+          <a:p>
+            <a:pPr>
+              <a:buNone/>
+            </a:pPr>
+            <a:br>
+              <a:rPr lang="en-US" dirty="0"/>
+            </a:br>
+            <a:endParaRPr lang="en-US" dirty="0"/>
+          </a:p>
+        </p:txBody>
+      </p:sp>
+      <p:sp>
+        <p:nvSpPr>
+          <p:cNvPr id="4" name="Slide Number Placeholder 3"/>
+          <p:cNvSpPr>
+            <a:spLocks noGrp="1"/>
+          </p:cNvSpPr>
+          <p:nvPr>
+            <p:ph type="sldNum" sz="quarter" idx="5"/>
+          </p:nvPr>
+        </p:nvSpPr>
+        <p:spPr/>
+        <p:txBody>
+          <a:bodyPr/>
+          <a:lstStyle/>
+          <a:p>
+            <a:fld id="{58213F28-0EC6-4CCF-A1EF-787A01983284}" type="slidenum">
+              <a:rPr lang="en-US" smtClean="0"/>
+              <a:t>4</a:t>
+            </a:fld>
+            <a:endParaRPr lang="en-US"/>
+          </a:p>
+        </p:txBody>
+      </p:sp>
+    </p:spTree>
+    <p:extLst>
+      <p:ext uri="{BB962C8B-B14F-4D97-AF65-F5344CB8AC3E}">
+        <p14:creationId xmlns:p14="http://schemas.microsoft.com/office/powerpoint/2010/main" val="323654936"/>
+      </p:ext>
+    </p:extLst>
+  </p:cSld>
+  <p:clrMapOvr>
+    <a:masterClrMapping/>
+  </p:clrMapOvr>
+</p:notes>
+</file>
+
+<file path=ppt/notesSlides/notesSlide5.xml><?xml version="1.0" encoding="utf-8"?>
+<p:notes xmlns:a="http://schemas.openxmlformats.org/drawingml/2006/main" xmlns:r="http://schemas.openxmlformats.org/officeDocument/2006/relationships" xmlns:p="http://schemas.openxmlformats.org/presentationml/2006/main">
+  <p:cSld>
+    <p:spTree>
+      <p:nvGrpSpPr>
+        <p:cNvPr id="1" name=""/>
+        <p:cNvGrpSpPr/>
+        <p:nvPr/>
+      </p:nvGrpSpPr>
+      <p:grpSpPr>
+        <a:xfrm>
+          <a:off x="0" y="0"/>
+          <a:ext cx="0" cy="0"/>
+          <a:chOff x="0" y="0"/>
+          <a:chExt cx="0" cy="0"/>
+        </a:xfrm>
+      </p:grpSpPr>
+      <p:sp>
+        <p:nvSpPr>
+          <p:cNvPr id="2" name="Slide Image Placeholder 1"/>
+          <p:cNvSpPr>
+            <a:spLocks noGrp="1" noRot="1" noChangeAspect="1"/>
+          </p:cNvSpPr>
+          <p:nvPr>
+            <p:ph type="sldImg"/>
+          </p:nvPr>
+        </p:nvSpPr>
+        <p:spPr/>
+      </p:sp>
+      <p:sp>
+        <p:nvSpPr>
+          <p:cNvPr id="3" name="Notes Placeholder 2"/>
+          <p:cNvSpPr>
+            <a:spLocks noGrp="1"/>
+          </p:cNvSpPr>
+          <p:nvPr>
+            <p:ph type="body" idx="1"/>
+          </p:nvPr>
+        </p:nvSpPr>
+        <p:spPr/>
+        <p:txBody>
+          <a:bodyPr/>
+          <a:lstStyle/>
+          <a:p>
+            <a:pPr>
+              <a:buNone/>
+            </a:pPr>
+            <a:r>
+              <a:rPr lang="en-US" dirty="0"/>
+              <a:t>Generated by Copilot</a:t>
+            </a:r>
+            <a:br>
+              <a:rPr lang="en-US" dirty="0"/>
+            </a:br>
+            <a:br>
+              <a:rPr lang="en-US" dirty="0"/>
+            </a:br>
+            <a:r>
+              <a:rPr lang="en-US" dirty="0"/>
+              <a:t>This diagram illustrates the architecture of an AI web application, showing how the user interface, server hosting the LLM, and communication protocols interact. It</a:t>
+            </a:r>
+            <a:r>
+              <a:rPr lang="en-US" baseline="0" dirty="0"/>
+              <a:t> is intended to</a:t>
+            </a:r>
+            <a:r>
+              <a:rPr lang="en-US" dirty="0"/>
+              <a:t> clarify how chat bots process requests and deliver AI-generated responses efficiently. </a:t>
+            </a:r>
+          </a:p>
+          <a:p>
+            <a:pPr>
+              <a:buNone/>
+            </a:pPr>
+            <a:r>
+              <a:rPr lang="en-US" dirty="0"/>
+              <a:t>The diagram was generated by Gemini nano banana.</a:t>
+            </a:r>
+            <a:br>
+              <a:rPr lang="en-US" dirty="0"/>
+            </a:br>
+            <a:endParaRPr lang="en-US" dirty="0"/>
+          </a:p>
+          <a:p>
+            <a:pPr>
+              <a:buNone/>
+            </a:pPr>
+            <a:r>
+              <a:rPr lang="en-US" dirty="0"/>
+              <a:t>______</a:t>
+            </a:r>
+          </a:p>
+          <a:p>
+            <a:pPr>
+              <a:buNone/>
+            </a:pPr>
+            <a:br>
+              <a:rPr lang="en-US" dirty="0"/>
+            </a:br>
+            <a:endParaRPr lang="en-US" dirty="0"/>
+          </a:p>
+        </p:txBody>
+      </p:sp>
+      <p:sp>
+        <p:nvSpPr>
+          <p:cNvPr id="4" name="Slide Number Placeholder 3"/>
+          <p:cNvSpPr>
+            <a:spLocks noGrp="1"/>
+          </p:cNvSpPr>
+          <p:nvPr>
+            <p:ph type="sldNum" sz="quarter" idx="5"/>
+          </p:nvPr>
+        </p:nvSpPr>
+        <p:spPr/>
+        <p:txBody>
+          <a:bodyPr/>
+          <a:lstStyle/>
+          <a:p>
+            <a:fld id="{58213F28-0EC6-4CCF-A1EF-787A01983284}" type="slidenum">
+              <a:rPr lang="en-US" smtClean="0"/>
+              <a:t>5</a:t>
+            </a:fld>
+            <a:endParaRPr lang="en-US"/>
+          </a:p>
+        </p:txBody>
+      </p:sp>
+    </p:spTree>
+    <p:extLst>
+      <p:ext uri="{BB962C8B-B14F-4D97-AF65-F5344CB8AC3E}">
+        <p14:creationId xmlns:p14="http://schemas.microsoft.com/office/powerpoint/2010/main" val="1088079704"/>
+      </p:ext>
+    </p:extLst>
+  </p:cSld>
+  <p:clrMapOvr>
+    <a:masterClrMapping/>
+  </p:clrMapOvr>
+</p:notes>
+</file>
+
+<file path=ppt/notesSlides/notesSlide6.xml><?xml version="1.0" encoding="utf-8"?>
+<p:notes xmlns:a="http://schemas.openxmlformats.org/drawingml/2006/main" xmlns:r="http://schemas.openxmlformats.org/officeDocument/2006/relationships" xmlns:p="http://schemas.openxmlformats.org/presentationml/2006/main">
+  <p:cSld>
+    <p:spTree>
+      <p:nvGrpSpPr>
+        <p:cNvPr id="1" name=""/>
+        <p:cNvGrpSpPr/>
+        <p:nvPr/>
+      </p:nvGrpSpPr>
+      <p:grpSpPr>
+        <a:xfrm>
+          <a:off x="0" y="0"/>
+          <a:ext cx="0" cy="0"/>
+          <a:chOff x="0" y="0"/>
+          <a:chExt cx="0" cy="0"/>
+        </a:xfrm>
+      </p:grpSpPr>
+      <p:sp>
+        <p:nvSpPr>
+          <p:cNvPr id="2" name="Slide Image Placeholder 1"/>
+          <p:cNvSpPr>
+            <a:spLocks noGrp="1" noRot="1" noChangeAspect="1"/>
+          </p:cNvSpPr>
+          <p:nvPr>
+            <p:ph type="sldImg"/>
+          </p:nvPr>
+        </p:nvSpPr>
+        <p:spPr/>
+      </p:sp>
+      <p:sp>
+        <p:nvSpPr>
+          <p:cNvPr id="3" name="Notes Placeholder 2"/>
+          <p:cNvSpPr>
+            <a:spLocks noGrp="1"/>
+          </p:cNvSpPr>
+          <p:nvPr>
+            <p:ph type="body" idx="1"/>
+          </p:nvPr>
+        </p:nvSpPr>
+        <p:spPr/>
+        <p:txBody>
+          <a:bodyPr/>
+          <a:lstStyle/>
+          <a:p>
+            <a:pPr>
+              <a:buNone/>
+            </a:pPr>
+            <a:r>
+              <a:rPr lang="en-US" dirty="0"/>
+              <a:t>Generated by Copilot</a:t>
+            </a:r>
+            <a:br>
+              <a:rPr lang="en-US" dirty="0"/>
+            </a:br>
+            <a:br>
+              <a:rPr lang="en-US" dirty="0"/>
+            </a:br>
+            <a:r>
+              <a:rPr lang="en-US" dirty="0"/>
+              <a:t>AI chat bots have inherent limitations due to their web-based nature. They cannot directly access or modify local code repositories or read files from GitHub. This restricts their ability to interact with a developer's full codebase, which is important to consider when planning use of these tools. </a:t>
+            </a:r>
+            <a:br>
+              <a:rPr lang="en-US" dirty="0"/>
+            </a:br>
+            <a:endParaRPr lang="en-US" dirty="0"/>
+          </a:p>
+          <a:p>
+            <a:pPr>
+              <a:buNone/>
+            </a:pPr>
+            <a:r>
+              <a:rPr lang="en-US" dirty="0"/>
+              <a:t>______</a:t>
+            </a:r>
+          </a:p>
+          <a:p>
+            <a:pPr>
+              <a:buNone/>
+            </a:pPr>
+            <a:br>
+              <a:rPr lang="en-US" dirty="0"/>
+            </a:br>
+            <a:endParaRPr lang="en-US" dirty="0"/>
+          </a:p>
+        </p:txBody>
+      </p:sp>
+      <p:sp>
+        <p:nvSpPr>
+          <p:cNvPr id="4" name="Slide Number Placeholder 3"/>
+          <p:cNvSpPr>
+            <a:spLocks noGrp="1"/>
+          </p:cNvSpPr>
+          <p:nvPr>
+            <p:ph type="sldNum" sz="quarter" idx="5"/>
+          </p:nvPr>
+        </p:nvSpPr>
+        <p:spPr/>
+        <p:txBody>
+          <a:bodyPr/>
+          <a:lstStyle/>
+          <a:p>
+            <a:fld id="{58213F28-0EC6-4CCF-A1EF-787A01983284}" type="slidenum">
+              <a:rPr lang="en-US" smtClean="0"/>
+              <a:t>6</a:t>
+            </a:fld>
+            <a:endParaRPr lang="en-US"/>
+          </a:p>
+        </p:txBody>
+      </p:sp>
+    </p:spTree>
+    <p:extLst>
+      <p:ext uri="{BB962C8B-B14F-4D97-AF65-F5344CB8AC3E}">
+        <p14:creationId xmlns:p14="http://schemas.microsoft.com/office/powerpoint/2010/main" val="880237279"/>
+      </p:ext>
+    </p:extLst>
+  </p:cSld>
+  <p:clrMapOvr>
+    <a:masterClrMapping/>
+  </p:clrMapOvr>
+</p:notes>
+</file>
+
+<file path=ppt/notesSlides/notesSlide7.xml><?xml version="1.0" encoding="utf-8"?>
+<p:notes xmlns:a="http://schemas.openxmlformats.org/drawingml/2006/main" xmlns:r="http://schemas.openxmlformats.org/officeDocument/2006/relationships" xmlns:p="http://schemas.openxmlformats.org/presentationml/2006/main">
+  <p:cSld>
+    <p:spTree>
+      <p:nvGrpSpPr>
+        <p:cNvPr id="1" name=""/>
+        <p:cNvGrpSpPr/>
+        <p:nvPr/>
+      </p:nvGrpSpPr>
+      <p:grpSpPr>
+        <a:xfrm>
+          <a:off x="0" y="0"/>
+          <a:ext cx="0" cy="0"/>
+          <a:chOff x="0" y="0"/>
+          <a:chExt cx="0" cy="0"/>
+        </a:xfrm>
+      </p:grpSpPr>
+      <p:sp>
+        <p:nvSpPr>
+          <p:cNvPr id="2" name="Slide Image Placeholder 1"/>
+          <p:cNvSpPr>
+            <a:spLocks noGrp="1" noRot="1" noChangeAspect="1"/>
+          </p:cNvSpPr>
+          <p:nvPr>
+            <p:ph type="sldImg"/>
+          </p:nvPr>
+        </p:nvSpPr>
+        <p:spPr/>
+      </p:sp>
+      <p:sp>
+        <p:nvSpPr>
+          <p:cNvPr id="3" name="Notes Placeholder 2"/>
+          <p:cNvSpPr>
+            <a:spLocks noGrp="1"/>
+          </p:cNvSpPr>
+          <p:nvPr>
+            <p:ph type="body" idx="1"/>
+          </p:nvPr>
+        </p:nvSpPr>
+        <p:spPr/>
+        <p:txBody>
+          <a:bodyPr/>
+          <a:lstStyle/>
+          <a:p>
+            <a:pPr>
+              <a:buNone/>
+            </a:pPr>
+            <a:r>
+              <a:rPr lang="en-US" dirty="0"/>
+              <a:t>Generated by Copilot</a:t>
+            </a:r>
+            <a:br>
+              <a:rPr lang="en-US" dirty="0"/>
+            </a:br>
+            <a:br>
+              <a:rPr lang="en-US" dirty="0"/>
+            </a:br>
+            <a:r>
+              <a:rPr lang="en-US" dirty="0"/>
+              <a:t>To overcome chat bots' access limitations, users can paste code snippets or entire zipped repositories directly into prompts. This allows the LLM to analyze the provided code. Additionally, chat bots can be instructed to download their output to the user's local system, making</a:t>
+            </a:r>
+            <a:r>
+              <a:rPr lang="en-US" baseline="0" dirty="0"/>
+              <a:t> it</a:t>
+            </a:r>
+            <a:r>
+              <a:rPr lang="en-US" dirty="0"/>
+              <a:t> easier to integrate AI-generated responses with build documentation. </a:t>
+            </a:r>
+            <a:br>
+              <a:rPr lang="en-US" dirty="0"/>
+            </a:br>
+            <a:endParaRPr lang="en-US" dirty="0"/>
+          </a:p>
+          <a:p>
+            <a:pPr>
+              <a:buNone/>
+            </a:pPr>
+            <a:r>
+              <a:rPr lang="en-US" dirty="0"/>
+              <a:t>______</a:t>
+            </a:r>
+          </a:p>
+          <a:p>
+            <a:pPr>
+              <a:buNone/>
+            </a:pPr>
+            <a:br>
+              <a:rPr lang="en-US" dirty="0"/>
+            </a:br>
+            <a:endParaRPr lang="en-US" dirty="0"/>
+          </a:p>
+        </p:txBody>
+      </p:sp>
+      <p:sp>
+        <p:nvSpPr>
+          <p:cNvPr id="4" name="Slide Number Placeholder 3"/>
+          <p:cNvSpPr>
+            <a:spLocks noGrp="1"/>
+          </p:cNvSpPr>
+          <p:nvPr>
+            <p:ph type="sldNum" sz="quarter" idx="5"/>
+          </p:nvPr>
+        </p:nvSpPr>
+        <p:spPr/>
+        <p:txBody>
+          <a:bodyPr/>
+          <a:lstStyle/>
+          <a:p>
+            <a:fld id="{58213F28-0EC6-4CCF-A1EF-787A01983284}" type="slidenum">
+              <a:rPr lang="en-US" smtClean="0"/>
+              <a:t>7</a:t>
+            </a:fld>
+            <a:endParaRPr lang="en-US"/>
+          </a:p>
+        </p:txBody>
+      </p:sp>
+    </p:spTree>
+    <p:extLst>
+      <p:ext uri="{BB962C8B-B14F-4D97-AF65-F5344CB8AC3E}">
+        <p14:creationId xmlns:p14="http://schemas.microsoft.com/office/powerpoint/2010/main" val="1605611368"/>
+      </p:ext>
+    </p:extLst>
+  </p:cSld>
+  <p:clrMapOvr>
+    <a:masterClrMapping/>
+  </p:clrMapOvr>
+</p:notes>
+</file>
+
+<file path=ppt/notesSlides/notesSlide8.xml><?xml version="1.0" encoding="utf-8"?>
+<p:notes xmlns:a="http://schemas.openxmlformats.org/drawingml/2006/main" xmlns:r="http://schemas.openxmlformats.org/officeDocument/2006/relationships" xmlns:p="http://schemas.openxmlformats.org/presentationml/2006/main">
+  <p:cSld>
+    <p:spTree>
+      <p:nvGrpSpPr>
+        <p:cNvPr id="1" name=""/>
+        <p:cNvGrpSpPr/>
+        <p:nvPr/>
+      </p:nvGrpSpPr>
+      <p:grpSpPr>
+        <a:xfrm>
+          <a:off x="0" y="0"/>
+          <a:ext cx="0" cy="0"/>
+          <a:chOff x="0" y="0"/>
+          <a:chExt cx="0" cy="0"/>
+        </a:xfrm>
+      </p:grpSpPr>
+      <p:sp>
+        <p:nvSpPr>
+          <p:cNvPr id="2" name="Slide Image Placeholder 1"/>
+          <p:cNvSpPr>
+            <a:spLocks noGrp="1" noRot="1" noChangeAspect="1"/>
+          </p:cNvSpPr>
+          <p:nvPr>
+            <p:ph type="sldImg"/>
+          </p:nvPr>
+        </p:nvSpPr>
+        <p:spPr/>
+      </p:sp>
+      <p:sp>
+        <p:nvSpPr>
+          <p:cNvPr id="3" name="Notes Placeholder 2"/>
+          <p:cNvSpPr>
+            <a:spLocks noGrp="1"/>
+          </p:cNvSpPr>
+          <p:nvPr>
+            <p:ph type="body" idx="1"/>
+          </p:nvPr>
+        </p:nvSpPr>
+        <p:spPr/>
+        <p:txBody>
+          <a:bodyPr/>
+          <a:lstStyle/>
+          <a:p>
+            <a:pPr>
+              <a:buNone/>
+            </a:pPr>
+            <a:r>
+              <a:rPr lang="en-US" dirty="0"/>
+              <a:t>Generated by Copilot</a:t>
+            </a:r>
+            <a:br>
+              <a:rPr lang="en-US" dirty="0"/>
+            </a:br>
+            <a:br>
+              <a:rPr lang="en-US" dirty="0"/>
+            </a:br>
+            <a:r>
+              <a:rPr lang="en-US" dirty="0"/>
+              <a:t>The example prompt requests the AI to analyze a zipped Rust thread pool codebase, generating a list of functions with their line counts and complexity metrics based on open braces. Rust's syntax simplicity compared to C++ makes it easier for the AI to parse and analyze, demonstrating practical code analysis capabilities of AI chat bots. </a:t>
+            </a:r>
+            <a:br>
+              <a:rPr lang="en-US" dirty="0"/>
+            </a:br>
+            <a:endParaRPr lang="en-US" dirty="0"/>
+          </a:p>
+          <a:p>
+            <a:pPr>
+              <a:buNone/>
+            </a:pPr>
+            <a:r>
+              <a:rPr lang="en-US" dirty="0"/>
+              <a:t>______</a:t>
+            </a:r>
+          </a:p>
+          <a:p>
+            <a:pPr>
+              <a:buNone/>
+            </a:pPr>
+            <a:br>
+              <a:rPr lang="en-US" dirty="0"/>
+            </a:br>
+            <a:endParaRPr lang="en-US" dirty="0"/>
+          </a:p>
+        </p:txBody>
+      </p:sp>
+      <p:sp>
+        <p:nvSpPr>
+          <p:cNvPr id="4" name="Slide Number Placeholder 3"/>
+          <p:cNvSpPr>
+            <a:spLocks noGrp="1"/>
+          </p:cNvSpPr>
+          <p:nvPr>
+            <p:ph type="sldNum" sz="quarter" idx="5"/>
+          </p:nvPr>
+        </p:nvSpPr>
+        <p:spPr/>
+        <p:txBody>
+          <a:bodyPr/>
+          <a:lstStyle/>
+          <a:p>
+            <a:fld id="{58213F28-0EC6-4CCF-A1EF-787A01983284}" type="slidenum">
+              <a:rPr lang="en-US" smtClean="0"/>
+              <a:t>8</a:t>
+            </a:fld>
+            <a:endParaRPr lang="en-US"/>
+          </a:p>
+        </p:txBody>
+      </p:sp>
+    </p:spTree>
+    <p:extLst>
+      <p:ext uri="{BB962C8B-B14F-4D97-AF65-F5344CB8AC3E}">
+        <p14:creationId xmlns:p14="http://schemas.microsoft.com/office/powerpoint/2010/main" val="1353927801"/>
+      </p:ext>
+    </p:extLst>
+  </p:cSld>
+  <p:clrMapOvr>
+    <a:masterClrMapping/>
+  </p:clrMapOvr>
+</p:notes>
+</file>
+
+<file path=ppt/notesSlides/notesSlide9.xml><?xml version="1.0" encoding="utf-8"?>
+<p:notes xmlns:a="http://schemas.openxmlformats.org/drawingml/2006/main" xmlns:r="http://schemas.openxmlformats.org/officeDocument/2006/relationships" xmlns:p="http://schemas.openxmlformats.org/presentationml/2006/main">
+  <p:cSld>
+    <p:spTree>
+      <p:nvGrpSpPr>
+        <p:cNvPr id="1" name=""/>
+        <p:cNvGrpSpPr/>
+        <p:nvPr/>
+      </p:nvGrpSpPr>
+      <p:grpSpPr>
+        <a:xfrm>
+          <a:off x="0" y="0"/>
+          <a:ext cx="0" cy="0"/>
+          <a:chOff x="0" y="0"/>
+          <a:chExt cx="0" cy="0"/>
+        </a:xfrm>
+      </p:grpSpPr>
+      <p:sp>
+        <p:nvSpPr>
+          <p:cNvPr id="2" name="Slide Image Placeholder 1"/>
+          <p:cNvSpPr>
+            <a:spLocks noGrp="1" noRot="1" noChangeAspect="1"/>
+          </p:cNvSpPr>
+          <p:nvPr>
+            <p:ph type="sldImg"/>
+          </p:nvPr>
+        </p:nvSpPr>
+        <p:spPr/>
+      </p:sp>
+      <p:sp>
+        <p:nvSpPr>
+          <p:cNvPr id="3" name="Notes Placeholder 2"/>
+          <p:cNvSpPr>
+            <a:spLocks noGrp="1"/>
+          </p:cNvSpPr>
+          <p:nvPr>
+            <p:ph type="body" idx="1"/>
+          </p:nvPr>
+        </p:nvSpPr>
+        <p:spPr/>
+        <p:txBody>
+          <a:bodyPr/>
+          <a:lstStyle/>
+          <a:p>
+            <a:pPr>
+              <a:buNone/>
+            </a:pPr>
+            <a:r>
+              <a:rPr lang="en-US" dirty="0"/>
+              <a:t>Generated by Copilot</a:t>
+            </a:r>
+            <a:br>
+              <a:rPr lang="en-US" dirty="0"/>
+            </a:br>
+            <a:br>
+              <a:rPr lang="en-US" dirty="0"/>
+            </a:br>
+            <a:r>
+              <a:rPr lang="en-US" dirty="0"/>
+              <a:t>Here is a sample of the AI-generated analysis results, showing function names, line counts and complexity scores. Such output helps developers assess code structure and identify complex or lengthy functions that may need refactoring. </a:t>
+            </a:r>
+            <a:br>
+              <a:rPr lang="en-US" dirty="0"/>
+            </a:br>
+            <a:endParaRPr lang="en-US" dirty="0"/>
+          </a:p>
+          <a:p>
+            <a:pPr>
+              <a:buNone/>
+            </a:pPr>
+            <a:r>
+              <a:rPr lang="en-US" dirty="0"/>
+              <a:t>______</a:t>
+            </a:r>
+          </a:p>
+          <a:p>
+            <a:pPr>
+              <a:buNone/>
+            </a:pPr>
+            <a:br>
+              <a:rPr lang="en-US" dirty="0"/>
+            </a:br>
+            <a:endParaRPr lang="en-US" dirty="0"/>
+          </a:p>
+        </p:txBody>
+      </p:sp>
+      <p:sp>
+        <p:nvSpPr>
+          <p:cNvPr id="4" name="Slide Number Placeholder 3"/>
+          <p:cNvSpPr>
+            <a:spLocks noGrp="1"/>
+          </p:cNvSpPr>
+          <p:nvPr>
+            <p:ph type="sldNum" sz="quarter" idx="5"/>
+          </p:nvPr>
+        </p:nvSpPr>
+        <p:spPr/>
+        <p:txBody>
+          <a:bodyPr/>
+          <a:lstStyle/>
+          <a:p>
+            <a:fld id="{58213F28-0EC6-4CCF-A1EF-787A01983284}" type="slidenum">
+              <a:rPr lang="en-US" smtClean="0"/>
+              <a:t>9</a:t>
+            </a:fld>
+            <a:endParaRPr lang="en-US"/>
+          </a:p>
+        </p:txBody>
+      </p:sp>
+    </p:spTree>
+    <p:extLst>
+      <p:ext uri="{BB962C8B-B14F-4D97-AF65-F5344CB8AC3E}">
+        <p14:creationId xmlns:p14="http://schemas.microsoft.com/office/powerpoint/2010/main" val="3713454335"/>
+      </p:ext>
+    </p:extLst>
+  </p:cSld>
+  <p:clrMapOvr>
+    <a:masterClrMapping/>
+  </p:clrMapOvr>
+</p:notes>
+</file>
+
 <file path=ppt/slideLayouts/slideLayout1.xml><?xml version="1.0" encoding="utf-8"?>
 <p:sldLayout xmlns:a="http://schemas.openxmlformats.org/drawingml/2006/main" xmlns:r="http://schemas.openxmlformats.org/officeDocument/2006/relationships" xmlns:p="http://schemas.openxmlformats.org/presentationml/2006/main" type="title" preserve="1">
   <p:cSld name="Title Slide">
@@ -267,7 +2030,7 @@
           <a:p>
             <a:fld id="{0B145D97-B311-40A5-ABD8-7A6BD9406EAF}" type="datetimeFigureOut">
               <a:rPr lang="en-US" smtClean="0"/>
-              <a:t>1/1/2026</a:t>
+              <a:t>1/8/2026</a:t>
             </a:fld>
             <a:endParaRPr lang="en-US"/>
           </a:p>
@@ -465,7 +2228,7 @@
           <a:p>
             <a:fld id="{0B145D97-B311-40A5-ABD8-7A6BD9406EAF}" type="datetimeFigureOut">
               <a:rPr lang="en-US" smtClean="0"/>
-              <a:t>1/1/2026</a:t>
+              <a:t>1/8/2026</a:t>
             </a:fld>
             <a:endParaRPr lang="en-US"/>
           </a:p>
@@ -673,7 +2436,7 @@
           <a:p>
             <a:fld id="{0B145D97-B311-40A5-ABD8-7A6BD9406EAF}" type="datetimeFigureOut">
               <a:rPr lang="en-US" smtClean="0"/>
-              <a:t>1/1/2026</a:t>
+              <a:t>1/8/2026</a:t>
             </a:fld>
             <a:endParaRPr lang="en-US"/>
           </a:p>
@@ -871,7 +2634,7 @@
           <a:p>
             <a:fld id="{0B145D97-B311-40A5-ABD8-7A6BD9406EAF}" type="datetimeFigureOut">
               <a:rPr lang="en-US" smtClean="0"/>
-              <a:t>1/1/2026</a:t>
+              <a:t>1/8/2026</a:t>
             </a:fld>
             <a:endParaRPr lang="en-US"/>
           </a:p>
@@ -1146,7 +2909,7 @@
           <a:p>
             <a:fld id="{0B145D97-B311-40A5-ABD8-7A6BD9406EAF}" type="datetimeFigureOut">
               <a:rPr lang="en-US" smtClean="0"/>
-              <a:t>1/1/2026</a:t>
+              <a:t>1/8/2026</a:t>
             </a:fld>
             <a:endParaRPr lang="en-US"/>
           </a:p>
@@ -1411,7 +3174,7 @@
           <a:p>
             <a:fld id="{0B145D97-B311-40A5-ABD8-7A6BD9406EAF}" type="datetimeFigureOut">
               <a:rPr lang="en-US" smtClean="0"/>
-              <a:t>1/1/2026</a:t>
+              <a:t>1/8/2026</a:t>
             </a:fld>
             <a:endParaRPr lang="en-US"/>
           </a:p>
@@ -1823,7 +3586,7 @@
           <a:p>
             <a:fld id="{0B145D97-B311-40A5-ABD8-7A6BD9406EAF}" type="datetimeFigureOut">
               <a:rPr lang="en-US" smtClean="0"/>
-              <a:t>1/1/2026</a:t>
+              <a:t>1/8/2026</a:t>
             </a:fld>
             <a:endParaRPr lang="en-US"/>
           </a:p>
@@ -1964,7 +3727,7 @@
           <a:p>
             <a:fld id="{0B145D97-B311-40A5-ABD8-7A6BD9406EAF}" type="datetimeFigureOut">
               <a:rPr lang="en-US" smtClean="0"/>
-              <a:t>1/1/2026</a:t>
+              <a:t>1/8/2026</a:t>
             </a:fld>
             <a:endParaRPr lang="en-US"/>
           </a:p>
@@ -2077,7 +3840,7 @@
           <a:p>
             <a:fld id="{0B145D97-B311-40A5-ABD8-7A6BD9406EAF}" type="datetimeFigureOut">
               <a:rPr lang="en-US" smtClean="0"/>
-              <a:t>1/1/2026</a:t>
+              <a:t>1/8/2026</a:t>
             </a:fld>
             <a:endParaRPr lang="en-US"/>
           </a:p>
@@ -2388,7 +4151,7 @@
           <a:p>
             <a:fld id="{0B145D97-B311-40A5-ABD8-7A6BD9406EAF}" type="datetimeFigureOut">
               <a:rPr lang="en-US" smtClean="0"/>
-              <a:t>1/1/2026</a:t>
+              <a:t>1/8/2026</a:t>
             </a:fld>
             <a:endParaRPr lang="en-US"/>
           </a:p>
@@ -2676,7 +4439,7 @@
           <a:p>
             <a:fld id="{0B145D97-B311-40A5-ABD8-7A6BD9406EAF}" type="datetimeFigureOut">
               <a:rPr lang="en-US" smtClean="0"/>
-              <a:t>1/1/2026</a:t>
+              <a:t>1/8/2026</a:t>
             </a:fld>
             <a:endParaRPr lang="en-US"/>
           </a:p>
@@ -2917,7 +4680,7 @@
           <a:p>
             <a:fld id="{0B145D97-B311-40A5-ABD8-7A6BD9406EAF}" type="datetimeFigureOut">
               <a:rPr lang="en-US" smtClean="0"/>
-              <a:t>1/1/2026</a:t>
+              <a:t>1/8/2026</a:t>
             </a:fld>
             <a:endParaRPr lang="en-US"/>
           </a:p>
@@ -3380,8 +5143,8 @@
         </p:nvSpPr>
         <p:spPr>
           <a:xfrm>
-            <a:off x="1215736" y="3602038"/>
-            <a:ext cx="9757064" cy="1655762"/>
+            <a:off x="1368136" y="4454092"/>
+            <a:ext cx="9757064" cy="1167389"/>
           </a:xfrm>
         </p:spPr>
         <p:txBody>
@@ -3389,8 +5152,221 @@
           <a:lstStyle/>
           <a:p>
             <a:r>
-              <a:rPr lang="en-US" dirty="0">
-                <a:hlinkClick r:id="rId2"/>
+              <a:rPr lang="en-US" dirty="0"/>
+              <a:t>Jim Fawcett &amp; Mike Corley</a:t>
+            </a:r>
+          </a:p>
+          <a:p>
+            <a:r>
+              <a:rPr lang="en-US" dirty="0"/>
+              <a:t>January 9</a:t>
+            </a:r>
+            <a:r>
+              <a:rPr lang="en-US" baseline="30000" dirty="0"/>
+              <a:t>th</a:t>
+            </a:r>
+            <a:r>
+              <a:rPr lang="en-US" dirty="0"/>
+              <a:t>, 2026</a:t>
+            </a:r>
+          </a:p>
+        </p:txBody>
+      </p:sp>
+      <p:sp>
+        <p:nvSpPr>
+          <p:cNvPr id="4" name="Subtitle 2">
+            <a:extLst>
+              <a:ext uri="{FF2B5EF4-FFF2-40B4-BE49-F238E27FC236}">
+                <a16:creationId xmlns:a16="http://schemas.microsoft.com/office/drawing/2014/main" id="{8F614654-01B2-FA64-81FF-50CA8A14FE80}"/>
+              </a:ext>
+            </a:extLst>
+          </p:cNvPr>
+          <p:cNvSpPr txBox="1">
+            <a:spLocks/>
+          </p:cNvSpPr>
+          <p:nvPr/>
+        </p:nvSpPr>
+        <p:spPr>
+          <a:xfrm>
+            <a:off x="1368136" y="3754438"/>
+            <a:ext cx="9757064" cy="606280"/>
+          </a:xfrm>
+          <a:prstGeom prst="rect">
+            <a:avLst/>
+          </a:prstGeom>
+        </p:spPr>
+        <p:txBody>
+          <a:bodyPr vert="horz" lIns="91440" tIns="45720" rIns="91440" bIns="45720" rtlCol="0">
+            <a:normAutofit/>
+          </a:bodyPr>
+          <a:lstStyle>
+            <a:lvl1pPr marL="0" indent="0" algn="ctr" defTabSz="914400" rtl="0" eaLnBrk="1" latinLnBrk="0" hangingPunct="1">
+              <a:lnSpc>
+                <a:spcPct val="90000"/>
+              </a:lnSpc>
+              <a:spcBef>
+                <a:spcPts val="1000"/>
+              </a:spcBef>
+              <a:buFont typeface="Arial" panose="020B0604020202020204" pitchFamily="34" charset="0"/>
+              <a:buNone/>
+              <a:defRPr sz="2400" kern="1200">
+                <a:solidFill>
+                  <a:schemeClr val="tx1"/>
+                </a:solidFill>
+                <a:latin typeface="+mn-lt"/>
+                <a:ea typeface="+mn-ea"/>
+                <a:cs typeface="+mn-cs"/>
+              </a:defRPr>
+            </a:lvl1pPr>
+            <a:lvl2pPr marL="457200" indent="0" algn="ctr" defTabSz="914400" rtl="0" eaLnBrk="1" latinLnBrk="0" hangingPunct="1">
+              <a:lnSpc>
+                <a:spcPct val="90000"/>
+              </a:lnSpc>
+              <a:spcBef>
+                <a:spcPts val="500"/>
+              </a:spcBef>
+              <a:buFont typeface="Arial" panose="020B0604020202020204" pitchFamily="34" charset="0"/>
+              <a:buNone/>
+              <a:defRPr sz="2000" kern="1200">
+                <a:solidFill>
+                  <a:schemeClr val="tx1"/>
+                </a:solidFill>
+                <a:latin typeface="+mn-lt"/>
+                <a:ea typeface="+mn-ea"/>
+                <a:cs typeface="+mn-cs"/>
+              </a:defRPr>
+            </a:lvl2pPr>
+            <a:lvl3pPr marL="914400" indent="0" algn="ctr" defTabSz="914400" rtl="0" eaLnBrk="1" latinLnBrk="0" hangingPunct="1">
+              <a:lnSpc>
+                <a:spcPct val="90000"/>
+              </a:lnSpc>
+              <a:spcBef>
+                <a:spcPts val="500"/>
+              </a:spcBef>
+              <a:buFont typeface="Arial" panose="020B0604020202020204" pitchFamily="34" charset="0"/>
+              <a:buNone/>
+              <a:defRPr sz="1800" kern="1200">
+                <a:solidFill>
+                  <a:schemeClr val="tx1"/>
+                </a:solidFill>
+                <a:latin typeface="+mn-lt"/>
+                <a:ea typeface="+mn-ea"/>
+                <a:cs typeface="+mn-cs"/>
+              </a:defRPr>
+            </a:lvl3pPr>
+            <a:lvl4pPr marL="1371600" indent="0" algn="ctr" defTabSz="914400" rtl="0" eaLnBrk="1" latinLnBrk="0" hangingPunct="1">
+              <a:lnSpc>
+                <a:spcPct val="90000"/>
+              </a:lnSpc>
+              <a:spcBef>
+                <a:spcPts val="500"/>
+              </a:spcBef>
+              <a:buFont typeface="Arial" panose="020B0604020202020204" pitchFamily="34" charset="0"/>
+              <a:buNone/>
+              <a:defRPr sz="1600" kern="1200">
+                <a:solidFill>
+                  <a:schemeClr val="tx1"/>
+                </a:solidFill>
+                <a:latin typeface="+mn-lt"/>
+                <a:ea typeface="+mn-ea"/>
+                <a:cs typeface="+mn-cs"/>
+              </a:defRPr>
+            </a:lvl4pPr>
+            <a:lvl5pPr marL="1828800" indent="0" algn="ctr" defTabSz="914400" rtl="0" eaLnBrk="1" latinLnBrk="0" hangingPunct="1">
+              <a:lnSpc>
+                <a:spcPct val="90000"/>
+              </a:lnSpc>
+              <a:spcBef>
+                <a:spcPts val="500"/>
+              </a:spcBef>
+              <a:buFont typeface="Arial" panose="020B0604020202020204" pitchFamily="34" charset="0"/>
+              <a:buNone/>
+              <a:defRPr sz="1600" kern="1200">
+                <a:solidFill>
+                  <a:schemeClr val="tx1"/>
+                </a:solidFill>
+                <a:latin typeface="+mn-lt"/>
+                <a:ea typeface="+mn-ea"/>
+                <a:cs typeface="+mn-cs"/>
+              </a:defRPr>
+            </a:lvl5pPr>
+            <a:lvl6pPr marL="2286000" indent="0" algn="ctr" defTabSz="914400" rtl="0" eaLnBrk="1" latinLnBrk="0" hangingPunct="1">
+              <a:lnSpc>
+                <a:spcPct val="90000"/>
+              </a:lnSpc>
+              <a:spcBef>
+                <a:spcPts val="500"/>
+              </a:spcBef>
+              <a:buFont typeface="Arial" panose="020B0604020202020204" pitchFamily="34" charset="0"/>
+              <a:buNone/>
+              <a:defRPr sz="1600" kern="1200">
+                <a:solidFill>
+                  <a:schemeClr val="tx1"/>
+                </a:solidFill>
+                <a:latin typeface="+mn-lt"/>
+                <a:ea typeface="+mn-ea"/>
+                <a:cs typeface="+mn-cs"/>
+              </a:defRPr>
+            </a:lvl6pPr>
+            <a:lvl7pPr marL="2743200" indent="0" algn="ctr" defTabSz="914400" rtl="0" eaLnBrk="1" latinLnBrk="0" hangingPunct="1">
+              <a:lnSpc>
+                <a:spcPct val="90000"/>
+              </a:lnSpc>
+              <a:spcBef>
+                <a:spcPts val="500"/>
+              </a:spcBef>
+              <a:buFont typeface="Arial" panose="020B0604020202020204" pitchFamily="34" charset="0"/>
+              <a:buNone/>
+              <a:defRPr sz="1600" kern="1200">
+                <a:solidFill>
+                  <a:schemeClr val="tx1"/>
+                </a:solidFill>
+                <a:latin typeface="+mn-lt"/>
+                <a:ea typeface="+mn-ea"/>
+                <a:cs typeface="+mn-cs"/>
+              </a:defRPr>
+            </a:lvl7pPr>
+            <a:lvl8pPr marL="3200400" indent="0" algn="ctr" defTabSz="914400" rtl="0" eaLnBrk="1" latinLnBrk="0" hangingPunct="1">
+              <a:lnSpc>
+                <a:spcPct val="90000"/>
+              </a:lnSpc>
+              <a:spcBef>
+                <a:spcPts val="500"/>
+              </a:spcBef>
+              <a:buFont typeface="Arial" panose="020B0604020202020204" pitchFamily="34" charset="0"/>
+              <a:buNone/>
+              <a:defRPr sz="1600" kern="1200">
+                <a:solidFill>
+                  <a:schemeClr val="tx1"/>
+                </a:solidFill>
+                <a:latin typeface="+mn-lt"/>
+                <a:ea typeface="+mn-ea"/>
+                <a:cs typeface="+mn-cs"/>
+              </a:defRPr>
+            </a:lvl8pPr>
+            <a:lvl9pPr marL="3657600" indent="0" algn="ctr" defTabSz="914400" rtl="0" eaLnBrk="1" latinLnBrk="0" hangingPunct="1">
+              <a:lnSpc>
+                <a:spcPct val="90000"/>
+              </a:lnSpc>
+              <a:spcBef>
+                <a:spcPts val="500"/>
+              </a:spcBef>
+              <a:buFont typeface="Arial" panose="020B0604020202020204" pitchFamily="34" charset="0"/>
+              <a:buNone/>
+              <a:defRPr sz="1600" kern="1200">
+                <a:solidFill>
+                  <a:schemeClr val="tx1"/>
+                </a:solidFill>
+                <a:latin typeface="+mn-lt"/>
+                <a:ea typeface="+mn-ea"/>
+                <a:cs typeface="+mn-cs"/>
+              </a:defRPr>
+            </a:lvl9pPr>
+          </a:lstStyle>
+          <a:p>
+            <a:r>
+              <a:rPr lang="en-US">
+                <a:hlinkClick r:id="rId3"/>
               </a:rPr>
               <a:t>https://jimfawcett.github.io/NewSite/Code/CodeBites_ChatBotAI.html</a:t>
             </a:r>
@@ -3402,6 +5378,225 @@
     <p:extLst>
       <p:ext uri="{BB962C8B-B14F-4D97-AF65-F5344CB8AC3E}">
         <p14:creationId xmlns:p14="http://schemas.microsoft.com/office/powerpoint/2010/main" val="2821506332"/>
+      </p:ext>
+    </p:extLst>
+  </p:cSld>
+  <p:clrMapOvr>
+    <a:masterClrMapping/>
+  </p:clrMapOvr>
+</p:sld>
+</file>
+
+<file path=ppt/slides/slide10.xml><?xml version="1.0" encoding="utf-8"?>
+<p:sld xmlns:a="http://schemas.openxmlformats.org/drawingml/2006/main" xmlns:r="http://schemas.openxmlformats.org/officeDocument/2006/relationships" xmlns:p="http://schemas.openxmlformats.org/presentationml/2006/main">
+  <p:cSld>
+    <p:spTree>
+      <p:nvGrpSpPr>
+        <p:cNvPr id="1" name=""/>
+        <p:cNvGrpSpPr/>
+        <p:nvPr/>
+      </p:nvGrpSpPr>
+      <p:grpSpPr>
+        <a:xfrm>
+          <a:off x="0" y="0"/>
+          <a:ext cx="0" cy="0"/>
+          <a:chOff x="0" y="0"/>
+          <a:chExt cx="0" cy="0"/>
+        </a:xfrm>
+      </p:grpSpPr>
+      <p:sp>
+        <p:nvSpPr>
+          <p:cNvPr id="2" name="Title 1">
+            <a:extLst>
+              <a:ext uri="{FF2B5EF4-FFF2-40B4-BE49-F238E27FC236}">
+                <a16:creationId xmlns:a16="http://schemas.microsoft.com/office/drawing/2014/main" id="{8A85B24E-E878-0B21-8712-7D1402BCBC45}"/>
+              </a:ext>
+            </a:extLst>
+          </p:cNvPr>
+          <p:cNvSpPr>
+            <a:spLocks noGrp="1"/>
+          </p:cNvSpPr>
+          <p:nvPr>
+            <p:ph type="title"/>
+          </p:nvPr>
+        </p:nvSpPr>
+        <p:spPr/>
+        <p:txBody>
+          <a:bodyPr/>
+          <a:lstStyle/>
+          <a:p>
+            <a:r>
+              <a:rPr lang="en-US" dirty="0"/>
+              <a:t>Conclusion</a:t>
+            </a:r>
+          </a:p>
+        </p:txBody>
+      </p:sp>
+      <p:sp>
+        <p:nvSpPr>
+          <p:cNvPr id="3" name="Content Placeholder 2">
+            <a:extLst>
+              <a:ext uri="{FF2B5EF4-FFF2-40B4-BE49-F238E27FC236}">
+                <a16:creationId xmlns:a16="http://schemas.microsoft.com/office/drawing/2014/main" id="{B1384049-8907-0308-4717-8169ADBCA512}"/>
+              </a:ext>
+            </a:extLst>
+          </p:cNvPr>
+          <p:cNvSpPr>
+            <a:spLocks noGrp="1"/>
+          </p:cNvSpPr>
+          <p:nvPr>
+            <p:ph idx="1"/>
+          </p:nvPr>
+        </p:nvSpPr>
+        <p:spPr/>
+        <p:txBody>
+          <a:bodyPr/>
+          <a:lstStyle/>
+          <a:p>
+            <a:r>
+              <a:rPr lang="en-US" dirty="0"/>
+              <a:t>You can find all the details here:</a:t>
+            </a:r>
+            <a:br>
+              <a:rPr lang="en-US" dirty="0"/>
+            </a:br>
+            <a:r>
+              <a:rPr lang="en-US" dirty="0"/>
+              <a:t>    </a:t>
+            </a:r>
+            <a:r>
+              <a:rPr lang="en-US" sz="2000" dirty="0">
+                <a:hlinkClick r:id="rId3"/>
+              </a:rPr>
+              <a:t>https://jimfawcett.github.io/NewSite/Code/CodeBites_ChatBotAI.html</a:t>
+            </a:r>
+            <a:endParaRPr lang="en-US" sz="2000" dirty="0"/>
+          </a:p>
+          <a:p>
+            <a:r>
+              <a:rPr lang="en-US" sz="2000" dirty="0"/>
+              <a:t>The next presentation explores:</a:t>
+            </a:r>
+          </a:p>
+          <a:p>
+            <a:pPr lvl="1"/>
+            <a:r>
+              <a:rPr lang="en-US" sz="1600" dirty="0"/>
+              <a:t>AI Agents</a:t>
+            </a:r>
+          </a:p>
+          <a:p>
+            <a:pPr lvl="1"/>
+            <a:r>
+              <a:rPr lang="en-US" sz="1600" dirty="0"/>
+              <a:t>Use local application to communicate with the LLM</a:t>
+            </a:r>
+          </a:p>
+          <a:p>
+            <a:pPr lvl="1"/>
+            <a:r>
+              <a:rPr lang="en-US" sz="1600" dirty="0"/>
+              <a:t>Uses HTTPS-based API</a:t>
+            </a:r>
+          </a:p>
+          <a:p>
+            <a:pPr lvl="1"/>
+            <a:r>
+              <a:rPr lang="en-US" sz="1600" dirty="0"/>
+              <a:t>Can read from and write to local file system</a:t>
+            </a:r>
+          </a:p>
+          <a:p>
+            <a:r>
+              <a:rPr lang="en-US" sz="2000" dirty="0"/>
+              <a:t>The one after that explores:</a:t>
+            </a:r>
+          </a:p>
+          <a:p>
+            <a:pPr lvl="1"/>
+            <a:r>
+              <a:rPr lang="en-US" sz="1600" dirty="0"/>
+              <a:t>AI Consoles</a:t>
+            </a:r>
+          </a:p>
+          <a:p>
+            <a:pPr lvl="1"/>
+            <a:r>
+              <a:rPr lang="en-US" sz="1600" dirty="0"/>
+              <a:t>Have access to local repositories</a:t>
+            </a:r>
+          </a:p>
+          <a:p>
+            <a:pPr lvl="1"/>
+            <a:r>
+              <a:rPr lang="en-US" sz="1600" dirty="0"/>
+              <a:t>Don’t need to write Agent code</a:t>
+            </a:r>
+          </a:p>
+        </p:txBody>
+      </p:sp>
+    </p:spTree>
+    <p:extLst>
+      <p:ext uri="{BB962C8B-B14F-4D97-AF65-F5344CB8AC3E}">
+        <p14:creationId xmlns:p14="http://schemas.microsoft.com/office/powerpoint/2010/main" val="1430634213"/>
+      </p:ext>
+    </p:extLst>
+  </p:cSld>
+  <p:clrMapOvr>
+    <a:masterClrMapping/>
+  </p:clrMapOvr>
+</p:sld>
+</file>
+
+<file path=ppt/slides/slide11.xml><?xml version="1.0" encoding="utf-8"?>
+<p:sld xmlns:a="http://schemas.openxmlformats.org/drawingml/2006/main" xmlns:r="http://schemas.openxmlformats.org/officeDocument/2006/relationships" xmlns:p="http://schemas.openxmlformats.org/presentationml/2006/main">
+  <p:cSld>
+    <p:spTree>
+      <p:nvGrpSpPr>
+        <p:cNvPr id="1" name=""/>
+        <p:cNvGrpSpPr/>
+        <p:nvPr/>
+      </p:nvGrpSpPr>
+      <p:grpSpPr>
+        <a:xfrm>
+          <a:off x="0" y="0"/>
+          <a:ext cx="0" cy="0"/>
+          <a:chOff x="0" y="0"/>
+          <a:chExt cx="0" cy="0"/>
+        </a:xfrm>
+      </p:grpSpPr>
+      <p:sp>
+        <p:nvSpPr>
+          <p:cNvPr id="4" name="Title 3">
+            <a:extLst>
+              <a:ext uri="{FF2B5EF4-FFF2-40B4-BE49-F238E27FC236}">
+                <a16:creationId xmlns:a16="http://schemas.microsoft.com/office/drawing/2014/main" id="{EF367FDF-BBB1-AC9C-8803-806CC4936B03}"/>
+              </a:ext>
+            </a:extLst>
+          </p:cNvPr>
+          <p:cNvSpPr>
+            <a:spLocks noGrp="1"/>
+          </p:cNvSpPr>
+          <p:nvPr>
+            <p:ph type="ctrTitle"/>
+          </p:nvPr>
+        </p:nvSpPr>
+        <p:spPr/>
+        <p:txBody>
+          <a:bodyPr/>
+          <a:lstStyle/>
+          <a:p>
+            <a:r>
+              <a:rPr lang="en-US" dirty="0"/>
+              <a:t>End of Presentation</a:t>
+            </a:r>
+          </a:p>
+        </p:txBody>
+      </p:sp>
+    </p:spTree>
+    <p:extLst>
+      <p:ext uri="{BB962C8B-B14F-4D97-AF65-F5344CB8AC3E}">
+        <p14:creationId xmlns:p14="http://schemas.microsoft.com/office/powerpoint/2010/main" val="2222860378"/>
       </p:ext>
     </p:extLst>
   </p:cSld>
@@ -3433,7 +5628,7 @@
           <p:cNvPr id="2" name="Title 1">
             <a:extLst>
               <a:ext uri="{FF2B5EF4-FFF2-40B4-BE49-F238E27FC236}">
-                <a16:creationId xmlns:a16="http://schemas.microsoft.com/office/drawing/2014/main" id="{D0F03BD1-07D5-B61A-CA75-EDA1A26D8B49}"/>
+                <a16:creationId xmlns:a16="http://schemas.microsoft.com/office/drawing/2014/main" id="{35DBEF02-B5C8-4AD9-0641-76DF485CDB90}"/>
               </a:ext>
             </a:extLst>
           </p:cNvPr>
@@ -3451,7 +5646,7 @@
           <a:p>
             <a:r>
               <a:rPr lang="en-US" dirty="0"/>
-              <a:t>Prologue</a:t>
+              <a:t>Introduction</a:t>
             </a:r>
           </a:p>
         </p:txBody>
@@ -3461,7 +5656,7 @@
           <p:cNvPr id="3" name="Content Placeholder 2">
             <a:extLst>
               <a:ext uri="{FF2B5EF4-FFF2-40B4-BE49-F238E27FC236}">
-                <a16:creationId xmlns:a16="http://schemas.microsoft.com/office/drawing/2014/main" id="{A0747E0A-0AB5-B654-7A58-44F6518757F9}"/>
+                <a16:creationId xmlns:a16="http://schemas.microsoft.com/office/drawing/2014/main" id="{BDD7448C-32A9-8F43-16EC-32A2212A421D}"/>
               </a:ext>
             </a:extLst>
           </p:cNvPr>
@@ -3475,103 +5670,75 @@
         <p:spPr/>
         <p:txBody>
           <a:bodyPr>
-            <a:normAutofit lnSpcReduction="10000"/>
+            <a:normAutofit/>
           </a:bodyPr>
           <a:lstStyle/>
           <a:p>
             <a:r>
               <a:rPr lang="en-US" dirty="0"/>
-              <a:t>Many AI platforms, e.g., OpenAI, Anthropic, Gemini, … have at least three ways of interacting with an LLM:</a:t>
-            </a:r>
-            <a:br>
-              <a:rPr lang="en-US" dirty="0"/>
-            </a:br>
-            <a:endParaRPr lang="en-US" sz="1200" dirty="0"/>
+              <a:t>AI can help make software development more productive:</a:t>
+            </a:r>
           </a:p>
           <a:p>
             <a:pPr lvl="1"/>
             <a:r>
               <a:rPr lang="en-US" dirty="0"/>
-              <a:t>Web application (topic of this presentation)</a:t>
-            </a:r>
-          </a:p>
-          <a:p>
-            <a:pPr lvl="2"/>
-            <a:r>
-              <a:rPr lang="en-US" dirty="0"/>
-              <a:t>Can’t read from or write to local repositories</a:t>
-            </a:r>
-          </a:p>
-          <a:p>
-            <a:pPr lvl="2"/>
-            <a:r>
-              <a:rPr lang="en-US" dirty="0"/>
-              <a:t>Can’t read code from </a:t>
-            </a:r>
-            <a:r>
-              <a:rPr lang="en-US" dirty="0" err="1"/>
-              <a:t>github</a:t>
-            </a:r>
-            <a:r>
-              <a:rPr lang="en-US" dirty="0"/>
-              <a:t> repository</a:t>
-            </a:r>
-          </a:p>
-          <a:p>
-            <a:pPr lvl="2"/>
-            <a:r>
-              <a:rPr lang="en-US" dirty="0"/>
-              <a:t>Can paste a zip with code at the end of a prompt</a:t>
+              <a:t>Write unit tests for existing libraries</a:t>
             </a:r>
           </a:p>
           <a:p>
             <a:pPr lvl="1"/>
             <a:r>
               <a:rPr lang="en-US" dirty="0"/>
-              <a:t>Agent (topic of 2nd presentation)</a:t>
-            </a:r>
-          </a:p>
-          <a:p>
-            <a:pPr lvl="2"/>
-            <a:r>
-              <a:rPr lang="en-US" dirty="0"/>
-              <a:t>Uses local code application to communicate with LLM</a:t>
-            </a:r>
-          </a:p>
-          <a:p>
-            <a:pPr lvl="2"/>
-            <a:r>
-              <a:rPr lang="en-US" dirty="0"/>
-              <a:t>Can read from and write to local repositories</a:t>
+              <a:t>Create small code analysis tools</a:t>
             </a:r>
           </a:p>
           <a:p>
             <a:pPr lvl="1"/>
             <a:r>
               <a:rPr lang="en-US" dirty="0"/>
-              <a:t>Console (topic of 3</a:t>
-            </a:r>
-            <a:r>
-              <a:rPr lang="en-US" baseline="30000" dirty="0"/>
-              <a:t>rd</a:t>
-            </a:r>
-            <a:r>
-              <a:rPr lang="en-US" dirty="0"/>
-              <a:t> presentation)</a:t>
-            </a:r>
-          </a:p>
-          <a:p>
-            <a:pPr lvl="2"/>
-            <a:r>
-              <a:rPr lang="en-US" dirty="0"/>
-              <a:t>Like agent but you don’t have to write agent code</a:t>
-            </a:r>
-          </a:p>
-          <a:p>
-            <a:pPr lvl="2"/>
-            <a:r>
-              <a:rPr lang="en-US" dirty="0"/>
-              <a:t>You simply use the console</a:t>
+              <a:t>Find and explain bits of code syntax</a:t>
+            </a:r>
+          </a:p>
+          <a:p>
+            <a:pPr lvl="1"/>
+            <a:r>
+              <a:rPr lang="en-US" dirty="0"/>
+              <a:t>List library public interfaces</a:t>
+            </a:r>
+          </a:p>
+          <a:p>
+            <a:pPr lvl="1"/>
+            <a:r>
+              <a:rPr lang="en-US" dirty="0"/>
+              <a:t>Explain how third-party code works</a:t>
+            </a:r>
+          </a:p>
+          <a:p>
+            <a:pPr lvl="1"/>
+            <a:r>
+              <a:rPr lang="en-US" dirty="0"/>
+              <a:t>Help you learn languages and libraries</a:t>
+            </a:r>
+          </a:p>
+          <a:p>
+            <a:pPr lvl="1"/>
+            <a:r>
+              <a:rPr lang="en-US" dirty="0"/>
+              <a:t>More …</a:t>
+            </a:r>
+          </a:p>
+          <a:p>
+            <a:r>
+              <a:rPr lang="en-US" dirty="0"/>
+              <a:t>Each video describes an AI facility, e.g., web app, agent, console</a:t>
+            </a:r>
+          </a:p>
+          <a:p>
+            <a:pPr lvl="1"/>
+            <a:r>
+              <a:rPr lang="en-US" dirty="0"/>
+              <a:t>Provides an example of how that may be used to support dev work.</a:t>
             </a:r>
           </a:p>
         </p:txBody>
@@ -3579,7 +5746,7 @@
     </p:spTree>
     <p:extLst>
       <p:ext uri="{BB962C8B-B14F-4D97-AF65-F5344CB8AC3E}">
-        <p14:creationId xmlns:p14="http://schemas.microsoft.com/office/powerpoint/2010/main" val="225619154"/>
+        <p14:creationId xmlns:p14="http://schemas.microsoft.com/office/powerpoint/2010/main" val="3801262001"/>
       </p:ext>
     </p:extLst>
   </p:cSld>
@@ -3608,10 +5775,10 @@
       </p:grpSpPr>
       <p:sp>
         <p:nvSpPr>
-          <p:cNvPr id="12" name="Title 11">
-            <a:extLst>
-              <a:ext uri="{FF2B5EF4-FFF2-40B4-BE49-F238E27FC236}">
-                <a16:creationId xmlns:a16="http://schemas.microsoft.com/office/drawing/2014/main" id="{DCF30DB9-3FD8-0EB9-4875-0E7A9C4F9F25}"/>
+          <p:cNvPr id="2" name="Title 1">
+            <a:extLst>
+              <a:ext uri="{FF2B5EF4-FFF2-40B4-BE49-F238E27FC236}">
+                <a16:creationId xmlns:a16="http://schemas.microsoft.com/office/drawing/2014/main" id="{D0F03BD1-07D5-B61A-CA75-EDA1A26D8B49}"/>
               </a:ext>
             </a:extLst>
           </p:cNvPr>
@@ -3629,17 +5796,17 @@
           <a:p>
             <a:r>
               <a:rPr lang="en-US" dirty="0"/>
-              <a:t>Introduction</a:t>
-            </a:r>
-          </a:p>
-        </p:txBody>
-      </p:sp>
-      <p:sp>
-        <p:nvSpPr>
-          <p:cNvPr id="13" name="Content Placeholder 12">
-            <a:extLst>
-              <a:ext uri="{FF2B5EF4-FFF2-40B4-BE49-F238E27FC236}">
-                <a16:creationId xmlns:a16="http://schemas.microsoft.com/office/drawing/2014/main" id="{FBB460CD-B0B4-BFB0-A761-DC8EB4338000}"/>
+              <a:t>Background</a:t>
+            </a:r>
+          </a:p>
+        </p:txBody>
+      </p:sp>
+      <p:sp>
+        <p:nvSpPr>
+          <p:cNvPr id="3" name="Content Placeholder 2">
+            <a:extLst>
+              <a:ext uri="{FF2B5EF4-FFF2-40B4-BE49-F238E27FC236}">
+                <a16:creationId xmlns:a16="http://schemas.microsoft.com/office/drawing/2014/main" id="{A0747E0A-0AB5-B654-7A58-44F6518757F9}"/>
               </a:ext>
             </a:extLst>
           </p:cNvPr>
@@ -3652,61 +5819,104 @@
         </p:nvSpPr>
         <p:spPr/>
         <p:txBody>
-          <a:bodyPr/>
-          <a:lstStyle/>
-          <a:p>
-            <a:r>
-              <a:rPr lang="en-US" dirty="0"/>
-              <a:t>Chat Bots are web applications consisting of:</a:t>
-            </a:r>
-          </a:p>
-          <a:p>
-            <a:pPr lvl="1">
-              <a:lnSpc>
-                <a:spcPct val="150000"/>
-              </a:lnSpc>
-            </a:pPr>
-            <a:r>
-              <a:rPr lang="en-US" b="1" dirty="0"/>
-              <a:t>Browser-based interface </a:t>
-            </a:r>
-            <a:r>
-              <a:rPr lang="en-US" dirty="0"/>
-              <a:t>that accepts prompts and displays results</a:t>
-            </a:r>
-          </a:p>
-          <a:p>
-            <a:pPr lvl="1">
-              <a:lnSpc>
-                <a:spcPct val="150000"/>
-              </a:lnSpc>
-            </a:pPr>
-            <a:r>
-              <a:rPr lang="en-US" dirty="0"/>
-              <a:t>A containerized pre-trained </a:t>
-            </a:r>
-            <a:r>
-              <a:rPr lang="en-US" b="1" dirty="0"/>
-              <a:t>Large Language Model (LLM) </a:t>
-            </a:r>
-            <a:r>
-              <a:rPr lang="en-US" dirty="0"/>
-              <a:t>running in a Linux server in a data center</a:t>
-            </a:r>
-          </a:p>
-          <a:p>
-            <a:pPr lvl="1">
-              <a:lnSpc>
-                <a:spcPct val="150000"/>
-              </a:lnSpc>
-            </a:pPr>
-            <a:r>
-              <a:rPr lang="en-US" b="1" dirty="0"/>
-              <a:t>Https-based communication infrastructure </a:t>
-            </a:r>
-            <a:r>
-              <a:rPr lang="en-US" dirty="0"/>
-              <a:t>to ferry prompts to, and results from the LLM</a:t>
+          <a:bodyPr>
+            <a:normAutofit lnSpcReduction="10000"/>
+          </a:bodyPr>
+          <a:lstStyle/>
+          <a:p>
+            <a:r>
+              <a:rPr lang="en-US" dirty="0"/>
+              <a:t>Many AI platforms, e.g., OpenAI, Anthropic, Gemini, … have at least three ways of interacting with a Large Language Model (LLM):</a:t>
+            </a:r>
+            <a:br>
+              <a:rPr lang="en-US" dirty="0"/>
+            </a:br>
+            <a:endParaRPr lang="en-US" sz="1200" dirty="0"/>
+          </a:p>
+          <a:p>
+            <a:pPr lvl="1"/>
+            <a:r>
+              <a:rPr lang="en-US" dirty="0"/>
+              <a:t>Chat Bot web application (topic of this presentation)</a:t>
+            </a:r>
+          </a:p>
+          <a:p>
+            <a:pPr lvl="2"/>
+            <a:r>
+              <a:rPr lang="en-US" dirty="0"/>
+              <a:t>Can’t read from or write to local repositories</a:t>
+            </a:r>
+          </a:p>
+          <a:p>
+            <a:pPr lvl="2"/>
+            <a:r>
+              <a:rPr lang="en-US" dirty="0"/>
+              <a:t>Can’t read code from </a:t>
+            </a:r>
+            <a:r>
+              <a:rPr lang="en-US" dirty="0" err="1"/>
+              <a:t>github</a:t>
+            </a:r>
+            <a:r>
+              <a:rPr lang="en-US" dirty="0"/>
+              <a:t> repository</a:t>
+            </a:r>
+          </a:p>
+          <a:p>
+            <a:pPr lvl="2"/>
+            <a:r>
+              <a:rPr lang="en-US" dirty="0"/>
+              <a:t>Can paste a zip with code at the end of a prompt</a:t>
+            </a:r>
+          </a:p>
+          <a:p>
+            <a:pPr lvl="1"/>
+            <a:r>
+              <a:rPr lang="en-US" dirty="0"/>
+              <a:t>Agent (topic of 2nd presentation)</a:t>
+            </a:r>
+          </a:p>
+          <a:p>
+            <a:pPr lvl="2"/>
+            <a:r>
+              <a:rPr lang="en-US" dirty="0"/>
+              <a:t>Uses local code application to communicate with LLM</a:t>
+            </a:r>
+          </a:p>
+          <a:p>
+            <a:pPr lvl="2"/>
+            <a:r>
+              <a:rPr lang="en-US" dirty="0"/>
+              <a:t>Can read from and write to local repositories</a:t>
+            </a:r>
+          </a:p>
+          <a:p>
+            <a:pPr lvl="1"/>
+            <a:r>
+              <a:rPr lang="en-US" dirty="0"/>
+              <a:t>Console (topic of 3</a:t>
+            </a:r>
+            <a:r>
+              <a:rPr lang="en-US" baseline="30000" dirty="0"/>
+              <a:t>rd</a:t>
+            </a:r>
+            <a:r>
+              <a:rPr lang="en-US" dirty="0"/>
+              <a:t> presentation)</a:t>
+            </a:r>
+          </a:p>
+          <a:p>
+            <a:pPr lvl="2"/>
+            <a:r>
+              <a:rPr lang="en-US" dirty="0"/>
+              <a:t>Like agent but you don’t have to write agent code</a:t>
+            </a:r>
+          </a:p>
+          <a:p>
+            <a:pPr lvl="2"/>
+            <a:r>
+              <a:rPr lang="en-US" dirty="0"/>
+              <a:t>You simply use the console</a:t>
             </a:r>
           </a:p>
         </p:txBody>
@@ -3714,7 +5924,7 @@
     </p:spTree>
     <p:extLst>
       <p:ext uri="{BB962C8B-B14F-4D97-AF65-F5344CB8AC3E}">
-        <p14:creationId xmlns:p14="http://schemas.microsoft.com/office/powerpoint/2010/main" val="3281230096"/>
+        <p14:creationId xmlns:p14="http://schemas.microsoft.com/office/powerpoint/2010/main" val="225619154"/>
       </p:ext>
     </p:extLst>
   </p:cSld>
@@ -3743,6 +5953,141 @@
       </p:grpSpPr>
       <p:sp>
         <p:nvSpPr>
+          <p:cNvPr id="12" name="Title 11">
+            <a:extLst>
+              <a:ext uri="{FF2B5EF4-FFF2-40B4-BE49-F238E27FC236}">
+                <a16:creationId xmlns:a16="http://schemas.microsoft.com/office/drawing/2014/main" id="{DCF30DB9-3FD8-0EB9-4875-0E7A9C4F9F25}"/>
+              </a:ext>
+            </a:extLst>
+          </p:cNvPr>
+          <p:cNvSpPr>
+            <a:spLocks noGrp="1"/>
+          </p:cNvSpPr>
+          <p:nvPr>
+            <p:ph type="title"/>
+          </p:nvPr>
+        </p:nvSpPr>
+        <p:spPr/>
+        <p:txBody>
+          <a:bodyPr/>
+          <a:lstStyle/>
+          <a:p>
+            <a:r>
+              <a:rPr lang="en-US" dirty="0"/>
+              <a:t>Chat Bots</a:t>
+            </a:r>
+          </a:p>
+        </p:txBody>
+      </p:sp>
+      <p:sp>
+        <p:nvSpPr>
+          <p:cNvPr id="13" name="Content Placeholder 12">
+            <a:extLst>
+              <a:ext uri="{FF2B5EF4-FFF2-40B4-BE49-F238E27FC236}">
+                <a16:creationId xmlns:a16="http://schemas.microsoft.com/office/drawing/2014/main" id="{FBB460CD-B0B4-BFB0-A761-DC8EB4338000}"/>
+              </a:ext>
+            </a:extLst>
+          </p:cNvPr>
+          <p:cNvSpPr>
+            <a:spLocks noGrp="1"/>
+          </p:cNvSpPr>
+          <p:nvPr>
+            <p:ph idx="1"/>
+          </p:nvPr>
+        </p:nvSpPr>
+        <p:spPr/>
+        <p:txBody>
+          <a:bodyPr/>
+          <a:lstStyle/>
+          <a:p>
+            <a:r>
+              <a:rPr lang="en-US" dirty="0"/>
+              <a:t>Chat Bots are web applications consisting of:</a:t>
+            </a:r>
+          </a:p>
+          <a:p>
+            <a:pPr lvl="1">
+              <a:lnSpc>
+                <a:spcPct val="150000"/>
+              </a:lnSpc>
+            </a:pPr>
+            <a:r>
+              <a:rPr lang="en-US" b="1" dirty="0"/>
+              <a:t>Browser-based interface </a:t>
+            </a:r>
+            <a:r>
+              <a:rPr lang="en-US" dirty="0"/>
+              <a:t>that accepts prompts and displays results</a:t>
+            </a:r>
+          </a:p>
+          <a:p>
+            <a:pPr lvl="1">
+              <a:lnSpc>
+                <a:spcPct val="150000"/>
+              </a:lnSpc>
+            </a:pPr>
+            <a:r>
+              <a:rPr lang="en-US" dirty="0"/>
+              <a:t>A containerized pre-trained </a:t>
+            </a:r>
+            <a:r>
+              <a:rPr lang="en-US" b="1" dirty="0"/>
+              <a:t>Large Language Model (LLM) </a:t>
+            </a:r>
+            <a:r>
+              <a:rPr lang="en-US" dirty="0"/>
+              <a:t>running in a Linux server in a data center</a:t>
+            </a:r>
+          </a:p>
+          <a:p>
+            <a:pPr lvl="1">
+              <a:lnSpc>
+                <a:spcPct val="150000"/>
+              </a:lnSpc>
+            </a:pPr>
+            <a:r>
+              <a:rPr lang="en-US" b="1" dirty="0"/>
+              <a:t>Https-based communication infrastructure </a:t>
+            </a:r>
+            <a:r>
+              <a:rPr lang="en-US" dirty="0"/>
+              <a:t>to ferry prompts to, and results from the LLM</a:t>
+            </a:r>
+          </a:p>
+        </p:txBody>
+      </p:sp>
+    </p:spTree>
+    <p:extLst>
+      <p:ext uri="{BB962C8B-B14F-4D97-AF65-F5344CB8AC3E}">
+        <p14:creationId xmlns:p14="http://schemas.microsoft.com/office/powerpoint/2010/main" val="3281230096"/>
+      </p:ext>
+    </p:extLst>
+  </p:cSld>
+  <p:clrMapOvr>
+    <a:masterClrMapping/>
+  </p:clrMapOvr>
+</p:sld>
+</file>
+
+<file path=ppt/slides/slide5.xml><?xml version="1.0" encoding="utf-8"?>
+<p:sld xmlns:a="http://schemas.openxmlformats.org/drawingml/2006/main" xmlns:r="http://schemas.openxmlformats.org/officeDocument/2006/relationships" xmlns:p="http://schemas.openxmlformats.org/presentationml/2006/main">
+  <p:cSld>
+    <p:spTree>
+      <p:nvGrpSpPr>
+        <p:cNvPr id="1" name=""/>
+        <p:cNvGrpSpPr/>
+        <p:nvPr/>
+      </p:nvGrpSpPr>
+      <p:grpSpPr>
+        <a:xfrm>
+          <a:off x="0" y="0"/>
+          <a:ext cx="0" cy="0"/>
+          <a:chOff x="0" y="0"/>
+          <a:chExt cx="0" cy="0"/>
+        </a:xfrm>
+      </p:grpSpPr>
+      <p:sp>
+        <p:nvSpPr>
           <p:cNvPr id="5" name="Title 4">
             <a:extLst>
               <a:ext uri="{FF2B5EF4-FFF2-40B4-BE49-F238E27FC236}">
@@ -3784,7 +6129,7 @@
           <p:nvPr/>
         </p:nvPicPr>
         <p:blipFill>
-          <a:blip r:embed="rId2"/>
+          <a:blip r:embed="rId3"/>
           <a:stretch>
             <a:fillRect/>
           </a:stretch>
@@ -3812,122 +6157,6 @@
 </p:sld>
 </file>
 
-<file path=ppt/slides/slide5.xml><?xml version="1.0" encoding="utf-8"?>
-<p:sld xmlns:a="http://schemas.openxmlformats.org/drawingml/2006/main" xmlns:r="http://schemas.openxmlformats.org/officeDocument/2006/relationships" xmlns:p="http://schemas.openxmlformats.org/presentationml/2006/main">
-  <p:cSld>
-    <p:spTree>
-      <p:nvGrpSpPr>
-        <p:cNvPr id="1" name=""/>
-        <p:cNvGrpSpPr/>
-        <p:nvPr/>
-      </p:nvGrpSpPr>
-      <p:grpSpPr>
-        <a:xfrm>
-          <a:off x="0" y="0"/>
-          <a:ext cx="0" cy="0"/>
-          <a:chOff x="0" y="0"/>
-          <a:chExt cx="0" cy="0"/>
-        </a:xfrm>
-      </p:grpSpPr>
-      <p:sp>
-        <p:nvSpPr>
-          <p:cNvPr id="3" name="Title 2">
-            <a:extLst>
-              <a:ext uri="{FF2B5EF4-FFF2-40B4-BE49-F238E27FC236}">
-                <a16:creationId xmlns:a16="http://schemas.microsoft.com/office/drawing/2014/main" id="{FB5EADD6-B4EF-33E4-A00C-56BEBCAAB559}"/>
-              </a:ext>
-            </a:extLst>
-          </p:cNvPr>
-          <p:cNvSpPr>
-            <a:spLocks noGrp="1"/>
-          </p:cNvSpPr>
-          <p:nvPr>
-            <p:ph type="title"/>
-          </p:nvPr>
-        </p:nvSpPr>
-        <p:spPr/>
-        <p:txBody>
-          <a:bodyPr/>
-          <a:lstStyle/>
-          <a:p>
-            <a:r>
-              <a:rPr lang="en-US" dirty="0"/>
-              <a:t>Limitations</a:t>
-            </a:r>
-          </a:p>
-        </p:txBody>
-      </p:sp>
-      <p:sp>
-        <p:nvSpPr>
-          <p:cNvPr id="4" name="Content Placeholder 3">
-            <a:extLst>
-              <a:ext uri="{FF2B5EF4-FFF2-40B4-BE49-F238E27FC236}">
-                <a16:creationId xmlns:a16="http://schemas.microsoft.com/office/drawing/2014/main" id="{F5E1CE9A-8852-52F1-4CBE-3F6B703C1B6B}"/>
-              </a:ext>
-            </a:extLst>
-          </p:cNvPr>
-          <p:cNvSpPr>
-            <a:spLocks noGrp="1"/>
-          </p:cNvSpPr>
-          <p:nvPr>
-            <p:ph idx="1"/>
-          </p:nvPr>
-        </p:nvSpPr>
-        <p:spPr/>
-        <p:txBody>
-          <a:bodyPr/>
-          <a:lstStyle/>
-          <a:p>
-            <a:r>
-              <a:rPr lang="en-US" dirty="0"/>
-              <a:t>AI Chat Bots have limitations:</a:t>
-            </a:r>
-          </a:p>
-          <a:p>
-            <a:pPr lvl="1">
-              <a:lnSpc>
-                <a:spcPct val="150000"/>
-              </a:lnSpc>
-            </a:pPr>
-            <a:r>
-              <a:rPr lang="en-US" dirty="0"/>
-              <a:t>Cannot read from or write to local repositories because they are browser based</a:t>
-            </a:r>
-          </a:p>
-          <a:p>
-            <a:pPr lvl="1">
-              <a:lnSpc>
-                <a:spcPct val="150000"/>
-              </a:lnSpc>
-            </a:pPr>
-            <a:r>
-              <a:rPr lang="en-US" dirty="0"/>
-              <a:t>Cannot read files from </a:t>
-            </a:r>
-            <a:r>
-              <a:rPr lang="en-US" dirty="0" err="1"/>
-              <a:t>github</a:t>
-            </a:r>
-            <a:r>
-              <a:rPr lang="en-US" dirty="0"/>
-              <a:t> repository</a:t>
-            </a:r>
-          </a:p>
-        </p:txBody>
-      </p:sp>
-    </p:spTree>
-    <p:extLst>
-      <p:ext uri="{BB962C8B-B14F-4D97-AF65-F5344CB8AC3E}">
-        <p14:creationId xmlns:p14="http://schemas.microsoft.com/office/powerpoint/2010/main" val="3523713901"/>
-      </p:ext>
-    </p:extLst>
-  </p:cSld>
-  <p:clrMapOvr>
-    <a:masterClrMapping/>
-  </p:clrMapOvr>
-</p:sld>
-</file>
-
 <file path=ppt/slides/slide6.xml><?xml version="1.0" encoding="utf-8"?>
 <p:sld xmlns:a="http://schemas.openxmlformats.org/drawingml/2006/main" xmlns:r="http://schemas.openxmlformats.org/officeDocument/2006/relationships" xmlns:p="http://schemas.openxmlformats.org/presentationml/2006/main">
   <p:cSld>
@@ -3947,10 +6176,10 @@
       </p:grpSpPr>
       <p:sp>
         <p:nvSpPr>
-          <p:cNvPr id="2" name="Title 1">
-            <a:extLst>
-              <a:ext uri="{FF2B5EF4-FFF2-40B4-BE49-F238E27FC236}">
-                <a16:creationId xmlns:a16="http://schemas.microsoft.com/office/drawing/2014/main" id="{FB19108E-08A8-B4E7-E90B-4855B68AF073}"/>
+          <p:cNvPr id="3" name="Title 2">
+            <a:extLst>
+              <a:ext uri="{FF2B5EF4-FFF2-40B4-BE49-F238E27FC236}">
+                <a16:creationId xmlns:a16="http://schemas.microsoft.com/office/drawing/2014/main" id="{FB5EADD6-B4EF-33E4-A00C-56BEBCAAB559}"/>
               </a:ext>
             </a:extLst>
           </p:cNvPr>
@@ -3968,17 +6197,17 @@
           <a:p>
             <a:r>
               <a:rPr lang="en-US" dirty="0"/>
-              <a:t>Work Arounds</a:t>
-            </a:r>
-          </a:p>
-        </p:txBody>
-      </p:sp>
-      <p:sp>
-        <p:nvSpPr>
-          <p:cNvPr id="3" name="Content Placeholder 2">
-            <a:extLst>
-              <a:ext uri="{FF2B5EF4-FFF2-40B4-BE49-F238E27FC236}">
-                <a16:creationId xmlns:a16="http://schemas.microsoft.com/office/drawing/2014/main" id="{FFA63999-3143-5F98-731C-D30B74940E26}"/>
+              <a:t>Limitations</a:t>
+            </a:r>
+          </a:p>
+        </p:txBody>
+      </p:sp>
+      <p:sp>
+        <p:nvSpPr>
+          <p:cNvPr id="4" name="Content Placeholder 3">
+            <a:extLst>
+              <a:ext uri="{FF2B5EF4-FFF2-40B4-BE49-F238E27FC236}">
+                <a16:creationId xmlns:a16="http://schemas.microsoft.com/office/drawing/2014/main" id="{F5E1CE9A-8852-52F1-4CBE-3F6B703C1B6B}"/>
               </a:ext>
             </a:extLst>
           </p:cNvPr>
@@ -3994,14 +6223,9 @@
           <a:bodyPr/>
           <a:lstStyle/>
           <a:p>
-            <a:pPr>
-              <a:lnSpc>
-                <a:spcPct val="150000"/>
-              </a:lnSpc>
-            </a:pPr>
-            <a:r>
-              <a:rPr lang="en-US" dirty="0"/>
-              <a:t>You can paste code text at the end of a prompt</a:t>
+            <a:r>
+              <a:rPr lang="en-US" dirty="0"/>
+              <a:t>AI Chat Bots have web application limitations:</a:t>
             </a:r>
           </a:p>
           <a:p>
@@ -4012,26 +6236,7 @@
             </a:pPr>
             <a:r>
               <a:rPr lang="en-US" dirty="0"/>
-              <a:t>Prompt specifies what to do with the following code</a:t>
-            </a:r>
-          </a:p>
-          <a:p>
-            <a:pPr>
-              <a:lnSpc>
-                <a:spcPct val="150000"/>
-              </a:lnSpc>
-            </a:pPr>
-            <a:r>
-              <a:rPr lang="en-US" dirty="0"/>
-              <a:t>You can create a zip for a local repository or download a </a:t>
-            </a:r>
-            <a:r>
-              <a:rPr lang="en-US" dirty="0" err="1"/>
-              <a:t>github</a:t>
-            </a:r>
-            <a:r>
-              <a:rPr lang="en-US" dirty="0"/>
-              <a:t> zip</a:t>
+              <a:t>Cannot read from or write to local repositories</a:t>
             </a:r>
           </a:p>
           <a:p>
@@ -4042,18 +6247,15 @@
             </a:pPr>
             <a:r>
               <a:rPr lang="en-US" dirty="0"/>
-              <a:t>Paste zip file at the end of a prompt</a:t>
-            </a:r>
-          </a:p>
-          <a:p>
-            <a:pPr>
-              <a:lnSpc>
-                <a:spcPct val="150000"/>
-              </a:lnSpc>
-            </a:pPr>
-            <a:r>
-              <a:rPr lang="en-US" dirty="0"/>
-              <a:t>You can request Chat Bot to download its results to your local download directory</a:t>
+              <a:t>Cannot read files from </a:t>
+            </a:r>
+            <a:r>
+              <a:rPr lang="en-US" dirty="0" err="1"/>
+              <a:t>github</a:t>
+            </a:r>
+            <a:r>
+              <a:rPr lang="en-US" dirty="0"/>
+              <a:t> repository</a:t>
             </a:r>
           </a:p>
         </p:txBody>
@@ -4061,7 +6263,7 @@
     </p:spTree>
     <p:extLst>
       <p:ext uri="{BB962C8B-B14F-4D97-AF65-F5344CB8AC3E}">
-        <p14:creationId xmlns:p14="http://schemas.microsoft.com/office/powerpoint/2010/main" val="2395845213"/>
+        <p14:creationId xmlns:p14="http://schemas.microsoft.com/office/powerpoint/2010/main" val="3523713901"/>
       </p:ext>
     </p:extLst>
   </p:cSld>
@@ -4093,7 +6295,7 @@
           <p:cNvPr id="2" name="Title 1">
             <a:extLst>
               <a:ext uri="{FF2B5EF4-FFF2-40B4-BE49-F238E27FC236}">
-                <a16:creationId xmlns:a16="http://schemas.microsoft.com/office/drawing/2014/main" id="{C67E35A2-72F9-D95E-8D48-701968959766}"/>
+                <a16:creationId xmlns:a16="http://schemas.microsoft.com/office/drawing/2014/main" id="{FB19108E-08A8-B4E7-E90B-4855B68AF073}"/>
               </a:ext>
             </a:extLst>
           </p:cNvPr>
@@ -4111,18 +6313,7 @@
           <a:p>
             <a:r>
               <a:rPr lang="en-US" dirty="0"/>
-              <a:t>Example </a:t>
-            </a:r>
-            <a:br>
-              <a:rPr lang="en-US" dirty="0"/>
-            </a:br>
-            <a:r>
-              <a:rPr lang="en-US" dirty="0"/>
-              <a:t>   </a:t>
-            </a:r>
-            <a:r>
-              <a:rPr lang="en-US" sz="3600" dirty="0"/>
-              <a:t>– Size and Complexity of code functions</a:t>
+              <a:t>Work Arounds</a:t>
             </a:r>
           </a:p>
         </p:txBody>
@@ -4132,7 +6323,7 @@
           <p:cNvPr id="3" name="Content Placeholder 2">
             <a:extLst>
               <a:ext uri="{FF2B5EF4-FFF2-40B4-BE49-F238E27FC236}">
-                <a16:creationId xmlns:a16="http://schemas.microsoft.com/office/drawing/2014/main" id="{2079D98F-52B3-4856-D5B1-0C93DF837A8A}"/>
+                <a16:creationId xmlns:a16="http://schemas.microsoft.com/office/drawing/2014/main" id="{FFA63999-3143-5F98-731C-D30B74940E26}"/>
               </a:ext>
             </a:extLst>
           </p:cNvPr>
@@ -4148,92 +6339,74 @@
           <a:bodyPr/>
           <a:lstStyle/>
           <a:p>
-            <a:r>
-              <a:rPr lang="en-US" dirty="0"/>
-              <a:t>This prompt:</a:t>
-            </a:r>
-          </a:p>
-          <a:p>
-            <a:pPr marL="0" indent="0">
-              <a:buNone/>
+            <a:pPr>
+              <a:lnSpc>
+                <a:spcPct val="150000"/>
+              </a:lnSpc>
             </a:pPr>
             <a:r>
               <a:rPr lang="en-US" dirty="0"/>
-              <a:t>     “Generate a list of function line counts and complexities for all</a:t>
-            </a:r>
-            <a:br>
-              <a:rPr lang="en-US" dirty="0"/>
-            </a:br>
-            <a:r>
-              <a:rPr lang="en-US" dirty="0"/>
-              <a:t>     functions in the zip file pasted at end of this prompt.</a:t>
-            </a:r>
-            <a:br>
-              <a:rPr lang="en-US" dirty="0"/>
-            </a:br>
-            <a:r>
-              <a:rPr lang="en-US" dirty="0"/>
-              <a:t>        </a:t>
-            </a:r>
-            <a:r>
-              <a:rPr lang="en-US" sz="2400" b="1" dirty="0"/>
-              <a:t>Line count</a:t>
-            </a:r>
-            <a:r>
-              <a:rPr lang="en-US" sz="2400" dirty="0"/>
-              <a:t> is total number of lines including code, </a:t>
-            </a:r>
-            <a:r>
-              <a:rPr lang="en-US" sz="2400" dirty="0" err="1"/>
-              <a:t>whitepace</a:t>
-            </a:r>
-            <a:r>
-              <a:rPr lang="en-US" sz="2400" dirty="0"/>
-              <a:t>, comments</a:t>
-            </a:r>
-            <a:br>
-              <a:rPr lang="en-US" dirty="0"/>
-            </a:br>
-            <a:r>
-              <a:rPr lang="en-US" dirty="0"/>
-              <a:t>        </a:t>
-            </a:r>
-            <a:r>
-              <a:rPr lang="en-US" sz="2400" b="1" dirty="0"/>
-              <a:t>Complexity</a:t>
-            </a:r>
-            <a:r>
-              <a:rPr lang="en-US" sz="2400" dirty="0"/>
-              <a:t> is the number of open braces in each function”</a:t>
-            </a:r>
-            <a:br>
-              <a:rPr lang="en-US" sz="2400" dirty="0"/>
-            </a:br>
-            <a:endParaRPr lang="en-US" sz="2400" dirty="0"/>
-          </a:p>
-          <a:p>
-            <a:r>
-              <a:rPr lang="en-US" dirty="0"/>
-              <a:t>Generated a list of all the functions with correct line counts and complexities for a Rust Thread Pool.</a:t>
-            </a:r>
-          </a:p>
-          <a:p>
-            <a:pPr lvl="1"/>
-            <a:r>
-              <a:rPr lang="en-US" dirty="0"/>
-              <a:t>Note: Rust code is easier to parse than C++ and doesn’t have function overloads. </a:t>
-            </a:r>
-          </a:p>
-          <a:p>
-            <a:pPr lvl="1"/>
-            <a:endParaRPr lang="en-US" dirty="0"/>
+              <a:t>You can paste code text at the end of a prompt</a:t>
+            </a:r>
+          </a:p>
+          <a:p>
+            <a:pPr lvl="1">
+              <a:lnSpc>
+                <a:spcPct val="150000"/>
+              </a:lnSpc>
+            </a:pPr>
+            <a:r>
+              <a:rPr lang="en-US" dirty="0"/>
+              <a:t>Prompt specifies what to do with the following code</a:t>
+            </a:r>
+          </a:p>
+          <a:p>
+            <a:pPr>
+              <a:lnSpc>
+                <a:spcPct val="150000"/>
+              </a:lnSpc>
+            </a:pPr>
+            <a:r>
+              <a:rPr lang="en-US" dirty="0"/>
+              <a:t>You can create a zip for a local repository or download a </a:t>
+            </a:r>
+            <a:r>
+              <a:rPr lang="en-US" dirty="0" err="1"/>
+              <a:t>github</a:t>
+            </a:r>
+            <a:r>
+              <a:rPr lang="en-US" dirty="0"/>
+              <a:t> zip</a:t>
+            </a:r>
+          </a:p>
+          <a:p>
+            <a:pPr lvl="1">
+              <a:lnSpc>
+                <a:spcPct val="150000"/>
+              </a:lnSpc>
+            </a:pPr>
+            <a:r>
+              <a:rPr lang="en-US" dirty="0"/>
+              <a:t>Paste zip file at the end of a prompt</a:t>
+            </a:r>
+          </a:p>
+          <a:p>
+            <a:pPr>
+              <a:lnSpc>
+                <a:spcPct val="150000"/>
+              </a:lnSpc>
+            </a:pPr>
+            <a:r>
+              <a:rPr lang="en-US" dirty="0"/>
+              <a:t>You can request Chat Bot to download its results to your local download directory</a:t>
+            </a:r>
           </a:p>
         </p:txBody>
       </p:sp>
     </p:spTree>
     <p:extLst>
       <p:ext uri="{BB962C8B-B14F-4D97-AF65-F5344CB8AC3E}">
-        <p14:creationId xmlns:p14="http://schemas.microsoft.com/office/powerpoint/2010/main" val="1465476183"/>
+        <p14:creationId xmlns:p14="http://schemas.microsoft.com/office/powerpoint/2010/main" val="2395845213"/>
       </p:ext>
     </p:extLst>
   </p:cSld>
@@ -4262,10 +6435,10 @@
       </p:grpSpPr>
       <p:sp>
         <p:nvSpPr>
-          <p:cNvPr id="4" name="Title 3">
-            <a:extLst>
-              <a:ext uri="{FF2B5EF4-FFF2-40B4-BE49-F238E27FC236}">
-                <a16:creationId xmlns:a16="http://schemas.microsoft.com/office/drawing/2014/main" id="{4F3432B8-6D2C-6893-1F21-45B498491CD8}"/>
+          <p:cNvPr id="2" name="Title 1">
+            <a:extLst>
+              <a:ext uri="{FF2B5EF4-FFF2-40B4-BE49-F238E27FC236}">
+                <a16:creationId xmlns:a16="http://schemas.microsoft.com/office/drawing/2014/main" id="{C67E35A2-72F9-D95E-8D48-701968959766}"/>
               </a:ext>
             </a:extLst>
           </p:cNvPr>
@@ -4276,91 +6449,128 @@
             <p:ph type="title"/>
           </p:nvPr>
         </p:nvSpPr>
-        <p:spPr>
-          <a:xfrm>
-            <a:off x="838200" y="365125"/>
-            <a:ext cx="10515600" cy="1169761"/>
-          </a:xfrm>
-        </p:spPr>
-        <p:txBody>
-          <a:bodyPr/>
-          <a:lstStyle/>
-          <a:p>
-            <a:r>
-              <a:rPr lang="en-US" dirty="0"/>
-              <a:t>Partial Code and Analysis Results</a:t>
-            </a:r>
-          </a:p>
-        </p:txBody>
-      </p:sp>
-      <p:pic>
-        <p:nvPicPr>
-          <p:cNvPr id="10" name="Content Placeholder 9">
-            <a:extLst>
-              <a:ext uri="{FF2B5EF4-FFF2-40B4-BE49-F238E27FC236}">
-                <a16:creationId xmlns:a16="http://schemas.microsoft.com/office/drawing/2014/main" id="{4F1305DF-901A-F8D0-76F2-7E107BBA9563}"/>
-              </a:ext>
-            </a:extLst>
-          </p:cNvPr>
-          <p:cNvPicPr>
-            <a:picLocks noGrp="1" noChangeAspect="1"/>
-          </p:cNvPicPr>
-          <p:nvPr>
-            <p:ph sz="half" idx="1"/>
-          </p:nvPr>
-        </p:nvPicPr>
-        <p:blipFill>
-          <a:blip r:embed="rId2"/>
-          <a:stretch>
-            <a:fillRect/>
-          </a:stretch>
-        </p:blipFill>
-        <p:spPr>
-          <a:xfrm>
-            <a:off x="1011831" y="1825625"/>
-            <a:ext cx="4834337" cy="4351338"/>
-          </a:xfrm>
-          <a:prstGeom prst="rect">
-            <a:avLst/>
-          </a:prstGeom>
-        </p:spPr>
-      </p:pic>
-      <p:pic>
-        <p:nvPicPr>
-          <p:cNvPr id="12" name="Content Placeholder 11">
-            <a:extLst>
-              <a:ext uri="{FF2B5EF4-FFF2-40B4-BE49-F238E27FC236}">
-                <a16:creationId xmlns:a16="http://schemas.microsoft.com/office/drawing/2014/main" id="{5A249160-A9BE-981D-E5D3-D91B667EC609}"/>
-              </a:ext>
-            </a:extLst>
-          </p:cNvPr>
-          <p:cNvPicPr>
-            <a:picLocks noGrp="1" noChangeAspect="1"/>
-          </p:cNvPicPr>
-          <p:nvPr>
-            <p:ph sz="half" idx="2"/>
-          </p:nvPr>
-        </p:nvPicPr>
-        <p:blipFill>
-          <a:blip r:embed="rId3"/>
-          <a:stretch>
-            <a:fillRect/>
-          </a:stretch>
-        </p:blipFill>
-        <p:spPr>
-          <a:xfrm>
-            <a:off x="6096000" y="1825625"/>
-            <a:ext cx="5181600" cy="1544260"/>
-          </a:xfrm>
-          <a:prstGeom prst="rect">
-            <a:avLst/>
-          </a:prstGeom>
-        </p:spPr>
-      </p:pic>
+        <p:spPr/>
+        <p:txBody>
+          <a:bodyPr/>
+          <a:lstStyle/>
+          <a:p>
+            <a:r>
+              <a:rPr lang="en-US" dirty="0"/>
+              <a:t>Example </a:t>
+            </a:r>
+            <a:br>
+              <a:rPr lang="en-US" dirty="0"/>
+            </a:br>
+            <a:r>
+              <a:rPr lang="en-US" dirty="0"/>
+              <a:t>   </a:t>
+            </a:r>
+            <a:r>
+              <a:rPr lang="en-US" sz="3600" dirty="0"/>
+              <a:t>– Size and Complexity of code functions</a:t>
+            </a:r>
+          </a:p>
+        </p:txBody>
+      </p:sp>
+      <p:sp>
+        <p:nvSpPr>
+          <p:cNvPr id="3" name="Content Placeholder 2">
+            <a:extLst>
+              <a:ext uri="{FF2B5EF4-FFF2-40B4-BE49-F238E27FC236}">
+                <a16:creationId xmlns:a16="http://schemas.microsoft.com/office/drawing/2014/main" id="{2079D98F-52B3-4856-D5B1-0C93DF837A8A}"/>
+              </a:ext>
+            </a:extLst>
+          </p:cNvPr>
+          <p:cNvSpPr>
+            <a:spLocks noGrp="1"/>
+          </p:cNvSpPr>
+          <p:nvPr>
+            <p:ph idx="1"/>
+          </p:nvPr>
+        </p:nvSpPr>
+        <p:spPr/>
+        <p:txBody>
+          <a:bodyPr/>
+          <a:lstStyle/>
+          <a:p>
+            <a:r>
+              <a:rPr lang="en-US" dirty="0"/>
+              <a:t>This prompt:</a:t>
+            </a:r>
+          </a:p>
+          <a:p>
+            <a:pPr marL="0" indent="0">
+              <a:buNone/>
+            </a:pPr>
+            <a:r>
+              <a:rPr lang="en-US" dirty="0"/>
+              <a:t>     “Generate a list of function line counts and complexities for all</a:t>
+            </a:r>
+            <a:br>
+              <a:rPr lang="en-US" dirty="0"/>
+            </a:br>
+            <a:r>
+              <a:rPr lang="en-US" dirty="0"/>
+              <a:t>     functions in the zip file pasted at end of this prompt.</a:t>
+            </a:r>
+            <a:br>
+              <a:rPr lang="en-US" dirty="0"/>
+            </a:br>
+            <a:r>
+              <a:rPr lang="en-US" dirty="0"/>
+              <a:t>        </a:t>
+            </a:r>
+            <a:r>
+              <a:rPr lang="en-US" sz="2400" b="1" dirty="0"/>
+              <a:t>Line count</a:t>
+            </a:r>
+            <a:r>
+              <a:rPr lang="en-US" sz="2400" dirty="0"/>
+              <a:t> is total number of lines including code, whitespace, comments</a:t>
+            </a:r>
+            <a:br>
+              <a:rPr lang="en-US" dirty="0"/>
+            </a:br>
+            <a:r>
+              <a:rPr lang="en-US" dirty="0"/>
+              <a:t>        </a:t>
+            </a:r>
+            <a:r>
+              <a:rPr lang="en-US" sz="2400" b="1" dirty="0"/>
+              <a:t>Complexity</a:t>
+            </a:r>
+            <a:r>
+              <a:rPr lang="en-US" sz="2400" dirty="0"/>
+              <a:t> is the number of open braces in each function”</a:t>
+            </a:r>
+            <a:br>
+              <a:rPr lang="en-US" sz="2400" dirty="0"/>
+            </a:br>
+            <a:endParaRPr lang="en-US" sz="2400" dirty="0"/>
+          </a:p>
+          <a:p>
+            <a:r>
+              <a:rPr lang="en-US" dirty="0"/>
+              <a:t>AI Generated a list of all the functions with correct line counts and complexities for a Rust Thread Pool.</a:t>
+            </a:r>
+          </a:p>
+          <a:p>
+            <a:pPr lvl="1"/>
+            <a:r>
+              <a:rPr lang="en-US" dirty="0"/>
+              <a:t>Note: Rust code is easier to parse than C++ and doesn’t have function overloads. </a:t>
+            </a:r>
+          </a:p>
+          <a:p>
+            <a:pPr lvl="1"/>
+            <a:endParaRPr lang="en-US" dirty="0"/>
+          </a:p>
+        </p:txBody>
+      </p:sp>
     </p:spTree>
     <p:extLst>
       <p:ext uri="{BB962C8B-B14F-4D97-AF65-F5344CB8AC3E}">
-        <p14:creationId xmlns:p14="http://schemas.microsoft.com/office/powerpoint/2010/main" val="3519992507"/>
+        <p14:creationId xmlns:p14="http://schemas.microsoft.com/office/powerpoint/2010/main" val="1465476183"/>
       </p:ext>
     </p:extLst>
   </p:cSld>
@@ -4389,10 +6599,10 @@
       </p:grpSpPr>
       <p:sp>
         <p:nvSpPr>
-          <p:cNvPr id="2" name="Title 1">
-            <a:extLst>
-              <a:ext uri="{FF2B5EF4-FFF2-40B4-BE49-F238E27FC236}">
-                <a16:creationId xmlns:a16="http://schemas.microsoft.com/office/drawing/2014/main" id="{8A85B24E-E878-0B21-8712-7D1402BCBC45}"/>
+          <p:cNvPr id="4" name="Title 3">
+            <a:extLst>
+              <a:ext uri="{FF2B5EF4-FFF2-40B4-BE49-F238E27FC236}">
+                <a16:creationId xmlns:a16="http://schemas.microsoft.com/office/drawing/2014/main" id="{4F3432B8-6D2C-6893-1F21-45B498491CD8}"/>
               </a:ext>
             </a:extLst>
           </p:cNvPr>
@@ -4403,125 +6613,91 @@
             <p:ph type="title"/>
           </p:nvPr>
         </p:nvSpPr>
-        <p:spPr/>
-        <p:txBody>
-          <a:bodyPr/>
-          <a:lstStyle/>
-          <a:p>
-            <a:r>
-              <a:rPr lang="en-US" dirty="0"/>
-              <a:t>Conclusion</a:t>
-            </a:r>
-          </a:p>
-        </p:txBody>
-      </p:sp>
-      <p:sp>
-        <p:nvSpPr>
-          <p:cNvPr id="3" name="Content Placeholder 2">
-            <a:extLst>
-              <a:ext uri="{FF2B5EF4-FFF2-40B4-BE49-F238E27FC236}">
-                <a16:creationId xmlns:a16="http://schemas.microsoft.com/office/drawing/2014/main" id="{B1384049-8907-0308-4717-8169ADBCA512}"/>
-              </a:ext>
-            </a:extLst>
-          </p:cNvPr>
-          <p:cNvSpPr>
-            <a:spLocks noGrp="1"/>
-          </p:cNvSpPr>
-          <p:nvPr>
-            <p:ph idx="1"/>
-          </p:nvPr>
-        </p:nvSpPr>
-        <p:spPr/>
-        <p:txBody>
-          <a:bodyPr/>
-          <a:lstStyle/>
-          <a:p>
-            <a:r>
-              <a:rPr lang="en-US" dirty="0"/>
-              <a:t>You can find all the details here:</a:t>
-            </a:r>
-            <a:br>
-              <a:rPr lang="en-US" dirty="0"/>
-            </a:br>
-            <a:r>
-              <a:rPr lang="en-US" dirty="0"/>
-              <a:t>    </a:t>
-            </a:r>
-            <a:r>
-              <a:rPr lang="en-US" sz="2000" dirty="0">
-                <a:hlinkClick r:id="rId2"/>
-              </a:rPr>
-              <a:t>https://jimfawcett.github.io/NewSite/Code/CodeBites_ChatBotAI.html</a:t>
-            </a:r>
-            <a:endParaRPr lang="en-US" sz="2000" dirty="0"/>
-          </a:p>
-          <a:p>
-            <a:r>
-              <a:rPr lang="en-US" sz="2000" dirty="0"/>
-              <a:t>The next presentation explores:</a:t>
-            </a:r>
-          </a:p>
-          <a:p>
-            <a:pPr lvl="1"/>
-            <a:r>
-              <a:rPr lang="en-US" sz="1600" dirty="0"/>
-              <a:t>AI Agents</a:t>
-            </a:r>
-          </a:p>
-          <a:p>
-            <a:pPr lvl="1"/>
-            <a:r>
-              <a:rPr lang="en-US" sz="1600" dirty="0"/>
-              <a:t>Use local application to communicate with the LLM</a:t>
-            </a:r>
-          </a:p>
-          <a:p>
-            <a:pPr lvl="1"/>
-            <a:r>
-              <a:rPr lang="en-US" sz="1600" dirty="0"/>
-              <a:t>Uses HTTPS-based API</a:t>
-            </a:r>
-          </a:p>
-          <a:p>
-            <a:pPr lvl="1"/>
-            <a:r>
-              <a:rPr lang="en-US" sz="1600" dirty="0"/>
-              <a:t>Can read from and write to local file system</a:t>
-            </a:r>
-          </a:p>
-          <a:p>
-            <a:r>
-              <a:rPr lang="en-US" sz="2000" dirty="0"/>
-              <a:t>The one after that explores:</a:t>
-            </a:r>
-          </a:p>
-          <a:p>
-            <a:pPr lvl="1"/>
-            <a:r>
-              <a:rPr lang="en-US" sz="1600" dirty="0"/>
-              <a:t>AI Consoles</a:t>
-            </a:r>
-          </a:p>
-          <a:p>
-            <a:pPr lvl="1"/>
-            <a:r>
-              <a:rPr lang="en-US" sz="1600" dirty="0"/>
-              <a:t>Have access to local repositories</a:t>
-            </a:r>
-          </a:p>
-          <a:p>
-            <a:pPr lvl="1"/>
-            <a:r>
-              <a:rPr lang="en-US" sz="1600" dirty="0"/>
-              <a:t>Don’t need to write Agent code</a:t>
-            </a:r>
-          </a:p>
-        </p:txBody>
-      </p:sp>
+        <p:spPr>
+          <a:xfrm>
+            <a:off x="838200" y="365125"/>
+            <a:ext cx="10515600" cy="1169761"/>
+          </a:xfrm>
+        </p:spPr>
+        <p:txBody>
+          <a:bodyPr/>
+          <a:lstStyle/>
+          <a:p>
+            <a:r>
+              <a:rPr lang="en-US" dirty="0"/>
+              <a:t>Partial Code and Analysis Results</a:t>
+            </a:r>
+          </a:p>
+        </p:txBody>
+      </p:sp>
+      <p:pic>
+        <p:nvPicPr>
+          <p:cNvPr id="10" name="Content Placeholder 9">
+            <a:extLst>
+              <a:ext uri="{FF2B5EF4-FFF2-40B4-BE49-F238E27FC236}">
+                <a16:creationId xmlns:a16="http://schemas.microsoft.com/office/drawing/2014/main" id="{4F1305DF-901A-F8D0-76F2-7E107BBA9563}"/>
+              </a:ext>
+            </a:extLst>
+          </p:cNvPr>
+          <p:cNvPicPr>
+            <a:picLocks noGrp="1" noChangeAspect="1"/>
+          </p:cNvPicPr>
+          <p:nvPr>
+            <p:ph sz="half" idx="1"/>
+          </p:nvPr>
+        </p:nvPicPr>
+        <p:blipFill>
+          <a:blip r:embed="rId3"/>
+          <a:stretch>
+            <a:fillRect/>
+          </a:stretch>
+        </p:blipFill>
+        <p:spPr>
+          <a:xfrm>
+            <a:off x="1011831" y="1825625"/>
+            <a:ext cx="4834337" cy="4351338"/>
+          </a:xfrm>
+          <a:prstGeom prst="rect">
+            <a:avLst/>
+          </a:prstGeom>
+        </p:spPr>
+      </p:pic>
+      <p:pic>
+        <p:nvPicPr>
+          <p:cNvPr id="12" name="Content Placeholder 11">
+            <a:extLst>
+              <a:ext uri="{FF2B5EF4-FFF2-40B4-BE49-F238E27FC236}">
+                <a16:creationId xmlns:a16="http://schemas.microsoft.com/office/drawing/2014/main" id="{5A249160-A9BE-981D-E5D3-D91B667EC609}"/>
+              </a:ext>
+            </a:extLst>
+          </p:cNvPr>
+          <p:cNvPicPr>
+            <a:picLocks noGrp="1" noChangeAspect="1"/>
+          </p:cNvPicPr>
+          <p:nvPr>
+            <p:ph sz="half" idx="2"/>
+          </p:nvPr>
+        </p:nvPicPr>
+        <p:blipFill>
+          <a:blip r:embed="rId4"/>
+          <a:stretch>
+            <a:fillRect/>
+          </a:stretch>
+        </p:blipFill>
+        <p:spPr>
+          <a:xfrm>
+            <a:off x="6096000" y="1825625"/>
+            <a:ext cx="5181600" cy="1544260"/>
+          </a:xfrm>
+          <a:prstGeom prst="rect">
+            <a:avLst/>
+          </a:prstGeom>
+        </p:spPr>
+      </p:pic>
     </p:spTree>
     <p:extLst>
       <p:ext uri="{BB962C8B-B14F-4D97-AF65-F5344CB8AC3E}">
-        <p14:creationId xmlns:p14="http://schemas.microsoft.com/office/powerpoint/2010/main" val="1430634213"/>
+        <p14:creationId xmlns:p14="http://schemas.microsoft.com/office/powerpoint/2010/main" val="3519992507"/>
       </p:ext>
     </p:extLst>
   </p:cSld>
@@ -4844,4 +7020,319 @@
     </a:ext>
   </a:extLst>
 </a:theme>
+</file>
+
+<file path=ppt/theme/theme2.xml><?xml version="1.0" encoding="utf-8"?>
+<a:theme xmlns:a="http://schemas.openxmlformats.org/drawingml/2006/main" name="Office Theme">
+  <a:themeElements>
+    <a:clrScheme name="Office">
+      <a:dk1>
+        <a:sysClr val="windowText" lastClr="000000"/>
+      </a:dk1>
+      <a:lt1>
+        <a:sysClr val="window" lastClr="FFFFFF"/>
+      </a:lt1>
+      <a:dk2>
+        <a:srgbClr val="0E2841"/>
+      </a:dk2>
+      <a:lt2>
+        <a:srgbClr val="E8E8E8"/>
+      </a:lt2>
+      <a:accent1>
+        <a:srgbClr val="156082"/>
+      </a:accent1>
+      <a:accent2>
+        <a:srgbClr val="E97132"/>
+      </a:accent2>
+      <a:accent3>
+        <a:srgbClr val="196B24"/>
+      </a:accent3>
+      <a:accent4>
+        <a:srgbClr val="0F9ED5"/>
+      </a:accent4>
+      <a:accent5>
+        <a:srgbClr val="A02B93"/>
+      </a:accent5>
+      <a:accent6>
+        <a:srgbClr val="4EA72E"/>
+      </a:accent6>
+      <a:hlink>
+        <a:srgbClr val="467886"/>
+      </a:hlink>
+      <a:folHlink>
+        <a:srgbClr val="96607D"/>
+      </a:folHlink>
+    </a:clrScheme>
+    <a:fontScheme name="Office">
+      <a:majorFont>
+        <a:latin typeface="Aptos Display" panose="02110004020202020204"/>
+        <a:ea typeface=""/>
+        <a:cs typeface=""/>
+        <a:font script="Jpan" typeface="游ゴシック Light"/>
+        <a:font script="Hang" typeface="맑은 고딕"/>
+        <a:font script="Hans" typeface="等线 Light"/>
+        <a:font script="Hant" typeface="新細明體"/>
+        <a:font script="Arab" typeface="Times New Roman"/>
+        <a:font script="Hebr" typeface="Times New Roman"/>
+        <a:font script="Thai" typeface="Angsana New"/>
+        <a:font script="Ethi" typeface="Nyala"/>
+        <a:font script="Beng" typeface="Vrinda"/>
+        <a:font script="Gujr" typeface="Shruti"/>
+        <a:font script="Khmr" typeface="MoolBoran"/>
+        <a:font script="Knda" typeface="Tunga"/>
+        <a:font script="Guru" typeface="Raavi"/>
+        <a:font script="Cans" typeface="Euphemia"/>
+        <a:font script="Cher" typeface="Plantagenet Cherokee"/>
+        <a:font script="Yiii" typeface="Microsoft Yi Baiti"/>
+        <a:font script="Tibt" typeface="Microsoft Himalaya"/>
+        <a:font script="Thaa" typeface="MV Boli"/>
+        <a:font script="Deva" typeface="Mangal"/>
+        <a:font script="Telu" typeface="Gautami"/>
+        <a:font script="Taml" typeface="Latha"/>
+        <a:font script="Syrc" typeface="Estrangelo Edessa"/>
+        <a:font script="Orya" typeface="Kalinga"/>
+        <a:font script="Mlym" typeface="Kartika"/>
+        <a:font script="Laoo" typeface="DokChampa"/>
+        <a:font script="Sinh" typeface="Iskoola Pota"/>
+        <a:font script="Mong" typeface="Mongolian Baiti"/>
+        <a:font script="Viet" typeface="Times New Roman"/>
+        <a:font script="Uigh" typeface="Microsoft Uighur"/>
+        <a:font script="Geor" typeface="Sylfaen"/>
+        <a:font script="Armn" typeface="Arial"/>
+        <a:font script="Bugi" typeface="Leelawadee UI"/>
+        <a:font script="Bopo" typeface="Microsoft JhengHei"/>
+        <a:font script="Java" typeface="Javanese Text"/>
+        <a:font script="Lisu" typeface="Segoe UI"/>
+        <a:font script="Mymr" typeface="Myanmar Text"/>
+        <a:font script="Nkoo" typeface="Ebrima"/>
+        <a:font script="Olck" typeface="Nirmala UI"/>
+        <a:font script="Osma" typeface="Ebrima"/>
+        <a:font script="Phag" typeface="Phagspa"/>
+        <a:font script="Syrn" typeface="Estrangelo Edessa"/>
+        <a:font script="Syrj" typeface="Estrangelo Edessa"/>
+        <a:font script="Syre" typeface="Estrangelo Edessa"/>
+        <a:font script="Sora" typeface="Nirmala UI"/>
+        <a:font script="Tale" typeface="Microsoft Tai Le"/>
+        <a:font script="Talu" typeface="Microsoft New Tai Lue"/>
+        <a:font script="Tfng" typeface="Ebrima"/>
+      </a:majorFont>
+      <a:minorFont>
+        <a:latin typeface="Aptos" panose="02110004020202020204"/>
+        <a:ea typeface=""/>
+        <a:cs typeface=""/>
+        <a:font script="Jpan" typeface="游ゴシック"/>
+        <a:font script="Hang" typeface="맑은 고딕"/>
+        <a:font script="Hans" typeface="等线"/>
+        <a:font script="Hant" typeface="新細明體"/>
+        <a:font script="Arab" typeface="Arial"/>
+        <a:font script="Hebr" typeface="Arial"/>
+        <a:font script="Thai" typeface="Cordia New"/>
+        <a:font script="Ethi" typeface="Nyala"/>
+        <a:font script="Beng" typeface="Vrinda"/>
+        <a:font script="Gujr" typeface="Shruti"/>
+        <a:font script="Khmr" typeface="DaunPenh"/>
+        <a:font script="Knda" typeface="Tunga"/>
+        <a:font script="Guru" typeface="Raavi"/>
+        <a:font script="Cans" typeface="Euphemia"/>
+        <a:font script="Cher" typeface="Plantagenet Cherokee"/>
+        <a:font script="Yiii" typeface="Microsoft Yi Baiti"/>
+        <a:font script="Tibt" typeface="Microsoft Himalaya"/>
+        <a:font script="Thaa" typeface="MV Boli"/>
+        <a:font script="Deva" typeface="Mangal"/>
+        <a:font script="Telu" typeface="Gautami"/>
+        <a:font script="Taml" typeface="Latha"/>
+        <a:font script="Syrc" typeface="Estrangelo Edessa"/>
+        <a:font script="Orya" typeface="Kalinga"/>
+        <a:font script="Mlym" typeface="Kartika"/>
+        <a:font script="Laoo" typeface="DokChampa"/>
+        <a:font script="Sinh" typeface="Iskoola Pota"/>
+        <a:font script="Mong" typeface="Mongolian Baiti"/>
+        <a:font script="Viet" typeface="Arial"/>
+        <a:font script="Uigh" typeface="Microsoft Uighur"/>
+        <a:font script="Geor" typeface="Sylfaen"/>
+        <a:font script="Armn" typeface="Arial"/>
+        <a:font script="Bugi" typeface="Leelawadee UI"/>
+        <a:font script="Bopo" typeface="Microsoft JhengHei"/>
+        <a:font script="Java" typeface="Javanese Text"/>
+        <a:font script="Lisu" typeface="Segoe UI"/>
+        <a:font script="Mymr" typeface="Myanmar Text"/>
+        <a:font script="Nkoo" typeface="Ebrima"/>
+        <a:font script="Olck" typeface="Nirmala UI"/>
+        <a:font script="Osma" typeface="Ebrima"/>
+        <a:font script="Phag" typeface="Phagspa"/>
+        <a:font script="Syrn" typeface="Estrangelo Edessa"/>
+        <a:font script="Syrj" typeface="Estrangelo Edessa"/>
+        <a:font script="Syre" typeface="Estrangelo Edessa"/>
+        <a:font script="Sora" typeface="Nirmala UI"/>
+        <a:font script="Tale" typeface="Microsoft Tai Le"/>
+        <a:font script="Talu" typeface="Microsoft New Tai Lue"/>
+        <a:font script="Tfng" typeface="Ebrima"/>
+      </a:minorFont>
+    </a:fontScheme>
+    <a:fmtScheme name="Office">
+      <a:fillStyleLst>
+        <a:solidFill>
+          <a:schemeClr val="phClr"/>
+        </a:solidFill>
+        <a:gradFill rotWithShape="1">
+          <a:gsLst>
+            <a:gs pos="0">
+              <a:schemeClr val="phClr">
+                <a:lumMod val="110000"/>
+                <a:satMod val="105000"/>
+                <a:tint val="67000"/>
+              </a:schemeClr>
+            </a:gs>
+            <a:gs pos="50000">
+              <a:schemeClr val="phClr">
+                <a:lumMod val="105000"/>
+                <a:satMod val="103000"/>
+                <a:tint val="73000"/>
+              </a:schemeClr>
+            </a:gs>
+            <a:gs pos="100000">
+              <a:schemeClr val="phClr">
+                <a:lumMod val="105000"/>
+                <a:satMod val="109000"/>
+                <a:tint val="81000"/>
+              </a:schemeClr>
+            </a:gs>
+          </a:gsLst>
+          <a:lin ang="5400000" scaled="0"/>
+        </a:gradFill>
+        <a:gradFill rotWithShape="1">
+          <a:gsLst>
+            <a:gs pos="0">
+              <a:schemeClr val="phClr">
+                <a:satMod val="103000"/>
+                <a:lumMod val="102000"/>
+                <a:tint val="94000"/>
+              </a:schemeClr>
+            </a:gs>
+            <a:gs pos="50000">
+              <a:schemeClr val="phClr">
+                <a:satMod val="110000"/>
+                <a:lumMod val="100000"/>
+                <a:shade val="100000"/>
+              </a:schemeClr>
+            </a:gs>
+            <a:gs pos="100000">
+              <a:schemeClr val="phClr">
+                <a:lumMod val="99000"/>
+                <a:satMod val="120000"/>
+                <a:shade val="78000"/>
+              </a:schemeClr>
+            </a:gs>
+          </a:gsLst>
+          <a:lin ang="5400000" scaled="0"/>
+        </a:gradFill>
+      </a:fillStyleLst>
+      <a:lnStyleLst>
+        <a:ln w="12700" cap="flat" cmpd="sng" algn="ctr">
+          <a:solidFill>
+            <a:schemeClr val="phClr"/>
+          </a:solidFill>
+          <a:prstDash val="solid"/>
+          <a:miter lim="800000"/>
+        </a:ln>
+        <a:ln w="19050" cap="flat" cmpd="sng" algn="ctr">
+          <a:solidFill>
+            <a:schemeClr val="phClr"/>
+          </a:solidFill>
+          <a:prstDash val="solid"/>
+          <a:miter lim="800000"/>
+        </a:ln>
+        <a:ln w="25400" cap="flat" cmpd="sng" algn="ctr">
+          <a:solidFill>
+            <a:schemeClr val="phClr"/>
+          </a:solidFill>
+          <a:prstDash val="solid"/>
+          <a:miter lim="800000"/>
+        </a:ln>
+      </a:lnStyleLst>
+      <a:effectStyleLst>
+        <a:effectStyle>
+          <a:effectLst/>
+        </a:effectStyle>
+        <a:effectStyle>
+          <a:effectLst/>
+        </a:effectStyle>
+        <a:effectStyle>
+          <a:effectLst>
+            <a:outerShdw blurRad="57150" dist="19050" dir="5400000" algn="ctr" rotWithShape="0">
+              <a:srgbClr val="000000">
+                <a:alpha val="63000"/>
+              </a:srgbClr>
+            </a:outerShdw>
+          </a:effectLst>
+        </a:effectStyle>
+      </a:effectStyleLst>
+      <a:bgFillStyleLst>
+        <a:solidFill>
+          <a:schemeClr val="phClr"/>
+        </a:solidFill>
+        <a:solidFill>
+          <a:schemeClr val="phClr">
+            <a:tint val="95000"/>
+            <a:satMod val="170000"/>
+          </a:schemeClr>
+        </a:solidFill>
+        <a:gradFill rotWithShape="1">
+          <a:gsLst>
+            <a:gs pos="0">
+              <a:schemeClr val="phClr">
+                <a:tint val="93000"/>
+                <a:satMod val="150000"/>
+                <a:shade val="98000"/>
+                <a:lumMod val="102000"/>
+              </a:schemeClr>
+            </a:gs>
+            <a:gs pos="50000">
+              <a:schemeClr val="phClr">
+                <a:tint val="98000"/>
+                <a:satMod val="130000"/>
+                <a:shade val="90000"/>
+                <a:lumMod val="103000"/>
+              </a:schemeClr>
+            </a:gs>
+            <a:gs pos="100000">
+              <a:schemeClr val="phClr">
+                <a:shade val="63000"/>
+                <a:satMod val="120000"/>
+              </a:schemeClr>
+            </a:gs>
+          </a:gsLst>
+          <a:lin ang="5400000" scaled="0"/>
+        </a:gradFill>
+      </a:bgFillStyleLst>
+    </a:fmtScheme>
+  </a:themeElements>
+  <a:objectDefaults>
+    <a:lnDef>
+      <a:spPr/>
+      <a:bodyPr/>
+      <a:lstStyle/>
+      <a:style>
+        <a:lnRef idx="2">
+          <a:schemeClr val="accent1"/>
+        </a:lnRef>
+        <a:fillRef idx="0">
+          <a:schemeClr val="accent1"/>
+        </a:fillRef>
+        <a:effectRef idx="1">
+          <a:schemeClr val="accent1"/>
+        </a:effectRef>
+        <a:fontRef idx="minor">
+          <a:schemeClr val="tx1"/>
+        </a:fontRef>
+      </a:style>
+    </a:lnDef>
+  </a:objectDefaults>
+  <a:extraClrSchemeLst/>
+  <a:extLst>
+    <a:ext uri="{05A4C25C-085E-4340-85A3-A5531E510DB2}">
+      <thm15:themeFamily xmlns:thm15="http://schemas.microsoft.com/office/thememl/2012/main" name="Office Theme" id="{2E142A2C-CD16-42D6-873A-C26D2A0506FA}" vid="{1BDDFF52-6CD6-40A5-AB3C-68EB2F1E4D0A}"/>
+    </a:ext>
+  </a:extLst>
+</a:theme>
 </file>
--- a/documents/AI Chat Bots.pptx
+++ b/documents/AI Chat Bots.pptx
@@ -121,6 +121,9 @@
     <p:ext uri="{EFAFB233-063F-42B5-8137-9DF3F51BA10A}">
       <p15:sldGuideLst xmlns:p15="http://schemas.microsoft.com/office/powerpoint/2012/main"/>
     </p:ext>
+    <p:ext uri="{2D200454-40CA-4A62-9FC3-DE9A4176ACB9}">
+      <p15:notesGuideLst xmlns:p15="http://schemas.microsoft.com/office/powerpoint/2012/main"/>
+    </p:ext>
   </p:extLst>
 </p:presentation>
 </file>
@@ -533,15 +536,7 @@
             </a:br>
             <a:r>
               <a:rPr lang="en-US" dirty="0"/>
-              <a:t>Hello and welcome.  Mike and I will talk about using AI chat bots for software</a:t>
-            </a:r>
-            <a:r>
-              <a:rPr lang="en-US" baseline="0" dirty="0"/>
-              <a:t> development</a:t>
-            </a:r>
-            <a:r>
-              <a:rPr lang="en-US" dirty="0"/>
-              <a:t>. </a:t>
+              <a:t>Hello and welcome to the first of three videos about using AI for software development.  In this first video Mike and I will talk about using AI chat bots. </a:t>
             </a:r>
           </a:p>
           <a:p>

--- a/documents/AI Chat Bots.pptx
+++ b/documents/AI Chat Bots.pptx
@@ -210,7 +210,7 @@
           <a:p>
             <a:fld id="{6023D157-EEDE-449D-AE80-1B38B030D616}" type="datetimeFigureOut">
               <a:rPr lang="en-US" smtClean="0"/>
-              <a:t>1/8/2026</a:t>
+              <a:t>1/22/2026</a:t>
             </a:fld>
             <a:endParaRPr lang="en-US"/>
           </a:p>
@@ -538,15 +538,6 @@
               <a:rPr lang="en-US" dirty="0"/>
               <a:t>Hello and welcome to the first of three videos about using AI for software development.  In this first video Mike and I will talk about using AI chat bots. </a:t>
             </a:r>
-          </a:p>
-          <a:p>
-            <a:pPr>
-              <a:buNone/>
-            </a:pPr>
-            <a:r>
-              <a:rPr lang="en-US" dirty="0"/>
-              <a:t>The URL offers additional resources and code examples related to AI chat bots. </a:t>
-            </a:r>
             <a:br>
               <a:rPr lang="en-US" dirty="0"/>
             </a:br>
@@ -2025,7 +2016,7 @@
           <a:p>
             <a:fld id="{0B145D97-B311-40A5-ABD8-7A6BD9406EAF}" type="datetimeFigureOut">
               <a:rPr lang="en-US" smtClean="0"/>
-              <a:t>1/8/2026</a:t>
+              <a:t>1/22/2026</a:t>
             </a:fld>
             <a:endParaRPr lang="en-US"/>
           </a:p>
@@ -2223,7 +2214,7 @@
           <a:p>
             <a:fld id="{0B145D97-B311-40A5-ABD8-7A6BD9406EAF}" type="datetimeFigureOut">
               <a:rPr lang="en-US" smtClean="0"/>
-              <a:t>1/8/2026</a:t>
+              <a:t>1/22/2026</a:t>
             </a:fld>
             <a:endParaRPr lang="en-US"/>
           </a:p>
@@ -2431,7 +2422,7 @@
           <a:p>
             <a:fld id="{0B145D97-B311-40A5-ABD8-7A6BD9406EAF}" type="datetimeFigureOut">
               <a:rPr lang="en-US" smtClean="0"/>
-              <a:t>1/8/2026</a:t>
+              <a:t>1/22/2026</a:t>
             </a:fld>
             <a:endParaRPr lang="en-US"/>
           </a:p>
@@ -2629,7 +2620,7 @@
           <a:p>
             <a:fld id="{0B145D97-B311-40A5-ABD8-7A6BD9406EAF}" type="datetimeFigureOut">
               <a:rPr lang="en-US" smtClean="0"/>
-              <a:t>1/8/2026</a:t>
+              <a:t>1/22/2026</a:t>
             </a:fld>
             <a:endParaRPr lang="en-US"/>
           </a:p>
@@ -2904,7 +2895,7 @@
           <a:p>
             <a:fld id="{0B145D97-B311-40A5-ABD8-7A6BD9406EAF}" type="datetimeFigureOut">
               <a:rPr lang="en-US" smtClean="0"/>
-              <a:t>1/8/2026</a:t>
+              <a:t>1/22/2026</a:t>
             </a:fld>
             <a:endParaRPr lang="en-US"/>
           </a:p>
@@ -3169,7 +3160,7 @@
           <a:p>
             <a:fld id="{0B145D97-B311-40A5-ABD8-7A6BD9406EAF}" type="datetimeFigureOut">
               <a:rPr lang="en-US" smtClean="0"/>
-              <a:t>1/8/2026</a:t>
+              <a:t>1/22/2026</a:t>
             </a:fld>
             <a:endParaRPr lang="en-US"/>
           </a:p>
@@ -3581,7 +3572,7 @@
           <a:p>
             <a:fld id="{0B145D97-B311-40A5-ABD8-7A6BD9406EAF}" type="datetimeFigureOut">
               <a:rPr lang="en-US" smtClean="0"/>
-              <a:t>1/8/2026</a:t>
+              <a:t>1/22/2026</a:t>
             </a:fld>
             <a:endParaRPr lang="en-US"/>
           </a:p>
@@ -3722,7 +3713,7 @@
           <a:p>
             <a:fld id="{0B145D97-B311-40A5-ABD8-7A6BD9406EAF}" type="datetimeFigureOut">
               <a:rPr lang="en-US" smtClean="0"/>
-              <a:t>1/8/2026</a:t>
+              <a:t>1/22/2026</a:t>
             </a:fld>
             <a:endParaRPr lang="en-US"/>
           </a:p>
@@ -3835,7 +3826,7 @@
           <a:p>
             <a:fld id="{0B145D97-B311-40A5-ABD8-7A6BD9406EAF}" type="datetimeFigureOut">
               <a:rPr lang="en-US" smtClean="0"/>
-              <a:t>1/8/2026</a:t>
+              <a:t>1/22/2026</a:t>
             </a:fld>
             <a:endParaRPr lang="en-US"/>
           </a:p>
@@ -4146,7 +4137,7 @@
           <a:p>
             <a:fld id="{0B145D97-B311-40A5-ABD8-7A6BD9406EAF}" type="datetimeFigureOut">
               <a:rPr lang="en-US" smtClean="0"/>
-              <a:t>1/8/2026</a:t>
+              <a:t>1/22/2026</a:t>
             </a:fld>
             <a:endParaRPr lang="en-US"/>
           </a:p>
@@ -4434,7 +4425,7 @@
           <a:p>
             <a:fld id="{0B145D97-B311-40A5-ABD8-7A6BD9406EAF}" type="datetimeFigureOut">
               <a:rPr lang="en-US" smtClean="0"/>
-              <a:t>1/8/2026</a:t>
+              <a:t>1/22/2026</a:t>
             </a:fld>
             <a:endParaRPr lang="en-US"/>
           </a:p>
@@ -4675,7 +4666,7 @@
           <a:p>
             <a:fld id="{0B145D97-B311-40A5-ABD8-7A6BD9406EAF}" type="datetimeFigureOut">
               <a:rPr lang="en-US" smtClean="0"/>
-              <a:t>1/8/2026</a:t>
+              <a:t>1/22/2026</a:t>
             </a:fld>
             <a:endParaRPr lang="en-US"/>
           </a:p>
@@ -5110,12 +5101,27 @@
         </p:nvSpPr>
         <p:spPr/>
         <p:txBody>
-          <a:bodyPr/>
-          <a:lstStyle/>
-          <a:p>
-            <a:r>
-              <a:rPr lang="en-US" dirty="0"/>
-              <a:t>AI Chat Bots</a:t>
+          <a:bodyPr>
+            <a:normAutofit fontScale="90000"/>
+          </a:bodyPr>
+          <a:lstStyle/>
+          <a:p>
+            <a:br>
+              <a:rPr lang="en-US" dirty="0"/>
+            </a:br>
+            <a:r>
+              <a:rPr lang="en-US" sz="7300" dirty="0"/>
+              <a:t>AI for Software Dev</a:t>
+            </a:r>
+            <a:br>
+              <a:rPr lang="en-US" sz="7300" dirty="0"/>
+            </a:br>
+            <a:br>
+              <a:rPr lang="en-US" sz="1300" dirty="0"/>
+            </a:br>
+            <a:r>
+              <a:rPr lang="en-US" sz="4400" dirty="0"/>
+              <a:t>Video #1 - Chat Bots</a:t>
             </a:r>
           </a:p>
         </p:txBody>
@@ -5152,219 +5158,6 @@
             </a:r>
           </a:p>
           <a:p>
-            <a:r>
-              <a:rPr lang="en-US" dirty="0"/>
-              <a:t>January 9</a:t>
-            </a:r>
-            <a:r>
-              <a:rPr lang="en-US" baseline="30000" dirty="0"/>
-              <a:t>th</a:t>
-            </a:r>
-            <a:r>
-              <a:rPr lang="en-US" dirty="0"/>
-              <a:t>, 2026</a:t>
-            </a:r>
-          </a:p>
-        </p:txBody>
-      </p:sp>
-      <p:sp>
-        <p:nvSpPr>
-          <p:cNvPr id="4" name="Subtitle 2">
-            <a:extLst>
-              <a:ext uri="{FF2B5EF4-FFF2-40B4-BE49-F238E27FC236}">
-                <a16:creationId xmlns:a16="http://schemas.microsoft.com/office/drawing/2014/main" id="{8F614654-01B2-FA64-81FF-50CA8A14FE80}"/>
-              </a:ext>
-            </a:extLst>
-          </p:cNvPr>
-          <p:cNvSpPr txBox="1">
-            <a:spLocks/>
-          </p:cNvSpPr>
-          <p:nvPr/>
-        </p:nvSpPr>
-        <p:spPr>
-          <a:xfrm>
-            <a:off x="1368136" y="3754438"/>
-            <a:ext cx="9757064" cy="606280"/>
-          </a:xfrm>
-          <a:prstGeom prst="rect">
-            <a:avLst/>
-          </a:prstGeom>
-        </p:spPr>
-        <p:txBody>
-          <a:bodyPr vert="horz" lIns="91440" tIns="45720" rIns="91440" bIns="45720" rtlCol="0">
-            <a:normAutofit/>
-          </a:bodyPr>
-          <a:lstStyle>
-            <a:lvl1pPr marL="0" indent="0" algn="ctr" defTabSz="914400" rtl="0" eaLnBrk="1" latinLnBrk="0" hangingPunct="1">
-              <a:lnSpc>
-                <a:spcPct val="90000"/>
-              </a:lnSpc>
-              <a:spcBef>
-                <a:spcPts val="1000"/>
-              </a:spcBef>
-              <a:buFont typeface="Arial" panose="020B0604020202020204" pitchFamily="34" charset="0"/>
-              <a:buNone/>
-              <a:defRPr sz="2400" kern="1200">
-                <a:solidFill>
-                  <a:schemeClr val="tx1"/>
-                </a:solidFill>
-                <a:latin typeface="+mn-lt"/>
-                <a:ea typeface="+mn-ea"/>
-                <a:cs typeface="+mn-cs"/>
-              </a:defRPr>
-            </a:lvl1pPr>
-            <a:lvl2pPr marL="457200" indent="0" algn="ctr" defTabSz="914400" rtl="0" eaLnBrk="1" latinLnBrk="0" hangingPunct="1">
-              <a:lnSpc>
-                <a:spcPct val="90000"/>
-              </a:lnSpc>
-              <a:spcBef>
-                <a:spcPts val="500"/>
-              </a:spcBef>
-              <a:buFont typeface="Arial" panose="020B0604020202020204" pitchFamily="34" charset="0"/>
-              <a:buNone/>
-              <a:defRPr sz="2000" kern="1200">
-                <a:solidFill>
-                  <a:schemeClr val="tx1"/>
-                </a:solidFill>
-                <a:latin typeface="+mn-lt"/>
-                <a:ea typeface="+mn-ea"/>
-                <a:cs typeface="+mn-cs"/>
-              </a:defRPr>
-            </a:lvl2pPr>
-            <a:lvl3pPr marL="914400" indent="0" algn="ctr" defTabSz="914400" rtl="0" eaLnBrk="1" latinLnBrk="0" hangingPunct="1">
-              <a:lnSpc>
-                <a:spcPct val="90000"/>
-              </a:lnSpc>
-              <a:spcBef>
-                <a:spcPts val="500"/>
-              </a:spcBef>
-              <a:buFont typeface="Arial" panose="020B0604020202020204" pitchFamily="34" charset="0"/>
-              <a:buNone/>
-              <a:defRPr sz="1800" kern="1200">
-                <a:solidFill>
-                  <a:schemeClr val="tx1"/>
-                </a:solidFill>
-                <a:latin typeface="+mn-lt"/>
-                <a:ea typeface="+mn-ea"/>
-                <a:cs typeface="+mn-cs"/>
-              </a:defRPr>
-            </a:lvl3pPr>
-            <a:lvl4pPr marL="1371600" indent="0" algn="ctr" defTabSz="914400" rtl="0" eaLnBrk="1" latinLnBrk="0" hangingPunct="1">
-              <a:lnSpc>
-                <a:spcPct val="90000"/>
-              </a:lnSpc>
-              <a:spcBef>
-                <a:spcPts val="500"/>
-              </a:spcBef>
-              <a:buFont typeface="Arial" panose="020B0604020202020204" pitchFamily="34" charset="0"/>
-              <a:buNone/>
-              <a:defRPr sz="1600" kern="1200">
-                <a:solidFill>
-                  <a:schemeClr val="tx1"/>
-                </a:solidFill>
-                <a:latin typeface="+mn-lt"/>
-                <a:ea typeface="+mn-ea"/>
-                <a:cs typeface="+mn-cs"/>
-              </a:defRPr>
-            </a:lvl4pPr>
-            <a:lvl5pPr marL="1828800" indent="0" algn="ctr" defTabSz="914400" rtl="0" eaLnBrk="1" latinLnBrk="0" hangingPunct="1">
-              <a:lnSpc>
-                <a:spcPct val="90000"/>
-              </a:lnSpc>
-              <a:spcBef>
-                <a:spcPts val="500"/>
-              </a:spcBef>
-              <a:buFont typeface="Arial" panose="020B0604020202020204" pitchFamily="34" charset="0"/>
-              <a:buNone/>
-              <a:defRPr sz="1600" kern="1200">
-                <a:solidFill>
-                  <a:schemeClr val="tx1"/>
-                </a:solidFill>
-                <a:latin typeface="+mn-lt"/>
-                <a:ea typeface="+mn-ea"/>
-                <a:cs typeface="+mn-cs"/>
-              </a:defRPr>
-            </a:lvl5pPr>
-            <a:lvl6pPr marL="2286000" indent="0" algn="ctr" defTabSz="914400" rtl="0" eaLnBrk="1" latinLnBrk="0" hangingPunct="1">
-              <a:lnSpc>
-                <a:spcPct val="90000"/>
-              </a:lnSpc>
-              <a:spcBef>
-                <a:spcPts val="500"/>
-              </a:spcBef>
-              <a:buFont typeface="Arial" panose="020B0604020202020204" pitchFamily="34" charset="0"/>
-              <a:buNone/>
-              <a:defRPr sz="1600" kern="1200">
-                <a:solidFill>
-                  <a:schemeClr val="tx1"/>
-                </a:solidFill>
-                <a:latin typeface="+mn-lt"/>
-                <a:ea typeface="+mn-ea"/>
-                <a:cs typeface="+mn-cs"/>
-              </a:defRPr>
-            </a:lvl6pPr>
-            <a:lvl7pPr marL="2743200" indent="0" algn="ctr" defTabSz="914400" rtl="0" eaLnBrk="1" latinLnBrk="0" hangingPunct="1">
-              <a:lnSpc>
-                <a:spcPct val="90000"/>
-              </a:lnSpc>
-              <a:spcBef>
-                <a:spcPts val="500"/>
-              </a:spcBef>
-              <a:buFont typeface="Arial" panose="020B0604020202020204" pitchFamily="34" charset="0"/>
-              <a:buNone/>
-              <a:defRPr sz="1600" kern="1200">
-                <a:solidFill>
-                  <a:schemeClr val="tx1"/>
-                </a:solidFill>
-                <a:latin typeface="+mn-lt"/>
-                <a:ea typeface="+mn-ea"/>
-                <a:cs typeface="+mn-cs"/>
-              </a:defRPr>
-            </a:lvl7pPr>
-            <a:lvl8pPr marL="3200400" indent="0" algn="ctr" defTabSz="914400" rtl="0" eaLnBrk="1" latinLnBrk="0" hangingPunct="1">
-              <a:lnSpc>
-                <a:spcPct val="90000"/>
-              </a:lnSpc>
-              <a:spcBef>
-                <a:spcPts val="500"/>
-              </a:spcBef>
-              <a:buFont typeface="Arial" panose="020B0604020202020204" pitchFamily="34" charset="0"/>
-              <a:buNone/>
-              <a:defRPr sz="1600" kern="1200">
-                <a:solidFill>
-                  <a:schemeClr val="tx1"/>
-                </a:solidFill>
-                <a:latin typeface="+mn-lt"/>
-                <a:ea typeface="+mn-ea"/>
-                <a:cs typeface="+mn-cs"/>
-              </a:defRPr>
-            </a:lvl8pPr>
-            <a:lvl9pPr marL="3657600" indent="0" algn="ctr" defTabSz="914400" rtl="0" eaLnBrk="1" latinLnBrk="0" hangingPunct="1">
-              <a:lnSpc>
-                <a:spcPct val="90000"/>
-              </a:lnSpc>
-              <a:spcBef>
-                <a:spcPts val="500"/>
-              </a:spcBef>
-              <a:buFont typeface="Arial" panose="020B0604020202020204" pitchFamily="34" charset="0"/>
-              <a:buNone/>
-              <a:defRPr sz="1600" kern="1200">
-                <a:solidFill>
-                  <a:schemeClr val="tx1"/>
-                </a:solidFill>
-                <a:latin typeface="+mn-lt"/>
-                <a:ea typeface="+mn-ea"/>
-                <a:cs typeface="+mn-cs"/>
-              </a:defRPr>
-            </a:lvl9pPr>
-          </a:lstStyle>
-          <a:p>
-            <a:r>
-              <a:rPr lang="en-US">
-                <a:hlinkClick r:id="rId3"/>
-              </a:rPr>
-              <a:t>https://jimfawcett.github.io/NewSite/Code/CodeBites_ChatBotAI.html</a:t>
-            </a:r>
             <a:endParaRPr lang="en-US" dirty="0"/>
           </a:p>
         </p:txBody>

--- a/documents/AI Chat Bots.pptx
+++ b/documents/AI Chat Bots.pptx
@@ -210,7 +210,7 @@
           <a:p>
             <a:fld id="{6023D157-EEDE-449D-AE80-1B38B030D616}" type="datetimeFigureOut">
               <a:rPr lang="en-US" smtClean="0"/>
-              <a:t>1/22/2026</a:t>
+              <a:t>2/20/2026</a:t>
             </a:fld>
             <a:endParaRPr lang="en-US"/>
           </a:p>
@@ -2016,7 +2016,7 @@
           <a:p>
             <a:fld id="{0B145D97-B311-40A5-ABD8-7A6BD9406EAF}" type="datetimeFigureOut">
               <a:rPr lang="en-US" smtClean="0"/>
-              <a:t>1/22/2026</a:t>
+              <a:t>2/20/2026</a:t>
             </a:fld>
             <a:endParaRPr lang="en-US"/>
           </a:p>
@@ -2214,7 +2214,7 @@
           <a:p>
             <a:fld id="{0B145D97-B311-40A5-ABD8-7A6BD9406EAF}" type="datetimeFigureOut">
               <a:rPr lang="en-US" smtClean="0"/>
-              <a:t>1/22/2026</a:t>
+              <a:t>2/20/2026</a:t>
             </a:fld>
             <a:endParaRPr lang="en-US"/>
           </a:p>
@@ -2422,7 +2422,7 @@
           <a:p>
             <a:fld id="{0B145D97-B311-40A5-ABD8-7A6BD9406EAF}" type="datetimeFigureOut">
               <a:rPr lang="en-US" smtClean="0"/>
-              <a:t>1/22/2026</a:t>
+              <a:t>2/20/2026</a:t>
             </a:fld>
             <a:endParaRPr lang="en-US"/>
           </a:p>
@@ -2620,7 +2620,7 @@
           <a:p>
             <a:fld id="{0B145D97-B311-40A5-ABD8-7A6BD9406EAF}" type="datetimeFigureOut">
               <a:rPr lang="en-US" smtClean="0"/>
-              <a:t>1/22/2026</a:t>
+              <a:t>2/20/2026</a:t>
             </a:fld>
             <a:endParaRPr lang="en-US"/>
           </a:p>
@@ -2895,7 +2895,7 @@
           <a:p>
             <a:fld id="{0B145D97-B311-40A5-ABD8-7A6BD9406EAF}" type="datetimeFigureOut">
               <a:rPr lang="en-US" smtClean="0"/>
-              <a:t>1/22/2026</a:t>
+              <a:t>2/20/2026</a:t>
             </a:fld>
             <a:endParaRPr lang="en-US"/>
           </a:p>
@@ -3160,7 +3160,7 @@
           <a:p>
             <a:fld id="{0B145D97-B311-40A5-ABD8-7A6BD9406EAF}" type="datetimeFigureOut">
               <a:rPr lang="en-US" smtClean="0"/>
-              <a:t>1/22/2026</a:t>
+              <a:t>2/20/2026</a:t>
             </a:fld>
             <a:endParaRPr lang="en-US"/>
           </a:p>
@@ -3572,7 +3572,7 @@
           <a:p>
             <a:fld id="{0B145D97-B311-40A5-ABD8-7A6BD9406EAF}" type="datetimeFigureOut">
               <a:rPr lang="en-US" smtClean="0"/>
-              <a:t>1/22/2026</a:t>
+              <a:t>2/20/2026</a:t>
             </a:fld>
             <a:endParaRPr lang="en-US"/>
           </a:p>
@@ -3713,7 +3713,7 @@
           <a:p>
             <a:fld id="{0B145D97-B311-40A5-ABD8-7A6BD9406EAF}" type="datetimeFigureOut">
               <a:rPr lang="en-US" smtClean="0"/>
-              <a:t>1/22/2026</a:t>
+              <a:t>2/20/2026</a:t>
             </a:fld>
             <a:endParaRPr lang="en-US"/>
           </a:p>
@@ -3826,7 +3826,7 @@
           <a:p>
             <a:fld id="{0B145D97-B311-40A5-ABD8-7A6BD9406EAF}" type="datetimeFigureOut">
               <a:rPr lang="en-US" smtClean="0"/>
-              <a:t>1/22/2026</a:t>
+              <a:t>2/20/2026</a:t>
             </a:fld>
             <a:endParaRPr lang="en-US"/>
           </a:p>
@@ -4137,7 +4137,7 @@
           <a:p>
             <a:fld id="{0B145D97-B311-40A5-ABD8-7A6BD9406EAF}" type="datetimeFigureOut">
               <a:rPr lang="en-US" smtClean="0"/>
-              <a:t>1/22/2026</a:t>
+              <a:t>2/20/2026</a:t>
             </a:fld>
             <a:endParaRPr lang="en-US"/>
           </a:p>
@@ -4425,7 +4425,7 @@
           <a:p>
             <a:fld id="{0B145D97-B311-40A5-ABD8-7A6BD9406EAF}" type="datetimeFigureOut">
               <a:rPr lang="en-US" smtClean="0"/>
-              <a:t>1/22/2026</a:t>
+              <a:t>2/20/2026</a:t>
             </a:fld>
             <a:endParaRPr lang="en-US"/>
           </a:p>
@@ -4666,7 +4666,7 @@
           <a:p>
             <a:fld id="{0B145D97-B311-40A5-ABD8-7A6BD9406EAF}" type="datetimeFigureOut">
               <a:rPr lang="en-US" smtClean="0"/>
-              <a:t>1/22/2026</a:t>
+              <a:t>2/20/2026</a:t>
             </a:fld>
             <a:endParaRPr lang="en-US"/>
           </a:p>
